--- a/images/GAN/프레젠테이션7.pptx
+++ b/images/GAN/프레젠테이션7.pptx
@@ -5,12 +5,16 @@
     <p:sldMasterId id="2147483648" r:id="rId1"/>
   </p:sldMasterIdLst>
   <p:notesMasterIdLst>
-    <p:notesMasterId r:id="rId5"/>
+    <p:notesMasterId r:id="rId9"/>
   </p:notesMasterIdLst>
   <p:sldIdLst>
     <p:sldId id="256" r:id="rId2"/>
     <p:sldId id="257" r:id="rId3"/>
     <p:sldId id="258" r:id="rId4"/>
+    <p:sldId id="259" r:id="rId5"/>
+    <p:sldId id="260" r:id="rId6"/>
+    <p:sldId id="261" r:id="rId7"/>
+    <p:sldId id="262" r:id="rId8"/>
   </p:sldIdLst>
   <p:sldSz cx="12192000" cy="6858000"/>
   <p:notesSz cx="6858000" cy="9144000"/>
@@ -109,6 +113,11 @@
       </a:defRPr>
     </a:lvl9pPr>
   </p:defaultTextStyle>
+  <p:extLst>
+    <p:ext uri="{EFAFB233-063F-42B5-8137-9DF3F51BA10A}">
+      <p15:sldGuideLst xmlns:p15="http://schemas.microsoft.com/office/powerpoint/2012/main"/>
+    </p:ext>
+  </p:extLst>
 </p:presentation>
 </file>
 
@@ -193,7 +202,7 @@
           </a:lstStyle>
           <a:p>
             <a:fld id="{B4990F46-1CE7-1744-9FE4-55C9920B0459}" type="datetimeFigureOut">
-              <a:t>2021. 8. 12.</a:t>
+              <a:t>2021. 8. 14.</a:t>
             </a:fld>
             <a:endParaRPr kumimoji="1" lang="ko-Kore-KR" altLang="en-US"/>
           </a:p>
@@ -774,7 +783,7 @@
           <a:lstStyle/>
           <a:p>
             <a:fld id="{F22C7C44-927F-894B-8BC2-7437D00A8DBD}" type="datetimeFigureOut">
-              <a:t>2021. 8. 12.</a:t>
+              <a:t>2021. 8. 14.</a:t>
             </a:fld>
             <a:endParaRPr kumimoji="1" lang="ko-Kore-KR" altLang="en-US"/>
           </a:p>
@@ -972,7 +981,7 @@
           <a:lstStyle/>
           <a:p>
             <a:fld id="{F22C7C44-927F-894B-8BC2-7437D00A8DBD}" type="datetimeFigureOut">
-              <a:t>2021. 8. 12.</a:t>
+              <a:t>2021. 8. 14.</a:t>
             </a:fld>
             <a:endParaRPr kumimoji="1" lang="ko-Kore-KR" altLang="en-US"/>
           </a:p>
@@ -1180,7 +1189,7 @@
           <a:lstStyle/>
           <a:p>
             <a:fld id="{F22C7C44-927F-894B-8BC2-7437D00A8DBD}" type="datetimeFigureOut">
-              <a:t>2021. 8. 12.</a:t>
+              <a:t>2021. 8. 14.</a:t>
             </a:fld>
             <a:endParaRPr kumimoji="1" lang="ko-Kore-KR" altLang="en-US"/>
           </a:p>
@@ -1378,7 +1387,7 @@
           <a:lstStyle/>
           <a:p>
             <a:fld id="{F22C7C44-927F-894B-8BC2-7437D00A8DBD}" type="datetimeFigureOut">
-              <a:t>2021. 8. 12.</a:t>
+              <a:t>2021. 8. 14.</a:t>
             </a:fld>
             <a:endParaRPr kumimoji="1" lang="ko-Kore-KR" altLang="en-US"/>
           </a:p>
@@ -1652,7 +1661,7 @@
           <a:lstStyle/>
           <a:p>
             <a:fld id="{F22C7C44-927F-894B-8BC2-7437D00A8DBD}" type="datetimeFigureOut">
-              <a:t>2021. 8. 12.</a:t>
+              <a:t>2021. 8. 14.</a:t>
             </a:fld>
             <a:endParaRPr kumimoji="1" lang="ko-Kore-KR" altLang="en-US"/>
           </a:p>
@@ -1918,7 +1927,7 @@
           <a:lstStyle/>
           <a:p>
             <a:fld id="{F22C7C44-927F-894B-8BC2-7437D00A8DBD}" type="datetimeFigureOut">
-              <a:t>2021. 8. 12.</a:t>
+              <a:t>2021. 8. 14.</a:t>
             </a:fld>
             <a:endParaRPr kumimoji="1" lang="ko-Kore-KR" altLang="en-US"/>
           </a:p>
@@ -2331,7 +2340,7 @@
           <a:lstStyle/>
           <a:p>
             <a:fld id="{F22C7C44-927F-894B-8BC2-7437D00A8DBD}" type="datetimeFigureOut">
-              <a:t>2021. 8. 12.</a:t>
+              <a:t>2021. 8. 14.</a:t>
             </a:fld>
             <a:endParaRPr kumimoji="1" lang="ko-Kore-KR" altLang="en-US"/>
           </a:p>
@@ -2471,7 +2480,7 @@
           <a:lstStyle/>
           <a:p>
             <a:fld id="{F22C7C44-927F-894B-8BC2-7437D00A8DBD}" type="datetimeFigureOut">
-              <a:t>2021. 8. 12.</a:t>
+              <a:t>2021. 8. 14.</a:t>
             </a:fld>
             <a:endParaRPr kumimoji="1" lang="ko-Kore-KR" altLang="en-US"/>
           </a:p>
@@ -2582,7 +2591,7 @@
           <a:lstStyle/>
           <a:p>
             <a:fld id="{F22C7C44-927F-894B-8BC2-7437D00A8DBD}" type="datetimeFigureOut">
-              <a:t>2021. 8. 12.</a:t>
+              <a:t>2021. 8. 14.</a:t>
             </a:fld>
             <a:endParaRPr kumimoji="1" lang="ko-Kore-KR" altLang="en-US"/>
           </a:p>
@@ -2893,7 +2902,7 @@
           <a:lstStyle/>
           <a:p>
             <a:fld id="{F22C7C44-927F-894B-8BC2-7437D00A8DBD}" type="datetimeFigureOut">
-              <a:t>2021. 8. 12.</a:t>
+              <a:t>2021. 8. 14.</a:t>
             </a:fld>
             <a:endParaRPr kumimoji="1" lang="ko-Kore-KR" altLang="en-US"/>
           </a:p>
@@ -3180,7 +3189,7 @@
           <a:lstStyle/>
           <a:p>
             <a:fld id="{F22C7C44-927F-894B-8BC2-7437D00A8DBD}" type="datetimeFigureOut">
-              <a:t>2021. 8. 12.</a:t>
+              <a:t>2021. 8. 14.</a:t>
             </a:fld>
             <a:endParaRPr kumimoji="1" lang="ko-Kore-KR" altLang="en-US"/>
           </a:p>
@@ -3421,7 +3430,7 @@
           </a:lstStyle>
           <a:p>
             <a:fld id="{F22C7C44-927F-894B-8BC2-7437D00A8DBD}" type="datetimeFigureOut">
-              <a:t>2021. 8. 12.</a:t>
+              <a:t>2021. 8. 14.</a:t>
             </a:fld>
             <a:endParaRPr kumimoji="1" lang="ko-Kore-KR" altLang="en-US"/>
           </a:p>
@@ -7410,8 +7419,8 @@
           </a:extLst>
         </p:spPr>
       </p:pic>
-      <mc:AlternateContent xmlns:mc="http://schemas.openxmlformats.org/markup-compatibility/2006">
-        <mc:Choice xmlns:a14="http://schemas.microsoft.com/office/drawing/2010/main" Requires="a14">
+      <mc:AlternateContent xmlns:mc="http://schemas.openxmlformats.org/markup-compatibility/2006" xmlns:a14="http://schemas.microsoft.com/office/drawing/2010/main">
+        <mc:Choice Requires="a14">
           <p:sp>
             <p:nvSpPr>
               <p:cNvPr id="9" name="TextBox 8">
@@ -7440,6 +7449,7 @@
               </a:bodyPr>
               <a:lstStyle/>
               <a:p>
+                <a:pPr/>
                 <a14:m>
                   <m:oMathPara xmlns:m="http://schemas.openxmlformats.org/officeDocument/2006/math">
                     <m:oMathParaPr>
@@ -7460,7 +7470,7 @@
             </p:txBody>
           </p:sp>
         </mc:Choice>
-        <mc:Fallback>
+        <mc:Fallback xmlns="">
           <p:sp>
             <p:nvSpPr>
               <p:cNvPr id="9" name="TextBox 8">
@@ -7668,8 +7678,8 @@
           </a:p>
         </p:txBody>
       </p:sp>
-      <mc:AlternateContent xmlns:mc="http://schemas.openxmlformats.org/markup-compatibility/2006">
-        <mc:Choice xmlns:a14="http://schemas.microsoft.com/office/drawing/2010/main" Requires="a14">
+      <mc:AlternateContent xmlns:mc="http://schemas.openxmlformats.org/markup-compatibility/2006" xmlns:a14="http://schemas.microsoft.com/office/drawing/2010/main">
+        <mc:Choice Requires="a14">
           <p:sp>
             <p:nvSpPr>
               <p:cNvPr id="16" name="TextBox 15">
@@ -7698,6 +7708,7 @@
               </a:bodyPr>
               <a:lstStyle/>
               <a:p>
+                <a:pPr/>
                 <a14:m>
                   <m:oMathPara xmlns:m="http://schemas.openxmlformats.org/officeDocument/2006/math">
                     <m:oMathParaPr>
@@ -7718,7 +7729,7 @@
             </p:txBody>
           </p:sp>
         </mc:Choice>
-        <mc:Fallback>
+        <mc:Fallback xmlns="">
           <p:sp>
             <p:nvSpPr>
               <p:cNvPr id="16" name="TextBox 15">
@@ -7926,8 +7937,8 @@
           </a:extLst>
         </p:spPr>
       </p:pic>
-      <mc:AlternateContent xmlns:mc="http://schemas.openxmlformats.org/markup-compatibility/2006">
-        <mc:Choice xmlns:a14="http://schemas.microsoft.com/office/drawing/2010/main" Requires="a14">
+      <mc:AlternateContent xmlns:mc="http://schemas.openxmlformats.org/markup-compatibility/2006" xmlns:a14="http://schemas.microsoft.com/office/drawing/2010/main">
+        <mc:Choice Requires="a14">
           <p:sp>
             <p:nvSpPr>
               <p:cNvPr id="22" name="TextBox 21">
@@ -7956,6 +7967,7 @@
               </a:bodyPr>
               <a:lstStyle/>
               <a:p>
+                <a:pPr/>
                 <a14:m>
                   <m:oMathPara xmlns:m="http://schemas.openxmlformats.org/officeDocument/2006/math">
                     <m:oMathParaPr>
@@ -7976,7 +7988,7 @@
             </p:txBody>
           </p:sp>
         </mc:Choice>
-        <mc:Fallback>
+        <mc:Fallback xmlns="">
           <p:sp>
             <p:nvSpPr>
               <p:cNvPr id="22" name="TextBox 21">
@@ -8457,8 +8469,8 @@
           </a:fontRef>
         </p:style>
       </p:cxnSp>
-      <mc:AlternateContent xmlns:mc="http://schemas.openxmlformats.org/markup-compatibility/2006">
-        <mc:Choice xmlns:a14="http://schemas.microsoft.com/office/drawing/2010/main" Requires="a14">
+      <mc:AlternateContent xmlns:mc="http://schemas.openxmlformats.org/markup-compatibility/2006" xmlns:a14="http://schemas.microsoft.com/office/drawing/2010/main">
+        <mc:Choice Requires="a14">
           <p:sp>
             <p:nvSpPr>
               <p:cNvPr id="36" name="TextBox 35">
@@ -8487,6 +8499,7 @@
               </a:bodyPr>
               <a:lstStyle/>
               <a:p>
+                <a:pPr/>
                 <a14:m>
                   <m:oMathPara xmlns:m="http://schemas.openxmlformats.org/officeDocument/2006/math">
                     <m:oMathParaPr>
@@ -8570,7 +8583,7 @@
             </p:txBody>
           </p:sp>
         </mc:Choice>
-        <mc:Fallback>
+        <mc:Fallback xmlns="">
           <p:sp>
             <p:nvSpPr>
               <p:cNvPr id="36" name="TextBox 35">
@@ -8615,8 +8628,8 @@
           </p:sp>
         </mc:Fallback>
       </mc:AlternateContent>
-      <mc:AlternateContent xmlns:mc="http://schemas.openxmlformats.org/markup-compatibility/2006">
-        <mc:Choice xmlns:a14="http://schemas.microsoft.com/office/drawing/2010/main" Requires="a14">
+      <mc:AlternateContent xmlns:mc="http://schemas.openxmlformats.org/markup-compatibility/2006" xmlns:a14="http://schemas.microsoft.com/office/drawing/2010/main">
+        <mc:Choice Requires="a14">
           <p:sp>
             <p:nvSpPr>
               <p:cNvPr id="44" name="TextBox 43">
@@ -8645,6 +8658,7 @@
               </a:bodyPr>
               <a:lstStyle/>
               <a:p>
+                <a:pPr/>
                 <a14:m>
                   <m:oMathPara xmlns:m="http://schemas.openxmlformats.org/officeDocument/2006/math">
                     <m:oMathParaPr>
@@ -8728,7 +8742,7 @@
             </p:txBody>
           </p:sp>
         </mc:Choice>
-        <mc:Fallback>
+        <mc:Fallback xmlns="">
           <p:sp>
             <p:nvSpPr>
               <p:cNvPr id="44" name="TextBox 43">
@@ -8773,8 +8787,8 @@
           </p:sp>
         </mc:Fallback>
       </mc:AlternateContent>
-      <mc:AlternateContent xmlns:mc="http://schemas.openxmlformats.org/markup-compatibility/2006">
-        <mc:Choice xmlns:a14="http://schemas.microsoft.com/office/drawing/2010/main" Requires="a14">
+      <mc:AlternateContent xmlns:mc="http://schemas.openxmlformats.org/markup-compatibility/2006" xmlns:a14="http://schemas.microsoft.com/office/drawing/2010/main">
+        <mc:Choice Requires="a14">
           <p:sp>
             <p:nvSpPr>
               <p:cNvPr id="46" name="TextBox 45">
@@ -8803,6 +8817,7 @@
               </a:bodyPr>
               <a:lstStyle/>
               <a:p>
+                <a:pPr/>
                 <a14:m>
                   <m:oMathPara xmlns:m="http://schemas.openxmlformats.org/officeDocument/2006/math">
                     <m:oMathParaPr>
@@ -8886,7 +8901,7 @@
             </p:txBody>
           </p:sp>
         </mc:Choice>
-        <mc:Fallback>
+        <mc:Fallback xmlns="">
           <p:sp>
             <p:nvSpPr>
               <p:cNvPr id="46" name="TextBox 45">
@@ -9271,8 +9286,8 @@
           </a:p>
         </p:txBody>
       </p:sp>
-      <mc:AlternateContent xmlns:mc="http://schemas.openxmlformats.org/markup-compatibility/2006">
-        <mc:Choice xmlns:a14="http://schemas.microsoft.com/office/drawing/2010/main" Requires="a14">
+      <mc:AlternateContent xmlns:mc="http://schemas.openxmlformats.org/markup-compatibility/2006" xmlns:a14="http://schemas.microsoft.com/office/drawing/2010/main">
+        <mc:Choice Requires="a14">
           <p:sp>
             <p:nvSpPr>
               <p:cNvPr id="21" name="TextBox 20">
@@ -9301,6 +9316,7 @@
               </a:bodyPr>
               <a:lstStyle/>
               <a:p>
+                <a:pPr/>
                 <a14:m>
                   <m:oMathPara xmlns:m="http://schemas.openxmlformats.org/officeDocument/2006/math">
                     <m:oMathParaPr>
@@ -9339,7 +9355,7 @@
             </p:txBody>
           </p:sp>
         </mc:Choice>
-        <mc:Fallback>
+        <mc:Fallback xmlns="">
           <p:sp>
             <p:nvSpPr>
               <p:cNvPr id="21" name="TextBox 20">
@@ -9436,8 +9452,8 @@
           </a:p>
         </p:txBody>
       </p:sp>
-      <mc:AlternateContent xmlns:mc="http://schemas.openxmlformats.org/markup-compatibility/2006">
-        <mc:Choice xmlns:a14="http://schemas.microsoft.com/office/drawing/2010/main" Requires="a14">
+      <mc:AlternateContent xmlns:mc="http://schemas.openxmlformats.org/markup-compatibility/2006" xmlns:a14="http://schemas.microsoft.com/office/drawing/2010/main">
+        <mc:Choice Requires="a14">
           <p:sp>
             <p:nvSpPr>
               <p:cNvPr id="24" name="직사각형 23">
@@ -9505,7 +9521,7 @@
             </p:txBody>
           </p:sp>
         </mc:Choice>
-        <mc:Fallback>
+        <mc:Fallback xmlns="">
           <p:sp>
             <p:nvSpPr>
               <p:cNvPr id="24" name="직사각형 23">
@@ -9550,8 +9566,8 @@
           </p:sp>
         </mc:Fallback>
       </mc:AlternateContent>
-      <mc:AlternateContent xmlns:mc="http://schemas.openxmlformats.org/markup-compatibility/2006">
-        <mc:Choice xmlns:a14="http://schemas.microsoft.com/office/drawing/2010/main" Requires="a14">
+      <mc:AlternateContent xmlns:mc="http://schemas.openxmlformats.org/markup-compatibility/2006" xmlns:a14="http://schemas.microsoft.com/office/drawing/2010/main">
+        <mc:Choice Requires="a14">
           <p:sp>
             <p:nvSpPr>
               <p:cNvPr id="26" name="직사각형 25">
@@ -9619,7 +9635,7 @@
             </p:txBody>
           </p:sp>
         </mc:Choice>
-        <mc:Fallback>
+        <mc:Fallback xmlns="">
           <p:sp>
             <p:nvSpPr>
               <p:cNvPr id="26" name="직사각형 25">
@@ -9664,8 +9680,8 @@
           </p:sp>
         </mc:Fallback>
       </mc:AlternateContent>
-      <mc:AlternateContent xmlns:mc="http://schemas.openxmlformats.org/markup-compatibility/2006">
-        <mc:Choice xmlns:a14="http://schemas.microsoft.com/office/drawing/2010/main" Requires="a14">
+      <mc:AlternateContent xmlns:mc="http://schemas.openxmlformats.org/markup-compatibility/2006" xmlns:a14="http://schemas.microsoft.com/office/drawing/2010/main">
+        <mc:Choice Requires="a14">
           <p:sp>
             <p:nvSpPr>
               <p:cNvPr id="28" name="직사각형 27">
@@ -9733,7 +9749,7 @@
             </p:txBody>
           </p:sp>
         </mc:Choice>
-        <mc:Fallback>
+        <mc:Fallback xmlns="">
           <p:sp>
             <p:nvSpPr>
               <p:cNvPr id="28" name="직사각형 27">
@@ -9867,47 +9883,6 @@
           </a:fontRef>
         </p:style>
       </p:cxnSp>
-      <p:cxnSp>
-        <p:nvCxnSpPr>
-          <p:cNvPr id="40" name="구부러진 연결선[U] 39">
-            <a:extLst>
-              <a:ext uri="{FF2B5EF4-FFF2-40B4-BE49-F238E27FC236}">
-                <a16:creationId xmlns:a16="http://schemas.microsoft.com/office/drawing/2014/main" id="{DB9DA522-DB21-EC4E-BABF-FD9B7AF38F3F}"/>
-              </a:ext>
-            </a:extLst>
-          </p:cNvPr>
-          <p:cNvCxnSpPr>
-            <a:cxnSpLocks/>
-          </p:cNvCxnSpPr>
-          <p:nvPr/>
-        </p:nvCxnSpPr>
-        <p:spPr>
-          <a:xfrm rot="16200000" flipH="1">
-            <a:off x="2957303" y="2050897"/>
-            <a:ext cx="5158207" cy="4079705"/>
-          </a:xfrm>
-          <a:prstGeom prst="curvedConnector3">
-            <a:avLst>
-              <a:gd name="adj1" fmla="val 50000"/>
-            </a:avLst>
-          </a:prstGeom>
-          <a:ln w="38100"/>
-        </p:spPr>
-        <p:style>
-          <a:lnRef idx="1">
-            <a:schemeClr val="dk1"/>
-          </a:lnRef>
-          <a:fillRef idx="0">
-            <a:schemeClr val="dk1"/>
-          </a:fillRef>
-          <a:effectRef idx="0">
-            <a:schemeClr val="dk1"/>
-          </a:effectRef>
-          <a:fontRef idx="minor">
-            <a:schemeClr val="tx1"/>
-          </a:fontRef>
-        </p:style>
-      </p:cxnSp>
       <p:sp>
         <p:nvSpPr>
           <p:cNvPr id="36" name="왼쪽 화살표[L] 35">
@@ -10006,36 +9981,558 @@
           </a:p>
         </p:txBody>
       </p:sp>
+    </p:spTree>
+    <p:extLst>
+      <p:ext uri="{BB962C8B-B14F-4D97-AF65-F5344CB8AC3E}">
+        <p14:creationId xmlns:p14="http://schemas.microsoft.com/office/powerpoint/2010/main" val="2646652900"/>
+      </p:ext>
+    </p:extLst>
+  </p:cSld>
+  <p:clrMapOvr>
+    <a:masterClrMapping/>
+  </p:clrMapOvr>
+</p:sld>
+</file>
+
+<file path=ppt/slides/slide4.xml><?xml version="1.0" encoding="utf-8"?>
+<p:sld xmlns:a="http://schemas.openxmlformats.org/drawingml/2006/main" xmlns:r="http://schemas.openxmlformats.org/officeDocument/2006/relationships" xmlns:p="http://schemas.openxmlformats.org/presentationml/2006/main">
+  <p:cSld>
+    <p:spTree>
+      <p:nvGrpSpPr>
+        <p:cNvPr id="1" name=""/>
+        <p:cNvGrpSpPr/>
+        <p:nvPr/>
+      </p:nvGrpSpPr>
+      <p:grpSpPr>
+        <a:xfrm>
+          <a:off x="0" y="0"/>
+          <a:ext cx="0" cy="0"/>
+          <a:chOff x="0" y="0"/>
+          <a:chExt cx="0" cy="0"/>
+        </a:xfrm>
+      </p:grpSpPr>
+      <p:pic>
+        <p:nvPicPr>
+          <p:cNvPr id="5" name="Picture 2">
+            <a:extLst>
+              <a:ext uri="{FF2B5EF4-FFF2-40B4-BE49-F238E27FC236}">
+                <a16:creationId xmlns:a16="http://schemas.microsoft.com/office/drawing/2014/main" id="{856FA086-FC1C-3948-AA49-48E490472F00}"/>
+              </a:ext>
+            </a:extLst>
+          </p:cNvPr>
+          <p:cNvPicPr>
+            <a:picLocks noChangeAspect="1" noChangeArrowheads="1"/>
+          </p:cNvPicPr>
+          <p:nvPr/>
+        </p:nvPicPr>
+        <p:blipFill rotWithShape="1">
+          <a:blip r:embed="rId2">
+            <a:extLst>
+              <a:ext uri="{28A0092B-C50C-407E-A947-70E740481C1C}">
+                <a14:useLocalDpi xmlns:a14="http://schemas.microsoft.com/office/drawing/2010/main" val="0"/>
+              </a:ext>
+            </a:extLst>
+          </a:blip>
+          <a:srcRect l="13731" t="19792" b="34583"/>
+          <a:stretch/>
+        </p:blipFill>
+        <p:spPr bwMode="auto">
+          <a:xfrm>
+            <a:off x="3191410" y="826978"/>
+            <a:ext cx="1622940" cy="1144068"/>
+          </a:xfrm>
+          <a:prstGeom prst="rect">
+            <a:avLst/>
+          </a:prstGeom>
+          <a:noFill/>
+          <a:extLst>
+            <a:ext uri="{909E8E84-426E-40DD-AFC4-6F175D3DCCD1}">
+              <a14:hiddenFill xmlns:a14="http://schemas.microsoft.com/office/drawing/2010/main">
+                <a:solidFill>
+                  <a:srgbClr val="FFFFFF"/>
+                </a:solidFill>
+              </a14:hiddenFill>
+            </a:ext>
+          </a:extLst>
+        </p:spPr>
+      </p:pic>
+      <p:sp>
+        <p:nvSpPr>
+          <p:cNvPr id="8" name="사다리꼴[T] 7">
+            <a:extLst>
+              <a:ext uri="{FF2B5EF4-FFF2-40B4-BE49-F238E27FC236}">
+                <a16:creationId xmlns:a16="http://schemas.microsoft.com/office/drawing/2014/main" id="{DC6794AC-E8B5-694E-9925-5BAF3D89FBD9}"/>
+              </a:ext>
+            </a:extLst>
+          </p:cNvPr>
+          <p:cNvSpPr/>
+          <p:nvPr/>
+        </p:nvSpPr>
+        <p:spPr>
+          <a:xfrm rot="5400000">
+            <a:off x="6562760" y="2238051"/>
+            <a:ext cx="1845666" cy="1347641"/>
+          </a:xfrm>
+          <a:prstGeom prst="trapezoid">
+            <a:avLst/>
+          </a:prstGeom>
+          <a:solidFill>
+            <a:schemeClr val="tx2">
+              <a:lumMod val="50000"/>
+            </a:schemeClr>
+          </a:solidFill>
+          <a:ln>
+            <a:solidFill>
+              <a:schemeClr val="bg1"/>
+            </a:solidFill>
+          </a:ln>
+        </p:spPr>
+        <p:style>
+          <a:lnRef idx="2">
+            <a:schemeClr val="accent1">
+              <a:shade val="50000"/>
+            </a:schemeClr>
+          </a:lnRef>
+          <a:fillRef idx="1">
+            <a:schemeClr val="accent1"/>
+          </a:fillRef>
+          <a:effectRef idx="0">
+            <a:schemeClr val="accent1"/>
+          </a:effectRef>
+          <a:fontRef idx="minor">
+            <a:schemeClr val="lt1"/>
+          </a:fontRef>
+        </p:style>
+        <p:txBody>
+          <a:bodyPr vert="vert270" rtlCol="0" anchor="ctr"/>
+          <a:lstStyle/>
+          <a:p>
+            <a:pPr algn="ctr"/>
+            <a:r>
+              <a:rPr kumimoji="1" lang="en-US" altLang="ko-Kore-KR" sz="6000"/>
+              <a:t>D</a:t>
+            </a:r>
+            <a:endParaRPr kumimoji="1" lang="ko-Kore-KR" altLang="en-US" sz="6000"/>
+          </a:p>
+        </p:txBody>
+      </p:sp>
       <mc:AlternateContent xmlns:mc="http://schemas.openxmlformats.org/markup-compatibility/2006">
         <mc:Choice xmlns:a14="http://schemas.microsoft.com/office/drawing/2010/main" Requires="a14">
           <p:sp>
             <p:nvSpPr>
-              <p:cNvPr id="46" name="직사각형 45">
+              <p:cNvPr id="11" name="TextBox 10">
                 <a:extLst>
                   <a:ext uri="{FF2B5EF4-FFF2-40B4-BE49-F238E27FC236}">
-                    <a16:creationId xmlns:a16="http://schemas.microsoft.com/office/drawing/2014/main" id="{9BFC7412-4F5B-CC46-B01B-DC78F5D55FBD}"/>
+                    <a16:creationId xmlns:a16="http://schemas.microsoft.com/office/drawing/2014/main" id="{8EE365A2-F932-5D4E-AADB-E0DEFF16C820}"/>
                   </a:ext>
                 </a:extLst>
               </p:cNvPr>
-              <p:cNvSpPr/>
+              <p:cNvSpPr txBox="1"/>
               <p:nvPr/>
             </p:nvSpPr>
             <p:spPr>
               <a:xfrm>
-                <a:off x="3306061" y="1052916"/>
-                <a:ext cx="525400" cy="523220"/>
+                <a:off x="228570" y="4867447"/>
+                <a:ext cx="1725472" cy="369332"/>
               </a:xfrm>
               <a:prstGeom prst="rect">
                 <a:avLst/>
               </a:prstGeom>
+              <a:noFill/>
             </p:spPr>
             <p:txBody>
-              <a:bodyPr wrap="none">
+              <a:bodyPr wrap="none" lIns="0" tIns="0" rIns="0" bIns="0" rtlCol="0">
                 <a:spAutoFit/>
               </a:bodyPr>
               <a:lstStyle/>
               <a:p>
-                <a:pPr/>
+                <a14:m>
+                  <m:oMathPara xmlns:m="http://schemas.openxmlformats.org/officeDocument/2006/math">
+                    <m:oMathParaPr>
+                      <m:jc m:val="centerGroup"/>
+                    </m:oMathParaPr>
+                    <m:oMath xmlns:m="http://schemas.openxmlformats.org/officeDocument/2006/math">
+                      <m:m>
+                        <m:mPr>
+                          <m:mcs>
+                            <m:mc>
+                              <m:mcPr>
+                                <m:count m:val="3"/>
+                                <m:mcJc m:val="center"/>
+                              </m:mcPr>
+                            </m:mc>
+                          </m:mcs>
+                          <m:ctrlPr>
+                            <a:rPr kumimoji="1" lang="en-US" altLang="ko-Kore-KR" sz="2400" i="1">
+                              <a:latin typeface="Cambria Math" panose="02040503050406030204" pitchFamily="18" charset="0"/>
+                            </a:rPr>
+                          </m:ctrlPr>
+                        </m:mPr>
+                        <m:mr>
+                          <m:e>
+                            <m:r>
+                              <m:rPr>
+                                <m:brk m:alnAt="7"/>
+                              </m:rPr>
+                              <a:rPr kumimoji="1" lang="en-US" altLang="ko-Kore-KR" sz="2400" b="0" i="1">
+                                <a:latin typeface="Cambria Math" panose="02040503050406030204" pitchFamily="18" charset="0"/>
+                              </a:rPr>
+                              <m:t>|</m:t>
+                            </m:r>
+                            <m:sSub>
+                              <m:sSubPr>
+                                <m:ctrlPr>
+                                  <a:rPr kumimoji="1" lang="en-US" altLang="ko-Kore-KR" sz="2400" i="1">
+                                    <a:latin typeface="Cambria Math" panose="02040503050406030204" pitchFamily="18" charset="0"/>
+                                  </a:rPr>
+                                </m:ctrlPr>
+                              </m:sSubPr>
+                              <m:e>
+                                <m:r>
+                                  <a:rPr kumimoji="1" lang="en-US" altLang="ko-Kore-KR" sz="2400" b="0" i="1">
+                                    <a:latin typeface="Cambria Math" panose="02040503050406030204" pitchFamily="18" charset="0"/>
+                                  </a:rPr>
+                                  <m:t>𝑧</m:t>
+                                </m:r>
+                              </m:e>
+                              <m:sub>
+                                <m:r>
+                                  <a:rPr kumimoji="1" lang="en-US" altLang="ko-Kore-KR" sz="2400" b="0" i="1">
+                                    <a:latin typeface="Cambria Math" panose="02040503050406030204" pitchFamily="18" charset="0"/>
+                                  </a:rPr>
+                                  <m:t>1</m:t>
+                                </m:r>
+                              </m:sub>
+                            </m:sSub>
+                          </m:e>
+                          <m:e>
+                            <m:sSub>
+                              <m:sSubPr>
+                                <m:ctrlPr>
+                                  <a:rPr kumimoji="1" lang="en-US" altLang="ko-Kore-KR" sz="2400" i="1">
+                                    <a:latin typeface="Cambria Math" panose="02040503050406030204" pitchFamily="18" charset="0"/>
+                                  </a:rPr>
+                                </m:ctrlPr>
+                              </m:sSubPr>
+                              <m:e>
+                                <m:r>
+                                  <a:rPr kumimoji="1" lang="en-US" altLang="ko-Kore-KR" sz="2400" b="0" i="1">
+                                    <a:latin typeface="Cambria Math" panose="02040503050406030204" pitchFamily="18" charset="0"/>
+                                  </a:rPr>
+                                  <m:t>𝑧</m:t>
+                                </m:r>
+                              </m:e>
+                              <m:sub>
+                                <m:r>
+                                  <a:rPr kumimoji="1" lang="en-US" altLang="ko-Kore-KR" sz="2400" b="0" i="1">
+                                    <a:latin typeface="Cambria Math" panose="02040503050406030204" pitchFamily="18" charset="0"/>
+                                  </a:rPr>
+                                  <m:t>2</m:t>
+                                </m:r>
+                              </m:sub>
+                            </m:sSub>
+                          </m:e>
+                          <m:e>
+                            <m:sSub>
+                              <m:sSubPr>
+                                <m:ctrlPr>
+                                  <a:rPr kumimoji="1" lang="en-US" altLang="ko-Kore-KR" sz="2400" i="1">
+                                    <a:latin typeface="Cambria Math" panose="02040503050406030204" pitchFamily="18" charset="0"/>
+                                  </a:rPr>
+                                </m:ctrlPr>
+                              </m:sSubPr>
+                              <m:e>
+                                <m:r>
+                                  <a:rPr kumimoji="1" lang="en-US" altLang="ko-Kore-KR" sz="2400" b="0" i="1">
+                                    <a:latin typeface="Cambria Math" panose="02040503050406030204" pitchFamily="18" charset="0"/>
+                                  </a:rPr>
+                                  <m:t>𝑧</m:t>
+                                </m:r>
+                              </m:e>
+                              <m:sub>
+                                <m:r>
+                                  <a:rPr kumimoji="1" lang="en-US" altLang="ko-Kore-KR" sz="2400" b="0" i="1">
+                                    <a:latin typeface="Cambria Math" panose="02040503050406030204" pitchFamily="18" charset="0"/>
+                                  </a:rPr>
+                                  <m:t>3</m:t>
+                                </m:r>
+                              </m:sub>
+                            </m:sSub>
+                            <m:r>
+                              <a:rPr kumimoji="1" lang="en-US" altLang="ko-Kore-KR" sz="2400" b="0" i="1">
+                                <a:latin typeface="Cambria Math" panose="02040503050406030204" pitchFamily="18" charset="0"/>
+                              </a:rPr>
+                              <m:t>|</m:t>
+                            </m:r>
+                          </m:e>
+                        </m:mr>
+                      </m:m>
+                    </m:oMath>
+                  </m:oMathPara>
+                </a14:m>
+                <a:endParaRPr kumimoji="1" lang="ko-Kore-KR" altLang="en-US" sz="2400"/>
+              </a:p>
+            </p:txBody>
+          </p:sp>
+        </mc:Choice>
+        <mc:Fallback>
+          <p:sp>
+            <p:nvSpPr>
+              <p:cNvPr id="11" name="TextBox 10">
+                <a:extLst>
+                  <a:ext uri="{FF2B5EF4-FFF2-40B4-BE49-F238E27FC236}">
+                    <a16:creationId xmlns:a16="http://schemas.microsoft.com/office/drawing/2014/main" id="{8EE365A2-F932-5D4E-AADB-E0DEFF16C820}"/>
+                  </a:ext>
+                </a:extLst>
+              </p:cNvPr>
+              <p:cNvSpPr txBox="1">
+                <a:spLocks noRot="1" noChangeAspect="1" noMove="1" noResize="1" noEditPoints="1" noAdjustHandles="1" noChangeArrowheads="1" noChangeShapeType="1" noTextEdit="1"/>
+              </p:cNvSpPr>
+              <p:nvPr/>
+            </p:nvSpPr>
+            <p:spPr>
+              <a:xfrm>
+                <a:off x="228570" y="4867447"/>
+                <a:ext cx="1725472" cy="369332"/>
+              </a:xfrm>
+              <a:prstGeom prst="rect">
+                <a:avLst/>
+              </a:prstGeom>
+              <a:blipFill>
+                <a:blip r:embed="rId3"/>
+                <a:stretch>
+                  <a:fillRect l="-5072" t="-3333" r="-5072" b="-30000"/>
+                </a:stretch>
+              </a:blipFill>
+            </p:spPr>
+            <p:txBody>
+              <a:bodyPr/>
+              <a:lstStyle/>
+              <a:p>
+                <a:r>
+                  <a:rPr lang="ko-Kore-KR" altLang="en-US">
+                    <a:noFill/>
+                  </a:rPr>
+                  <a:t> </a:t>
+                </a:r>
+              </a:p>
+            </p:txBody>
+          </p:sp>
+        </mc:Fallback>
+      </mc:AlternateContent>
+      <p:sp>
+        <p:nvSpPr>
+          <p:cNvPr id="12" name="사다리꼴[T] 11">
+            <a:extLst>
+              <a:ext uri="{FF2B5EF4-FFF2-40B4-BE49-F238E27FC236}">
+                <a16:creationId xmlns:a16="http://schemas.microsoft.com/office/drawing/2014/main" id="{9CD273D0-6CD6-D946-8A49-EA8781CCF872}"/>
+              </a:ext>
+            </a:extLst>
+          </p:cNvPr>
+          <p:cNvSpPr/>
+          <p:nvPr/>
+        </p:nvSpPr>
+        <p:spPr>
+          <a:xfrm rot="5400000">
+            <a:off x="3217696" y="4378293"/>
+            <a:ext cx="1845666" cy="1347641"/>
+          </a:xfrm>
+          <a:prstGeom prst="trapezoid">
+            <a:avLst/>
+          </a:prstGeom>
+          <a:solidFill>
+            <a:schemeClr val="tx2">
+              <a:lumMod val="50000"/>
+            </a:schemeClr>
+          </a:solidFill>
+          <a:ln>
+            <a:solidFill>
+              <a:schemeClr val="bg1"/>
+            </a:solidFill>
+          </a:ln>
+        </p:spPr>
+        <p:style>
+          <a:lnRef idx="2">
+            <a:schemeClr val="accent1">
+              <a:shade val="50000"/>
+            </a:schemeClr>
+          </a:lnRef>
+          <a:fillRef idx="1">
+            <a:schemeClr val="accent1"/>
+          </a:fillRef>
+          <a:effectRef idx="0">
+            <a:schemeClr val="accent1"/>
+          </a:effectRef>
+          <a:fontRef idx="minor">
+            <a:schemeClr val="lt1"/>
+          </a:fontRef>
+        </p:style>
+        <p:txBody>
+          <a:bodyPr vert="vert270" rtlCol="0" anchor="ctr"/>
+          <a:lstStyle/>
+          <a:p>
+            <a:pPr algn="ctr"/>
+            <a:r>
+              <a:rPr kumimoji="1" lang="en-US" altLang="ko-Kore-KR" sz="6000"/>
+              <a:t>G</a:t>
+            </a:r>
+            <a:endParaRPr kumimoji="1" lang="ko-Kore-KR" altLang="en-US" sz="6000"/>
+          </a:p>
+        </p:txBody>
+      </p:sp>
+      <p:cxnSp>
+        <p:nvCxnSpPr>
+          <p:cNvPr id="13" name="직선 화살표 연결선 12">
+            <a:extLst>
+              <a:ext uri="{FF2B5EF4-FFF2-40B4-BE49-F238E27FC236}">
+                <a16:creationId xmlns:a16="http://schemas.microsoft.com/office/drawing/2014/main" id="{F2D1C329-0096-2443-AB6C-C628F42B605A}"/>
+              </a:ext>
+            </a:extLst>
+          </p:cNvPr>
+          <p:cNvCxnSpPr/>
+          <p:nvPr/>
+        </p:nvCxnSpPr>
+        <p:spPr>
+          <a:xfrm>
+            <a:off x="2124607" y="5042782"/>
+            <a:ext cx="1111060" cy="0"/>
+          </a:xfrm>
+          <a:prstGeom prst="straightConnector1">
+            <a:avLst/>
+          </a:prstGeom>
+          <a:ln w="25400">
+            <a:tailEnd type="triangle"/>
+          </a:ln>
+        </p:spPr>
+        <p:style>
+          <a:lnRef idx="1">
+            <a:schemeClr val="dk1"/>
+          </a:lnRef>
+          <a:fillRef idx="0">
+            <a:schemeClr val="dk1"/>
+          </a:fillRef>
+          <a:effectRef idx="0">
+            <a:schemeClr val="dk1"/>
+          </a:effectRef>
+          <a:fontRef idx="minor">
+            <a:schemeClr val="tx1"/>
+          </a:fontRef>
+        </p:style>
+      </p:cxnSp>
+      <p:cxnSp>
+        <p:nvCxnSpPr>
+          <p:cNvPr id="15" name="꺾인 연결선[E] 14">
+            <a:extLst>
+              <a:ext uri="{FF2B5EF4-FFF2-40B4-BE49-F238E27FC236}">
+                <a16:creationId xmlns:a16="http://schemas.microsoft.com/office/drawing/2014/main" id="{1FD240B6-2672-3C40-99A0-F238C3E35DF4}"/>
+              </a:ext>
+            </a:extLst>
+          </p:cNvPr>
+          <p:cNvCxnSpPr>
+            <a:stCxn id="5" idx="3"/>
+            <a:endCxn id="8" idx="2"/>
+          </p:cNvCxnSpPr>
+          <p:nvPr/>
+        </p:nvCxnSpPr>
+        <p:spPr>
+          <a:xfrm>
+            <a:off x="4814350" y="1399012"/>
+            <a:ext cx="1997423" cy="1512860"/>
+          </a:xfrm>
+          <a:prstGeom prst="bentConnector3">
+            <a:avLst/>
+          </a:prstGeom>
+          <a:ln w="25400">
+            <a:tailEnd type="triangle"/>
+          </a:ln>
+        </p:spPr>
+        <p:style>
+          <a:lnRef idx="1">
+            <a:schemeClr val="dk1"/>
+          </a:lnRef>
+          <a:fillRef idx="0">
+            <a:schemeClr val="dk1"/>
+          </a:fillRef>
+          <a:effectRef idx="0">
+            <a:schemeClr val="dk1"/>
+          </a:effectRef>
+          <a:fontRef idx="minor">
+            <a:schemeClr val="tx1"/>
+          </a:fontRef>
+        </p:style>
+      </p:cxnSp>
+      <p:cxnSp>
+        <p:nvCxnSpPr>
+          <p:cNvPr id="16" name="꺾인 연결선[E] 15">
+            <a:extLst>
+              <a:ext uri="{FF2B5EF4-FFF2-40B4-BE49-F238E27FC236}">
+                <a16:creationId xmlns:a16="http://schemas.microsoft.com/office/drawing/2014/main" id="{B71DD94E-C76F-254C-A3CC-E13CC0C74375}"/>
+              </a:ext>
+            </a:extLst>
+          </p:cNvPr>
+          <p:cNvCxnSpPr>
+            <a:cxnSpLocks/>
+            <a:stCxn id="12" idx="0"/>
+          </p:cNvCxnSpPr>
+          <p:nvPr/>
+        </p:nvCxnSpPr>
+        <p:spPr>
+          <a:xfrm flipV="1">
+            <a:off x="4814350" y="3071813"/>
+            <a:ext cx="1997421" cy="1980301"/>
+          </a:xfrm>
+          <a:prstGeom prst="bentConnector3">
+            <a:avLst/>
+          </a:prstGeom>
+          <a:ln w="25400">
+            <a:tailEnd type="triangle"/>
+          </a:ln>
+        </p:spPr>
+        <p:style>
+          <a:lnRef idx="1">
+            <a:schemeClr val="dk1"/>
+          </a:lnRef>
+          <a:fillRef idx="0">
+            <a:schemeClr val="dk1"/>
+          </a:fillRef>
+          <a:effectRef idx="0">
+            <a:schemeClr val="dk1"/>
+          </a:effectRef>
+          <a:fontRef idx="minor">
+            <a:schemeClr val="tx1"/>
+          </a:fontRef>
+        </p:style>
+      </p:cxnSp>
+      <mc:AlternateContent xmlns:mc="http://schemas.openxmlformats.org/markup-compatibility/2006">
+        <mc:Choice xmlns:a14="http://schemas.microsoft.com/office/drawing/2010/main" Requires="a14">
+          <p:sp>
+            <p:nvSpPr>
+              <p:cNvPr id="22" name="TextBox 21">
+                <a:extLst>
+                  <a:ext uri="{FF2B5EF4-FFF2-40B4-BE49-F238E27FC236}">
+                    <a16:creationId xmlns:a16="http://schemas.microsoft.com/office/drawing/2014/main" id="{99CE9BBC-F48F-9745-B5B4-94B0F19A185F}"/>
+                  </a:ext>
+                </a:extLst>
+              </p:cNvPr>
+              <p:cNvSpPr txBox="1"/>
+              <p:nvPr/>
+            </p:nvSpPr>
+            <p:spPr>
+              <a:xfrm>
+                <a:off x="9374714" y="2696427"/>
+                <a:ext cx="1250086" cy="430887"/>
+              </a:xfrm>
+              <a:prstGeom prst="rect">
+                <a:avLst/>
+              </a:prstGeom>
+              <a:noFill/>
+            </p:spPr>
+            <p:txBody>
+              <a:bodyPr wrap="none" lIns="0" tIns="0" rIns="0" bIns="0" rtlCol="0">
+                <a:spAutoFit/>
+              </a:bodyPr>
+              <a:lstStyle/>
+              <a:p>
                 <a14:m>
                   <m:oMathPara xmlns:m="http://schemas.openxmlformats.org/officeDocument/2006/math">
                     <m:oMathParaPr>
@@ -10046,7 +10543,37 @@
                         <a:rPr kumimoji="1" lang="en-US" altLang="ko-Kore-KR" sz="2800" b="0" i="1">
                           <a:latin typeface="Cambria Math" panose="02040503050406030204" pitchFamily="18" charset="0"/>
                         </a:rPr>
+                        <m:t>𝑉</m:t>
+                      </m:r>
+                      <m:r>
+                        <a:rPr kumimoji="1" lang="en-US" altLang="ko-Kore-KR" sz="2800" b="0" i="1">
+                          <a:latin typeface="Cambria Math" panose="02040503050406030204" pitchFamily="18" charset="0"/>
+                        </a:rPr>
+                        <m:t>(</m:t>
+                      </m:r>
+                      <m:r>
+                        <a:rPr kumimoji="1" lang="en-US" altLang="ko-Kore-KR" sz="2800" b="0" i="1">
+                          <a:latin typeface="Cambria Math" panose="02040503050406030204" pitchFamily="18" charset="0"/>
+                        </a:rPr>
                         <m:t>𝐷</m:t>
+                      </m:r>
+                      <m:r>
+                        <a:rPr kumimoji="1" lang="en-US" altLang="ko-Kore-KR" sz="2800" b="0" i="1">
+                          <a:latin typeface="Cambria Math" panose="02040503050406030204" pitchFamily="18" charset="0"/>
+                        </a:rPr>
+                        <m:t>, </m:t>
+                      </m:r>
+                      <m:r>
+                        <a:rPr kumimoji="1" lang="en-US" altLang="ko-Kore-KR" sz="2800" b="0" i="1">
+                          <a:latin typeface="Cambria Math" panose="02040503050406030204" pitchFamily="18" charset="0"/>
+                        </a:rPr>
+                        <m:t>𝐺</m:t>
+                      </m:r>
+                      <m:r>
+                        <a:rPr kumimoji="1" lang="en-US" altLang="ko-Kore-KR" sz="2800" b="0" i="1">
+                          <a:latin typeface="Cambria Math" panose="02040503050406030204" pitchFamily="18" charset="0"/>
+                        </a:rPr>
+                        <m:t>)</m:t>
                       </m:r>
                     </m:oMath>
                   </m:oMathPara>
@@ -10059,30 +10586,1681 @@
         <mc:Fallback>
           <p:sp>
             <p:nvSpPr>
-              <p:cNvPr id="46" name="직사각형 45">
+              <p:cNvPr id="22" name="TextBox 21">
                 <a:extLst>
                   <a:ext uri="{FF2B5EF4-FFF2-40B4-BE49-F238E27FC236}">
-                    <a16:creationId xmlns:a16="http://schemas.microsoft.com/office/drawing/2014/main" id="{9BFC7412-4F5B-CC46-B01B-DC78F5D55FBD}"/>
+                    <a16:creationId xmlns:a16="http://schemas.microsoft.com/office/drawing/2014/main" id="{99CE9BBC-F48F-9745-B5B4-94B0F19A185F}"/>
                   </a:ext>
                 </a:extLst>
               </p:cNvPr>
-              <p:cNvSpPr>
+              <p:cNvSpPr txBox="1">
                 <a:spLocks noRot="1" noChangeAspect="1" noMove="1" noResize="1" noEditPoints="1" noAdjustHandles="1" noChangeArrowheads="1" noChangeShapeType="1" noTextEdit="1"/>
               </p:cNvSpPr>
               <p:nvPr/>
             </p:nvSpPr>
             <p:spPr>
               <a:xfrm>
-                <a:off x="3306061" y="1052916"/>
-                <a:ext cx="525400" cy="523220"/>
+                <a:off x="9374714" y="2696427"/>
+                <a:ext cx="1250086" cy="430887"/>
               </a:xfrm>
               <a:prstGeom prst="rect">
                 <a:avLst/>
               </a:prstGeom>
               <a:blipFill>
-                <a:blip r:embed="rId8"/>
+                <a:blip r:embed="rId4"/>
                 <a:stretch>
-                  <a:fillRect/>
+                  <a:fillRect l="-6061" t="-2857" r="-10101" b="-31429"/>
+                </a:stretch>
+              </a:blipFill>
+            </p:spPr>
+            <p:txBody>
+              <a:bodyPr/>
+              <a:lstStyle/>
+              <a:p>
+                <a:r>
+                  <a:rPr lang="ko-Kore-KR" altLang="en-US">
+                    <a:noFill/>
+                  </a:rPr>
+                  <a:t> </a:t>
+                </a:r>
+              </a:p>
+            </p:txBody>
+          </p:sp>
+        </mc:Fallback>
+      </mc:AlternateContent>
+      <p:cxnSp>
+        <p:nvCxnSpPr>
+          <p:cNvPr id="23" name="직선 화살표 연결선 22">
+            <a:extLst>
+              <a:ext uri="{FF2B5EF4-FFF2-40B4-BE49-F238E27FC236}">
+                <a16:creationId xmlns:a16="http://schemas.microsoft.com/office/drawing/2014/main" id="{A7656B69-CFA5-914B-A6F9-C2E67CC37260}"/>
+              </a:ext>
+            </a:extLst>
+          </p:cNvPr>
+          <p:cNvCxnSpPr/>
+          <p:nvPr/>
+        </p:nvCxnSpPr>
+        <p:spPr>
+          <a:xfrm>
+            <a:off x="8211534" y="2914996"/>
+            <a:ext cx="1111060" cy="0"/>
+          </a:xfrm>
+          <a:prstGeom prst="straightConnector1">
+            <a:avLst/>
+          </a:prstGeom>
+          <a:ln w="25400">
+            <a:tailEnd type="triangle"/>
+          </a:ln>
+        </p:spPr>
+        <p:style>
+          <a:lnRef idx="1">
+            <a:schemeClr val="dk1"/>
+          </a:lnRef>
+          <a:fillRef idx="0">
+            <a:schemeClr val="dk1"/>
+          </a:fillRef>
+          <a:effectRef idx="0">
+            <a:schemeClr val="dk1"/>
+          </a:effectRef>
+          <a:fontRef idx="minor">
+            <a:schemeClr val="tx1"/>
+          </a:fontRef>
+        </p:style>
+      </p:cxnSp>
+      <mc:AlternateContent xmlns:mc="http://schemas.openxmlformats.org/markup-compatibility/2006">
+        <mc:Choice xmlns:a14="http://schemas.microsoft.com/office/drawing/2010/main" Requires="a14">
+          <p:sp>
+            <p:nvSpPr>
+              <p:cNvPr id="24" name="TextBox 23">
+                <a:extLst>
+                  <a:ext uri="{FF2B5EF4-FFF2-40B4-BE49-F238E27FC236}">
+                    <a16:creationId xmlns:a16="http://schemas.microsoft.com/office/drawing/2014/main" id="{68ECD2EB-45DE-AB41-8F4A-1825C663B3C4}"/>
+                  </a:ext>
+                </a:extLst>
+              </p:cNvPr>
+              <p:cNvSpPr txBox="1"/>
+              <p:nvPr/>
+            </p:nvSpPr>
+            <p:spPr>
+              <a:xfrm>
+                <a:off x="8352848" y="440092"/>
+                <a:ext cx="828432" cy="510589"/>
+              </a:xfrm>
+              <a:prstGeom prst="rect">
+                <a:avLst/>
+              </a:prstGeom>
+              <a:noFill/>
+            </p:spPr>
+            <p:txBody>
+              <a:bodyPr wrap="none" lIns="0" tIns="0" rIns="0" bIns="0" rtlCol="0">
+                <a:spAutoFit/>
+              </a:bodyPr>
+              <a:lstStyle/>
+              <a:p>
+                <a14:m>
+                  <m:oMathPara xmlns:m="http://schemas.openxmlformats.org/officeDocument/2006/math">
+                    <m:oMathParaPr>
+                      <m:jc m:val="centerGroup"/>
+                    </m:oMathParaPr>
+                    <m:oMath xmlns:m="http://schemas.openxmlformats.org/officeDocument/2006/math">
+                      <m:f>
+                        <m:fPr>
+                          <m:ctrlPr>
+                            <a:rPr kumimoji="1" lang="en-US" altLang="ko-Kore-KR" sz="1600" b="0" i="1">
+                              <a:latin typeface="Cambria Math" panose="02040503050406030204" pitchFamily="18" charset="0"/>
+                            </a:rPr>
+                          </m:ctrlPr>
+                        </m:fPr>
+                        <m:num>
+                          <m:r>
+                            <a:rPr kumimoji="1" lang="en-US" altLang="ko-Kore-KR" sz="1600" b="0" i="1">
+                              <a:latin typeface="Cambria Math" panose="02040503050406030204" pitchFamily="18" charset="0"/>
+                              <a:ea typeface="Cambria Math" panose="02040503050406030204" pitchFamily="18" charset="0"/>
+                            </a:rPr>
+                            <m:t>𝜕</m:t>
+                          </m:r>
+                          <m:r>
+                            <a:rPr kumimoji="1" lang="en-US" altLang="ko-Kore-KR" sz="1600" i="1">
+                              <a:latin typeface="Cambria Math" panose="02040503050406030204" pitchFamily="18" charset="0"/>
+                            </a:rPr>
+                            <m:t>𝑉</m:t>
+                          </m:r>
+                          <m:r>
+                            <a:rPr kumimoji="1" lang="en-US" altLang="ko-Kore-KR" sz="1600" i="1">
+                              <a:latin typeface="Cambria Math" panose="02040503050406030204" pitchFamily="18" charset="0"/>
+                            </a:rPr>
+                            <m:t>(</m:t>
+                          </m:r>
+                          <m:r>
+                            <a:rPr kumimoji="1" lang="en-US" altLang="ko-Kore-KR" sz="1600" i="1">
+                              <a:latin typeface="Cambria Math" panose="02040503050406030204" pitchFamily="18" charset="0"/>
+                            </a:rPr>
+                            <m:t>𝐷</m:t>
+                          </m:r>
+                          <m:r>
+                            <a:rPr kumimoji="1" lang="en-US" altLang="ko-Kore-KR" sz="1600" i="1">
+                              <a:latin typeface="Cambria Math" panose="02040503050406030204" pitchFamily="18" charset="0"/>
+                            </a:rPr>
+                            <m:t>, </m:t>
+                          </m:r>
+                          <m:r>
+                            <a:rPr kumimoji="1" lang="en-US" altLang="ko-Kore-KR" sz="1600" i="1">
+                              <a:latin typeface="Cambria Math" panose="02040503050406030204" pitchFamily="18" charset="0"/>
+                            </a:rPr>
+                            <m:t>𝐺</m:t>
+                          </m:r>
+                          <m:r>
+                            <a:rPr kumimoji="1" lang="en-US" altLang="ko-Kore-KR" sz="1600" i="1">
+                              <a:latin typeface="Cambria Math" panose="02040503050406030204" pitchFamily="18" charset="0"/>
+                            </a:rPr>
+                            <m:t>)</m:t>
+                          </m:r>
+                        </m:num>
+                        <m:den>
+                          <m:r>
+                            <a:rPr kumimoji="1" lang="en-US" altLang="ko-Kore-KR" sz="1600" b="0" i="1">
+                              <a:latin typeface="Cambria Math" panose="02040503050406030204" pitchFamily="18" charset="0"/>
+                              <a:ea typeface="Cambria Math" panose="02040503050406030204" pitchFamily="18" charset="0"/>
+                            </a:rPr>
+                            <m:t>𝜕</m:t>
+                          </m:r>
+                          <m:sSub>
+                            <m:sSubPr>
+                              <m:ctrlPr>
+                                <a:rPr kumimoji="1" lang="en-US" altLang="ko-Kore-KR" sz="1600" b="0" i="1">
+                                  <a:latin typeface="Cambria Math" panose="02040503050406030204" pitchFamily="18" charset="0"/>
+                                </a:rPr>
+                              </m:ctrlPr>
+                            </m:sSubPr>
+                            <m:e>
+                              <m:r>
+                                <a:rPr kumimoji="1" lang="en-US" altLang="ko-Kore-KR" sz="1600" b="0" i="1">
+                                  <a:latin typeface="Cambria Math" panose="02040503050406030204" pitchFamily="18" charset="0"/>
+                                  <a:ea typeface="Cambria Math" panose="02040503050406030204" pitchFamily="18" charset="0"/>
+                                </a:rPr>
+                                <m:t>𝜃</m:t>
+                              </m:r>
+                            </m:e>
+                            <m:sub>
+                              <m:r>
+                                <a:rPr kumimoji="1" lang="en-US" altLang="ko-Kore-KR" sz="1600" b="0" i="1">
+                                  <a:latin typeface="Cambria Math" panose="02040503050406030204" pitchFamily="18" charset="0"/>
+                                </a:rPr>
+                                <m:t>𝑑</m:t>
+                              </m:r>
+                            </m:sub>
+                          </m:sSub>
+                        </m:den>
+                      </m:f>
+                    </m:oMath>
+                  </m:oMathPara>
+                </a14:m>
+                <a:endParaRPr kumimoji="1" lang="ko-Kore-KR" altLang="en-US" sz="1600"/>
+              </a:p>
+            </p:txBody>
+          </p:sp>
+        </mc:Choice>
+        <mc:Fallback>
+          <p:sp>
+            <p:nvSpPr>
+              <p:cNvPr id="24" name="TextBox 23">
+                <a:extLst>
+                  <a:ext uri="{FF2B5EF4-FFF2-40B4-BE49-F238E27FC236}">
+                    <a16:creationId xmlns:a16="http://schemas.microsoft.com/office/drawing/2014/main" id="{68ECD2EB-45DE-AB41-8F4A-1825C663B3C4}"/>
+                  </a:ext>
+                </a:extLst>
+              </p:cNvPr>
+              <p:cNvSpPr txBox="1">
+                <a:spLocks noRot="1" noChangeAspect="1" noMove="1" noResize="1" noEditPoints="1" noAdjustHandles="1" noChangeArrowheads="1" noChangeShapeType="1" noTextEdit="1"/>
+              </p:cNvSpPr>
+              <p:nvPr/>
+            </p:nvSpPr>
+            <p:spPr>
+              <a:xfrm>
+                <a:off x="8352848" y="440092"/>
+                <a:ext cx="828432" cy="510589"/>
+              </a:xfrm>
+              <a:prstGeom prst="rect">
+                <a:avLst/>
+              </a:prstGeom>
+              <a:blipFill>
+                <a:blip r:embed="rId5"/>
+                <a:stretch>
+                  <a:fillRect l="-4545" t="-2439" r="-9091" b="-9756"/>
+                </a:stretch>
+              </a:blipFill>
+            </p:spPr>
+            <p:txBody>
+              <a:bodyPr/>
+              <a:lstStyle/>
+              <a:p>
+                <a:r>
+                  <a:rPr lang="ko-Kore-KR" altLang="en-US">
+                    <a:noFill/>
+                  </a:rPr>
+                  <a:t> </a:t>
+                </a:r>
+              </a:p>
+            </p:txBody>
+          </p:sp>
+        </mc:Fallback>
+      </mc:AlternateContent>
+      <p:cxnSp>
+        <p:nvCxnSpPr>
+          <p:cNvPr id="26" name="꺾인 연결선[E] 25">
+            <a:extLst>
+              <a:ext uri="{FF2B5EF4-FFF2-40B4-BE49-F238E27FC236}">
+                <a16:creationId xmlns:a16="http://schemas.microsoft.com/office/drawing/2014/main" id="{3D045F34-32F5-564D-AE93-38D2F9A10976}"/>
+              </a:ext>
+            </a:extLst>
+          </p:cNvPr>
+          <p:cNvCxnSpPr>
+            <a:stCxn id="22" idx="0"/>
+            <a:endCxn id="8" idx="1"/>
+          </p:cNvCxnSpPr>
+          <p:nvPr/>
+        </p:nvCxnSpPr>
+        <p:spPr>
+          <a:xfrm rot="16200000" flipV="1">
+            <a:off x="8473209" y="1169879"/>
+            <a:ext cx="538933" cy="2514164"/>
+          </a:xfrm>
+          <a:prstGeom prst="bentConnector3">
+            <a:avLst>
+              <a:gd name="adj1" fmla="val 305092"/>
+            </a:avLst>
+          </a:prstGeom>
+          <a:ln w="22225">
+            <a:tailEnd type="triangle"/>
+          </a:ln>
+        </p:spPr>
+        <p:style>
+          <a:lnRef idx="1">
+            <a:schemeClr val="accent1"/>
+          </a:lnRef>
+          <a:fillRef idx="0">
+            <a:schemeClr val="accent1"/>
+          </a:fillRef>
+          <a:effectRef idx="0">
+            <a:schemeClr val="accent1"/>
+          </a:effectRef>
+          <a:fontRef idx="minor">
+            <a:schemeClr val="tx1"/>
+          </a:fontRef>
+        </p:style>
+      </p:cxnSp>
+      <p:cxnSp>
+        <p:nvCxnSpPr>
+          <p:cNvPr id="28" name="꺾인 연결선[E] 27">
+            <a:extLst>
+              <a:ext uri="{FF2B5EF4-FFF2-40B4-BE49-F238E27FC236}">
+                <a16:creationId xmlns:a16="http://schemas.microsoft.com/office/drawing/2014/main" id="{FC2D83D4-9B0C-1540-9C4D-29CC836E937E}"/>
+              </a:ext>
+            </a:extLst>
+          </p:cNvPr>
+          <p:cNvCxnSpPr>
+            <a:cxnSpLocks/>
+            <a:stCxn id="22" idx="2"/>
+            <a:endCxn id="12" idx="3"/>
+          </p:cNvCxnSpPr>
+          <p:nvPr/>
+        </p:nvCxnSpPr>
+        <p:spPr>
+          <a:xfrm rot="5400000">
+            <a:off x="5730554" y="1537289"/>
+            <a:ext cx="2679178" cy="5859228"/>
+          </a:xfrm>
+          <a:prstGeom prst="bentConnector3">
+            <a:avLst>
+              <a:gd name="adj1" fmla="val 123657"/>
+            </a:avLst>
+          </a:prstGeom>
+          <a:ln w="22225">
+            <a:tailEnd type="triangle"/>
+          </a:ln>
+        </p:spPr>
+        <p:style>
+          <a:lnRef idx="1">
+            <a:schemeClr val="accent1"/>
+          </a:lnRef>
+          <a:fillRef idx="0">
+            <a:schemeClr val="accent1"/>
+          </a:fillRef>
+          <a:effectRef idx="0">
+            <a:schemeClr val="accent1"/>
+          </a:effectRef>
+          <a:fontRef idx="minor">
+            <a:schemeClr val="tx1"/>
+          </a:fontRef>
+        </p:style>
+      </p:cxnSp>
+      <mc:AlternateContent xmlns:mc="http://schemas.openxmlformats.org/markup-compatibility/2006">
+        <mc:Choice xmlns:a14="http://schemas.microsoft.com/office/drawing/2010/main" Requires="a14">
+          <p:sp>
+            <p:nvSpPr>
+              <p:cNvPr id="32" name="TextBox 31">
+                <a:extLst>
+                  <a:ext uri="{FF2B5EF4-FFF2-40B4-BE49-F238E27FC236}">
+                    <a16:creationId xmlns:a16="http://schemas.microsoft.com/office/drawing/2014/main" id="{8C02FA8A-DEB2-564A-BBF0-3D233DEB307D}"/>
+                  </a:ext>
+                </a:extLst>
+              </p:cNvPr>
+              <p:cNvSpPr txBox="1"/>
+              <p:nvPr/>
+            </p:nvSpPr>
+            <p:spPr>
+              <a:xfrm>
+                <a:off x="4140529" y="5759294"/>
+                <a:ext cx="5885136" cy="668324"/>
+              </a:xfrm>
+              <a:prstGeom prst="rect">
+                <a:avLst/>
+              </a:prstGeom>
+              <a:noFill/>
+            </p:spPr>
+            <p:txBody>
+              <a:bodyPr wrap="none" lIns="0" tIns="0" rIns="0" bIns="0" rtlCol="0">
+                <a:spAutoFit/>
+              </a:bodyPr>
+              <a:lstStyle/>
+              <a:p>
+                <a14:m>
+                  <m:oMathPara xmlns:m="http://schemas.openxmlformats.org/officeDocument/2006/math">
+                    <m:oMathParaPr>
+                      <m:jc m:val="centerGroup"/>
+                    </m:oMathParaPr>
+                    <m:oMath xmlns:m="http://schemas.openxmlformats.org/officeDocument/2006/math">
+                      <m:f>
+                        <m:fPr>
+                          <m:ctrlPr>
+                            <a:rPr kumimoji="1" lang="en-US" altLang="ko-Kore-KR" sz="1600" b="0" i="1">
+                              <a:latin typeface="Cambria Math" panose="02040503050406030204" pitchFamily="18" charset="0"/>
+                            </a:rPr>
+                          </m:ctrlPr>
+                        </m:fPr>
+                        <m:num>
+                          <m:r>
+                            <a:rPr kumimoji="1" lang="en-US" altLang="ko-Kore-KR" sz="1600" b="0" i="1">
+                              <a:latin typeface="Cambria Math" panose="02040503050406030204" pitchFamily="18" charset="0"/>
+                              <a:ea typeface="Cambria Math" panose="02040503050406030204" pitchFamily="18" charset="0"/>
+                            </a:rPr>
+                            <m:t>𝜕</m:t>
+                          </m:r>
+                          <m:r>
+                            <a:rPr kumimoji="1" lang="en-US" altLang="ko-Kore-KR" sz="1600" i="1">
+                              <a:latin typeface="Cambria Math" panose="02040503050406030204" pitchFamily="18" charset="0"/>
+                            </a:rPr>
+                            <m:t>𝑉</m:t>
+                          </m:r>
+                          <m:r>
+                            <a:rPr kumimoji="1" lang="en-US" altLang="ko-Kore-KR" sz="1600" i="1">
+                              <a:latin typeface="Cambria Math" panose="02040503050406030204" pitchFamily="18" charset="0"/>
+                            </a:rPr>
+                            <m:t>(</m:t>
+                          </m:r>
+                          <m:r>
+                            <a:rPr kumimoji="1" lang="en-US" altLang="ko-Kore-KR" sz="1600" i="1">
+                              <a:latin typeface="Cambria Math" panose="02040503050406030204" pitchFamily="18" charset="0"/>
+                            </a:rPr>
+                            <m:t>𝐷</m:t>
+                          </m:r>
+                          <m:r>
+                            <a:rPr kumimoji="1" lang="en-US" altLang="ko-Kore-KR" sz="1600" i="1">
+                              <a:latin typeface="Cambria Math" panose="02040503050406030204" pitchFamily="18" charset="0"/>
+                            </a:rPr>
+                            <m:t>, </m:t>
+                          </m:r>
+                          <m:r>
+                            <a:rPr kumimoji="1" lang="en-US" altLang="ko-Kore-KR" sz="1600" i="1">
+                              <a:latin typeface="Cambria Math" panose="02040503050406030204" pitchFamily="18" charset="0"/>
+                            </a:rPr>
+                            <m:t>𝐺</m:t>
+                          </m:r>
+                          <m:r>
+                            <a:rPr kumimoji="1" lang="en-US" altLang="ko-Kore-KR" sz="1600" i="1">
+                              <a:latin typeface="Cambria Math" panose="02040503050406030204" pitchFamily="18" charset="0"/>
+                            </a:rPr>
+                            <m:t>)</m:t>
+                          </m:r>
+                        </m:num>
+                        <m:den>
+                          <m:r>
+                            <a:rPr kumimoji="1" lang="en-US" altLang="ko-Kore-KR" sz="1600" b="0" i="1">
+                              <a:latin typeface="Cambria Math" panose="02040503050406030204" pitchFamily="18" charset="0"/>
+                              <a:ea typeface="Cambria Math" panose="02040503050406030204" pitchFamily="18" charset="0"/>
+                            </a:rPr>
+                            <m:t>𝜕</m:t>
+                          </m:r>
+                          <m:sSub>
+                            <m:sSubPr>
+                              <m:ctrlPr>
+                                <a:rPr kumimoji="1" lang="en-US" altLang="ko-Kore-KR" sz="1600" b="0" i="1">
+                                  <a:latin typeface="Cambria Math" panose="02040503050406030204" pitchFamily="18" charset="0"/>
+                                </a:rPr>
+                              </m:ctrlPr>
+                            </m:sSubPr>
+                            <m:e>
+                              <m:r>
+                                <a:rPr kumimoji="1" lang="en-US" altLang="ko-Kore-KR" sz="1600" b="0" i="1">
+                                  <a:latin typeface="Cambria Math" panose="02040503050406030204" pitchFamily="18" charset="0"/>
+                                  <a:ea typeface="Cambria Math" panose="02040503050406030204" pitchFamily="18" charset="0"/>
+                                </a:rPr>
+                                <m:t>𝜃</m:t>
+                              </m:r>
+                            </m:e>
+                            <m:sub>
+                              <m:r>
+                                <a:rPr kumimoji="1" lang="en-US" altLang="ko-Kore-KR" sz="1600" b="0" i="1">
+                                  <a:latin typeface="Cambria Math" panose="02040503050406030204" pitchFamily="18" charset="0"/>
+                                </a:rPr>
+                                <m:t>𝑔</m:t>
+                              </m:r>
+                            </m:sub>
+                          </m:sSub>
+                        </m:den>
+                      </m:f>
+                      <m:r>
+                        <a:rPr kumimoji="1" lang="en-US" altLang="ko-Kore-KR" sz="1600" b="0" i="1">
+                          <a:latin typeface="Cambria Math" panose="02040503050406030204" pitchFamily="18" charset="0"/>
+                        </a:rPr>
+                        <m:t>=</m:t>
+                      </m:r>
+                      <m:f>
+                        <m:fPr>
+                          <m:ctrlPr>
+                            <a:rPr kumimoji="1" lang="en-US" altLang="ko-Kore-KR" sz="1600" i="1">
+                              <a:solidFill>
+                                <a:schemeClr val="tx1"/>
+                              </a:solidFill>
+                              <a:latin typeface="Cambria Math" panose="02040503050406030204" pitchFamily="18" charset="0"/>
+                            </a:rPr>
+                          </m:ctrlPr>
+                        </m:fPr>
+                        <m:num>
+                          <m:r>
+                            <a:rPr kumimoji="1" lang="en-US" altLang="ko-Kore-KR" sz="1600" i="1">
+                              <a:solidFill>
+                                <a:schemeClr val="tx1"/>
+                              </a:solidFill>
+                              <a:latin typeface="Cambria Math" panose="02040503050406030204" pitchFamily="18" charset="0"/>
+                              <a:ea typeface="Cambria Math" panose="02040503050406030204" pitchFamily="18" charset="0"/>
+                            </a:rPr>
+                            <m:t>𝜕</m:t>
+                          </m:r>
+                          <m:sSub>
+                            <m:sSubPr>
+                              <m:ctrlPr>
+                                <a:rPr kumimoji="1" lang="en-US" altLang="ko-Kore-KR" sz="1600" i="1">
+                                  <a:solidFill>
+                                    <a:schemeClr val="tx1"/>
+                                  </a:solidFill>
+                                  <a:latin typeface="Cambria Math" panose="02040503050406030204" pitchFamily="18" charset="0"/>
+                                </a:rPr>
+                              </m:ctrlPr>
+                            </m:sSubPr>
+                            <m:e>
+                              <m:r>
+                                <a:rPr kumimoji="1" lang="en-US" altLang="ko-Kore-KR" sz="1600" i="1">
+                                  <a:solidFill>
+                                    <a:schemeClr val="tx1"/>
+                                  </a:solidFill>
+                                  <a:latin typeface="Cambria Math" panose="02040503050406030204" pitchFamily="18" charset="0"/>
+                                </a:rPr>
+                                <m:t>𝐸</m:t>
+                              </m:r>
+                            </m:e>
+                            <m:sub>
+                              <m:r>
+                                <a:rPr kumimoji="1" lang="en-US" altLang="ko-Kore-KR" sz="1600" b="0" i="1">
+                                  <a:solidFill>
+                                    <a:schemeClr val="tx1"/>
+                                  </a:solidFill>
+                                  <a:latin typeface="Cambria Math" panose="02040503050406030204" pitchFamily="18" charset="0"/>
+                                </a:rPr>
+                                <m:t>𝑥</m:t>
+                              </m:r>
+                              <m:r>
+                                <a:rPr kumimoji="1" lang="en-US" altLang="ko-Kore-KR" sz="1600" i="1">
+                                  <a:solidFill>
+                                    <a:schemeClr val="tx1"/>
+                                  </a:solidFill>
+                                  <a:latin typeface="Cambria Math" panose="02040503050406030204" pitchFamily="18" charset="0"/>
+                                </a:rPr>
+                                <m:t>~</m:t>
+                              </m:r>
+                              <m:sSub>
+                                <m:sSubPr>
+                                  <m:ctrlPr>
+                                    <a:rPr kumimoji="1" lang="en-US" altLang="ko-Kore-KR" sz="1600" i="1">
+                                      <a:solidFill>
+                                        <a:schemeClr val="tx1"/>
+                                      </a:solidFill>
+                                      <a:latin typeface="Cambria Math" panose="02040503050406030204" pitchFamily="18" charset="0"/>
+                                    </a:rPr>
+                                  </m:ctrlPr>
+                                </m:sSubPr>
+                                <m:e>
+                                  <m:r>
+                                    <a:rPr kumimoji="1" lang="en-US" altLang="ko-Kore-KR" sz="1600" i="1">
+                                      <a:solidFill>
+                                        <a:schemeClr val="tx1"/>
+                                      </a:solidFill>
+                                      <a:latin typeface="Cambria Math" panose="02040503050406030204" pitchFamily="18" charset="0"/>
+                                    </a:rPr>
+                                    <m:t>𝑝</m:t>
+                                  </m:r>
+                                </m:e>
+                                <m:sub>
+                                  <m:r>
+                                    <a:rPr kumimoji="1" lang="en-US" altLang="ko-Kore-KR" sz="1600" b="0" i="1">
+                                      <a:solidFill>
+                                        <a:schemeClr val="tx1"/>
+                                      </a:solidFill>
+                                      <a:latin typeface="Cambria Math" panose="02040503050406030204" pitchFamily="18" charset="0"/>
+                                    </a:rPr>
+                                    <m:t>𝑑𝑎𝑡𝑎</m:t>
+                                  </m:r>
+                                </m:sub>
+                              </m:sSub>
+                              <m:r>
+                                <a:rPr kumimoji="1" lang="en-US" altLang="ko-Kore-KR" sz="1600" i="1">
+                                  <a:solidFill>
+                                    <a:schemeClr val="tx1"/>
+                                  </a:solidFill>
+                                  <a:latin typeface="Cambria Math" panose="02040503050406030204" pitchFamily="18" charset="0"/>
+                                </a:rPr>
+                                <m:t>(</m:t>
+                              </m:r>
+                              <m:r>
+                                <a:rPr kumimoji="1" lang="en-US" altLang="ko-Kore-KR" sz="1600" b="0" i="1">
+                                  <a:solidFill>
+                                    <a:schemeClr val="tx1"/>
+                                  </a:solidFill>
+                                  <a:latin typeface="Cambria Math" panose="02040503050406030204" pitchFamily="18" charset="0"/>
+                                </a:rPr>
+                                <m:t>𝑥</m:t>
+                              </m:r>
+                              <m:r>
+                                <a:rPr kumimoji="1" lang="en-US" altLang="ko-Kore-KR" sz="1600" i="1">
+                                  <a:solidFill>
+                                    <a:schemeClr val="tx1"/>
+                                  </a:solidFill>
+                                  <a:latin typeface="Cambria Math" panose="02040503050406030204" pitchFamily="18" charset="0"/>
+                                </a:rPr>
+                                <m:t>)</m:t>
+                              </m:r>
+                            </m:sub>
+                          </m:sSub>
+                          <m:d>
+                            <m:dPr>
+                              <m:begChr m:val="["/>
+                              <m:endChr m:val="]"/>
+                              <m:ctrlPr>
+                                <a:rPr kumimoji="1" lang="en-US" altLang="ko-Kore-KR" sz="1600" i="1">
+                                  <a:solidFill>
+                                    <a:schemeClr val="tx1"/>
+                                  </a:solidFill>
+                                  <a:latin typeface="Cambria Math" panose="02040503050406030204" pitchFamily="18" charset="0"/>
+                                </a:rPr>
+                              </m:ctrlPr>
+                            </m:dPr>
+                            <m:e>
+                              <m:func>
+                                <m:funcPr>
+                                  <m:ctrlPr>
+                                    <a:rPr kumimoji="1" lang="en-US" altLang="ko-Kore-KR" sz="1600" i="1">
+                                      <a:solidFill>
+                                        <a:schemeClr val="tx1"/>
+                                      </a:solidFill>
+                                      <a:latin typeface="Cambria Math" panose="02040503050406030204" pitchFamily="18" charset="0"/>
+                                    </a:rPr>
+                                  </m:ctrlPr>
+                                </m:funcPr>
+                                <m:fName>
+                                  <m:r>
+                                    <m:rPr>
+                                      <m:sty m:val="p"/>
+                                    </m:rPr>
+                                    <a:rPr kumimoji="1" lang="en-US" altLang="ko-Kore-KR" sz="1600">
+                                      <a:solidFill>
+                                        <a:schemeClr val="tx1"/>
+                                      </a:solidFill>
+                                      <a:latin typeface="Cambria Math" panose="02040503050406030204" pitchFamily="18" charset="0"/>
+                                    </a:rPr>
+                                    <m:t>log</m:t>
+                                  </m:r>
+                                </m:fName>
+                                <m:e>
+                                  <m:r>
+                                    <a:rPr kumimoji="1" lang="en-US" altLang="ko-Kore-KR" sz="1600" b="0" i="1">
+                                      <a:solidFill>
+                                        <a:schemeClr val="tx1"/>
+                                      </a:solidFill>
+                                      <a:latin typeface="Cambria Math" panose="02040503050406030204" pitchFamily="18" charset="0"/>
+                                    </a:rPr>
+                                    <m:t>𝐷</m:t>
+                                  </m:r>
+                                  <m:r>
+                                    <a:rPr kumimoji="1" lang="en-US" altLang="ko-Kore-KR" sz="1600" b="0" i="1">
+                                      <a:solidFill>
+                                        <a:schemeClr val="tx1"/>
+                                      </a:solidFill>
+                                      <a:latin typeface="Cambria Math" panose="02040503050406030204" pitchFamily="18" charset="0"/>
+                                    </a:rPr>
+                                    <m:t>(</m:t>
+                                  </m:r>
+                                  <m:r>
+                                    <a:rPr kumimoji="1" lang="en-US" altLang="ko-Kore-KR" sz="1600" b="0" i="1">
+                                      <a:solidFill>
+                                        <a:schemeClr val="tx1"/>
+                                      </a:solidFill>
+                                      <a:latin typeface="Cambria Math" panose="02040503050406030204" pitchFamily="18" charset="0"/>
+                                    </a:rPr>
+                                    <m:t>𝑥</m:t>
+                                  </m:r>
+                                  <m:r>
+                                    <a:rPr kumimoji="1" lang="en-US" altLang="ko-Kore-KR" sz="1600" b="0" i="1">
+                                      <a:solidFill>
+                                        <a:schemeClr val="tx1"/>
+                                      </a:solidFill>
+                                      <a:latin typeface="Cambria Math" panose="02040503050406030204" pitchFamily="18" charset="0"/>
+                                    </a:rPr>
+                                    <m:t>)</m:t>
+                                  </m:r>
+                                </m:e>
+                              </m:func>
+                            </m:e>
+                          </m:d>
+                        </m:num>
+                        <m:den>
+                          <m:r>
+                            <a:rPr kumimoji="1" lang="en-US" altLang="ko-Kore-KR" sz="1600" i="1">
+                              <a:solidFill>
+                                <a:schemeClr val="tx1"/>
+                              </a:solidFill>
+                              <a:latin typeface="Cambria Math" panose="02040503050406030204" pitchFamily="18" charset="0"/>
+                              <a:ea typeface="Cambria Math" panose="02040503050406030204" pitchFamily="18" charset="0"/>
+                            </a:rPr>
+                            <m:t>𝜕</m:t>
+                          </m:r>
+                          <m:sSub>
+                            <m:sSubPr>
+                              <m:ctrlPr>
+                                <a:rPr kumimoji="1" lang="en-US" altLang="ko-Kore-KR" sz="1600" i="1">
+                                  <a:solidFill>
+                                    <a:schemeClr val="tx1"/>
+                                  </a:solidFill>
+                                  <a:latin typeface="Cambria Math" panose="02040503050406030204" pitchFamily="18" charset="0"/>
+                                  <a:ea typeface="Cambria Math" panose="02040503050406030204" pitchFamily="18" charset="0"/>
+                                </a:rPr>
+                              </m:ctrlPr>
+                            </m:sSubPr>
+                            <m:e>
+                              <m:r>
+                                <a:rPr kumimoji="1" lang="en-US" altLang="ko-Kore-KR" sz="1600" i="1">
+                                  <a:solidFill>
+                                    <a:schemeClr val="tx1"/>
+                                  </a:solidFill>
+                                  <a:latin typeface="Cambria Math" panose="02040503050406030204" pitchFamily="18" charset="0"/>
+                                  <a:ea typeface="Cambria Math" panose="02040503050406030204" pitchFamily="18" charset="0"/>
+                                </a:rPr>
+                                <m:t>𝜃</m:t>
+                              </m:r>
+                            </m:e>
+                            <m:sub>
+                              <m:r>
+                                <a:rPr kumimoji="1" lang="en-US" altLang="ko-Kore-KR" sz="1600" i="1">
+                                  <a:solidFill>
+                                    <a:schemeClr val="tx1"/>
+                                  </a:solidFill>
+                                  <a:latin typeface="Cambria Math" panose="02040503050406030204" pitchFamily="18" charset="0"/>
+                                  <a:ea typeface="Cambria Math" panose="02040503050406030204" pitchFamily="18" charset="0"/>
+                                </a:rPr>
+                                <m:t>𝑔</m:t>
+                              </m:r>
+                            </m:sub>
+                          </m:sSub>
+                        </m:den>
+                      </m:f>
+                      <m:r>
+                        <a:rPr kumimoji="1" lang="en-US" altLang="ko-Kore-KR" sz="1600" b="0" i="1">
+                          <a:latin typeface="Cambria Math" panose="02040503050406030204" pitchFamily="18" charset="0"/>
+                        </a:rPr>
+                        <m:t>+</m:t>
+                      </m:r>
+                      <m:f>
+                        <m:fPr>
+                          <m:ctrlPr>
+                            <a:rPr kumimoji="1" lang="en-US" altLang="ko-Kore-KR" sz="1600" b="0" i="1">
+                              <a:latin typeface="Cambria Math" panose="02040503050406030204" pitchFamily="18" charset="0"/>
+                            </a:rPr>
+                          </m:ctrlPr>
+                        </m:fPr>
+                        <m:num>
+                          <m:r>
+                            <a:rPr kumimoji="1" lang="en-US" altLang="ko-Kore-KR" sz="1600" b="0" i="1">
+                              <a:latin typeface="Cambria Math" panose="02040503050406030204" pitchFamily="18" charset="0"/>
+                              <a:ea typeface="Cambria Math" panose="02040503050406030204" pitchFamily="18" charset="0"/>
+                            </a:rPr>
+                            <m:t>𝜕</m:t>
+                          </m:r>
+                          <m:sSub>
+                            <m:sSubPr>
+                              <m:ctrlPr>
+                                <a:rPr kumimoji="1" lang="en-US" altLang="ko-Kore-KR" sz="1600" i="1">
+                                  <a:latin typeface="Cambria Math" panose="02040503050406030204" pitchFamily="18" charset="0"/>
+                                </a:rPr>
+                              </m:ctrlPr>
+                            </m:sSubPr>
+                            <m:e>
+                              <m:r>
+                                <a:rPr kumimoji="1" lang="en-US" altLang="ko-Kore-KR" sz="1600" i="1">
+                                  <a:latin typeface="Cambria Math" panose="02040503050406030204" pitchFamily="18" charset="0"/>
+                                </a:rPr>
+                                <m:t>𝐸</m:t>
+                              </m:r>
+                            </m:e>
+                            <m:sub>
+                              <m:r>
+                                <a:rPr kumimoji="1" lang="en-US" altLang="ko-Kore-KR" sz="1600" i="1">
+                                  <a:latin typeface="Cambria Math" panose="02040503050406030204" pitchFamily="18" charset="0"/>
+                                </a:rPr>
+                                <m:t>𝑧</m:t>
+                              </m:r>
+                              <m:r>
+                                <a:rPr kumimoji="1" lang="en-US" altLang="ko-Kore-KR" sz="1600" i="1">
+                                  <a:latin typeface="Cambria Math" panose="02040503050406030204" pitchFamily="18" charset="0"/>
+                                </a:rPr>
+                                <m:t>~</m:t>
+                              </m:r>
+                              <m:sSub>
+                                <m:sSubPr>
+                                  <m:ctrlPr>
+                                    <a:rPr kumimoji="1" lang="en-US" altLang="ko-Kore-KR" sz="1600" i="1">
+                                      <a:latin typeface="Cambria Math" panose="02040503050406030204" pitchFamily="18" charset="0"/>
+                                    </a:rPr>
+                                  </m:ctrlPr>
+                                </m:sSubPr>
+                                <m:e>
+                                  <m:r>
+                                    <a:rPr kumimoji="1" lang="en-US" altLang="ko-Kore-KR" sz="1600" i="1">
+                                      <a:latin typeface="Cambria Math" panose="02040503050406030204" pitchFamily="18" charset="0"/>
+                                    </a:rPr>
+                                    <m:t>𝑝</m:t>
+                                  </m:r>
+                                </m:e>
+                                <m:sub>
+                                  <m:r>
+                                    <a:rPr kumimoji="1" lang="en-US" altLang="ko-Kore-KR" sz="1600" i="1">
+                                      <a:latin typeface="Cambria Math" panose="02040503050406030204" pitchFamily="18" charset="0"/>
+                                    </a:rPr>
+                                    <m:t>𝑧</m:t>
+                                  </m:r>
+                                </m:sub>
+                              </m:sSub>
+                              <m:r>
+                                <a:rPr kumimoji="1" lang="en-US" altLang="ko-Kore-KR" sz="1600" i="1">
+                                  <a:latin typeface="Cambria Math" panose="02040503050406030204" pitchFamily="18" charset="0"/>
+                                </a:rPr>
+                                <m:t>(</m:t>
+                              </m:r>
+                              <m:r>
+                                <a:rPr kumimoji="1" lang="en-US" altLang="ko-Kore-KR" sz="1600" i="1">
+                                  <a:latin typeface="Cambria Math" panose="02040503050406030204" pitchFamily="18" charset="0"/>
+                                </a:rPr>
+                                <m:t>𝑧</m:t>
+                              </m:r>
+                              <m:r>
+                                <a:rPr kumimoji="1" lang="en-US" altLang="ko-Kore-KR" sz="1600" i="1">
+                                  <a:latin typeface="Cambria Math" panose="02040503050406030204" pitchFamily="18" charset="0"/>
+                                </a:rPr>
+                                <m:t>)</m:t>
+                              </m:r>
+                            </m:sub>
+                          </m:sSub>
+                          <m:d>
+                            <m:dPr>
+                              <m:begChr m:val="["/>
+                              <m:endChr m:val="]"/>
+                              <m:ctrlPr>
+                                <a:rPr kumimoji="1" lang="en-US" altLang="ko-Kore-KR" sz="1600" i="1">
+                                  <a:latin typeface="Cambria Math" panose="02040503050406030204" pitchFamily="18" charset="0"/>
+                                </a:rPr>
+                              </m:ctrlPr>
+                            </m:dPr>
+                            <m:e>
+                              <m:func>
+                                <m:funcPr>
+                                  <m:ctrlPr>
+                                    <a:rPr kumimoji="1" lang="en-US" altLang="ko-Kore-KR" sz="1600" i="1">
+                                      <a:latin typeface="Cambria Math" panose="02040503050406030204" pitchFamily="18" charset="0"/>
+                                    </a:rPr>
+                                  </m:ctrlPr>
+                                </m:funcPr>
+                                <m:fName>
+                                  <m:r>
+                                    <m:rPr>
+                                      <m:sty m:val="p"/>
+                                    </m:rPr>
+                                    <a:rPr kumimoji="1" lang="en-US" altLang="ko-Kore-KR" sz="1600">
+                                      <a:latin typeface="Cambria Math" panose="02040503050406030204" pitchFamily="18" charset="0"/>
+                                    </a:rPr>
+                                    <m:t>log</m:t>
+                                  </m:r>
+                                </m:fName>
+                                <m:e>
+                                  <m:d>
+                                    <m:dPr>
+                                      <m:ctrlPr>
+                                        <a:rPr kumimoji="1" lang="en-US" altLang="ko-Kore-KR" sz="1600" i="1">
+                                          <a:latin typeface="Cambria Math" panose="02040503050406030204" pitchFamily="18" charset="0"/>
+                                        </a:rPr>
+                                      </m:ctrlPr>
+                                    </m:dPr>
+                                    <m:e>
+                                      <m:r>
+                                        <a:rPr kumimoji="1" lang="en-US" altLang="ko-Kore-KR" sz="1600" i="1">
+                                          <a:latin typeface="Cambria Math" panose="02040503050406030204" pitchFamily="18" charset="0"/>
+                                        </a:rPr>
+                                        <m:t>1−</m:t>
+                                      </m:r>
+                                      <m:r>
+                                        <a:rPr kumimoji="1" lang="en-US" altLang="ko-Kore-KR" sz="1600" i="1">
+                                          <a:latin typeface="Cambria Math" panose="02040503050406030204" pitchFamily="18" charset="0"/>
+                                        </a:rPr>
+                                        <m:t>𝐷</m:t>
+                                      </m:r>
+                                      <m:d>
+                                        <m:dPr>
+                                          <m:ctrlPr>
+                                            <a:rPr kumimoji="1" lang="en-US" altLang="ko-Kore-KR" sz="1600" i="1">
+                                              <a:latin typeface="Cambria Math" panose="02040503050406030204" pitchFamily="18" charset="0"/>
+                                            </a:rPr>
+                                          </m:ctrlPr>
+                                        </m:dPr>
+                                        <m:e>
+                                          <m:r>
+                                            <a:rPr kumimoji="1" lang="en-US" altLang="ko-Kore-KR" sz="1600" i="1">
+                                              <a:latin typeface="Cambria Math" panose="02040503050406030204" pitchFamily="18" charset="0"/>
+                                            </a:rPr>
+                                            <m:t>𝐺</m:t>
+                                          </m:r>
+                                          <m:d>
+                                            <m:dPr>
+                                              <m:ctrlPr>
+                                                <a:rPr kumimoji="1" lang="en-US" altLang="ko-Kore-KR" sz="1600" i="1">
+                                                  <a:latin typeface="Cambria Math" panose="02040503050406030204" pitchFamily="18" charset="0"/>
+                                                </a:rPr>
+                                              </m:ctrlPr>
+                                            </m:dPr>
+                                            <m:e>
+                                              <m:r>
+                                                <a:rPr kumimoji="1" lang="en-US" altLang="ko-Kore-KR" sz="1600" i="1">
+                                                  <a:latin typeface="Cambria Math" panose="02040503050406030204" pitchFamily="18" charset="0"/>
+                                                </a:rPr>
+                                                <m:t>𝑧</m:t>
+                                              </m:r>
+                                            </m:e>
+                                          </m:d>
+                                        </m:e>
+                                      </m:d>
+                                    </m:e>
+                                  </m:d>
+                                </m:e>
+                              </m:func>
+                            </m:e>
+                          </m:d>
+                        </m:num>
+                        <m:den>
+                          <m:r>
+                            <a:rPr kumimoji="1" lang="en-US" altLang="ko-Kore-KR" sz="1600" b="0" i="1">
+                              <a:latin typeface="Cambria Math" panose="02040503050406030204" pitchFamily="18" charset="0"/>
+                              <a:ea typeface="Cambria Math" panose="02040503050406030204" pitchFamily="18" charset="0"/>
+                            </a:rPr>
+                            <m:t>𝜕</m:t>
+                          </m:r>
+                          <m:sSub>
+                            <m:sSubPr>
+                              <m:ctrlPr>
+                                <a:rPr kumimoji="1" lang="en-US" altLang="ko-Kore-KR" sz="1600" b="0" i="1">
+                                  <a:latin typeface="Cambria Math" panose="02040503050406030204" pitchFamily="18" charset="0"/>
+                                  <a:ea typeface="Cambria Math" panose="02040503050406030204" pitchFamily="18" charset="0"/>
+                                </a:rPr>
+                              </m:ctrlPr>
+                            </m:sSubPr>
+                            <m:e>
+                              <m:r>
+                                <a:rPr kumimoji="1" lang="en-US" altLang="ko-Kore-KR" sz="1600" b="0" i="1">
+                                  <a:latin typeface="Cambria Math" panose="02040503050406030204" pitchFamily="18" charset="0"/>
+                                  <a:ea typeface="Cambria Math" panose="02040503050406030204" pitchFamily="18" charset="0"/>
+                                </a:rPr>
+                                <m:t>𝜃</m:t>
+                              </m:r>
+                            </m:e>
+                            <m:sub>
+                              <m:r>
+                                <a:rPr kumimoji="1" lang="en-US" altLang="ko-Kore-KR" sz="1600" b="0" i="1">
+                                  <a:latin typeface="Cambria Math" panose="02040503050406030204" pitchFamily="18" charset="0"/>
+                                  <a:ea typeface="Cambria Math" panose="02040503050406030204" pitchFamily="18" charset="0"/>
+                                </a:rPr>
+                                <m:t>𝑔</m:t>
+                              </m:r>
+                            </m:sub>
+                          </m:sSub>
+                        </m:den>
+                      </m:f>
+                    </m:oMath>
+                  </m:oMathPara>
+                </a14:m>
+                <a:endParaRPr kumimoji="1" lang="ko-Kore-KR" altLang="en-US" sz="1600"/>
+              </a:p>
+            </p:txBody>
+          </p:sp>
+        </mc:Choice>
+        <mc:Fallback>
+          <p:sp>
+            <p:nvSpPr>
+              <p:cNvPr id="32" name="TextBox 31">
+                <a:extLst>
+                  <a:ext uri="{FF2B5EF4-FFF2-40B4-BE49-F238E27FC236}">
+                    <a16:creationId xmlns:a16="http://schemas.microsoft.com/office/drawing/2014/main" id="{8C02FA8A-DEB2-564A-BBF0-3D233DEB307D}"/>
+                  </a:ext>
+                </a:extLst>
+              </p:cNvPr>
+              <p:cNvSpPr txBox="1">
+                <a:spLocks noRot="1" noChangeAspect="1" noMove="1" noResize="1" noEditPoints="1" noAdjustHandles="1" noChangeArrowheads="1" noChangeShapeType="1" noTextEdit="1"/>
+              </p:cNvSpPr>
+              <p:nvPr/>
+            </p:nvSpPr>
+            <p:spPr>
+              <a:xfrm>
+                <a:off x="4140529" y="5759294"/>
+                <a:ext cx="5885136" cy="668324"/>
+              </a:xfrm>
+              <a:prstGeom prst="rect">
+                <a:avLst/>
+              </a:prstGeom>
+              <a:blipFill>
+                <a:blip r:embed="rId6"/>
+                <a:stretch>
+                  <a:fillRect l="-215" b="-7547"/>
+                </a:stretch>
+              </a:blipFill>
+            </p:spPr>
+            <p:txBody>
+              <a:bodyPr/>
+              <a:lstStyle/>
+              <a:p>
+                <a:r>
+                  <a:rPr lang="ko-Kore-KR" altLang="en-US">
+                    <a:noFill/>
+                  </a:rPr>
+                  <a:t> </a:t>
+                </a:r>
+              </a:p>
+            </p:txBody>
+          </p:sp>
+        </mc:Fallback>
+      </mc:AlternateContent>
+      <p:cxnSp>
+        <p:nvCxnSpPr>
+          <p:cNvPr id="36" name="직선 연결선[R] 35">
+            <a:extLst>
+              <a:ext uri="{FF2B5EF4-FFF2-40B4-BE49-F238E27FC236}">
+                <a16:creationId xmlns:a16="http://schemas.microsoft.com/office/drawing/2014/main" id="{30C19330-BFC4-0645-A351-53002323F4B3}"/>
+              </a:ext>
+            </a:extLst>
+          </p:cNvPr>
+          <p:cNvCxnSpPr/>
+          <p:nvPr/>
+        </p:nvCxnSpPr>
+        <p:spPr>
+          <a:xfrm flipH="1">
+            <a:off x="5813060" y="5674143"/>
+            <a:ext cx="896746" cy="885825"/>
+          </a:xfrm>
+          <a:prstGeom prst="line">
+            <a:avLst/>
+          </a:prstGeom>
+          <a:ln w="41275">
+            <a:solidFill>
+              <a:srgbClr val="C00000"/>
+            </a:solidFill>
+          </a:ln>
+        </p:spPr>
+        <p:style>
+          <a:lnRef idx="1">
+            <a:schemeClr val="accent1"/>
+          </a:lnRef>
+          <a:fillRef idx="0">
+            <a:schemeClr val="accent1"/>
+          </a:fillRef>
+          <a:effectRef idx="0">
+            <a:schemeClr val="accent1"/>
+          </a:effectRef>
+          <a:fontRef idx="minor">
+            <a:schemeClr val="tx1"/>
+          </a:fontRef>
+        </p:style>
+      </p:cxnSp>
+    </p:spTree>
+    <p:extLst>
+      <p:ext uri="{BB962C8B-B14F-4D97-AF65-F5344CB8AC3E}">
+        <p14:creationId xmlns:p14="http://schemas.microsoft.com/office/powerpoint/2010/main" val="652534019"/>
+      </p:ext>
+    </p:extLst>
+  </p:cSld>
+  <p:clrMapOvr>
+    <a:masterClrMapping/>
+  </p:clrMapOvr>
+</p:sld>
+</file>
+
+<file path=ppt/slides/slide5.xml><?xml version="1.0" encoding="utf-8"?>
+<p:sld xmlns:a="http://schemas.openxmlformats.org/drawingml/2006/main" xmlns:r="http://schemas.openxmlformats.org/officeDocument/2006/relationships" xmlns:p="http://schemas.openxmlformats.org/presentationml/2006/main">
+  <p:cSld>
+    <p:spTree>
+      <p:nvGrpSpPr>
+        <p:cNvPr id="1" name=""/>
+        <p:cNvGrpSpPr/>
+        <p:nvPr/>
+      </p:nvGrpSpPr>
+      <p:grpSpPr>
+        <a:xfrm>
+          <a:off x="0" y="0"/>
+          <a:ext cx="0" cy="0"/>
+          <a:chOff x="0" y="0"/>
+          <a:chExt cx="0" cy="0"/>
+        </a:xfrm>
+      </p:grpSpPr>
+      <p:pic>
+        <p:nvPicPr>
+          <p:cNvPr id="23" name="그림 22">
+            <a:extLst>
+              <a:ext uri="{FF2B5EF4-FFF2-40B4-BE49-F238E27FC236}">
+                <a16:creationId xmlns:a16="http://schemas.microsoft.com/office/drawing/2014/main" id="{C30E5B61-1EB5-7445-B553-FE2D754FF8F5}"/>
+              </a:ext>
+            </a:extLst>
+          </p:cNvPr>
+          <p:cNvPicPr>
+            <a:picLocks noChangeAspect="1"/>
+          </p:cNvPicPr>
+          <p:nvPr/>
+        </p:nvPicPr>
+        <p:blipFill>
+          <a:blip r:embed="rId2"/>
+          <a:stretch>
+            <a:fillRect/>
+          </a:stretch>
+        </p:blipFill>
+        <p:spPr>
+          <a:xfrm>
+            <a:off x="0" y="1250156"/>
+            <a:ext cx="12183206" cy="4357688"/>
+          </a:xfrm>
+          <a:prstGeom prst="rect">
+            <a:avLst/>
+          </a:prstGeom>
+        </p:spPr>
+      </p:pic>
+      <mc:AlternateContent xmlns:mc="http://schemas.openxmlformats.org/markup-compatibility/2006">
+        <mc:Choice xmlns:a14="http://schemas.microsoft.com/office/drawing/2010/main" Requires="a14">
+          <p:sp>
+            <p:nvSpPr>
+              <p:cNvPr id="24" name="TextBox 23">
+                <a:extLst>
+                  <a:ext uri="{FF2B5EF4-FFF2-40B4-BE49-F238E27FC236}">
+                    <a16:creationId xmlns:a16="http://schemas.microsoft.com/office/drawing/2014/main" id="{E8A229E5-D04E-B747-8651-150826251D77}"/>
+                  </a:ext>
+                </a:extLst>
+              </p:cNvPr>
+              <p:cNvSpPr txBox="1"/>
+              <p:nvPr/>
+            </p:nvSpPr>
+            <p:spPr>
+              <a:xfrm>
+                <a:off x="1464468" y="4057651"/>
+                <a:ext cx="726161" cy="369332"/>
+              </a:xfrm>
+              <a:prstGeom prst="rect">
+                <a:avLst/>
+              </a:prstGeom>
+              <a:noFill/>
+            </p:spPr>
+            <p:txBody>
+              <a:bodyPr wrap="none" lIns="0" tIns="0" rIns="0" bIns="0" rtlCol="0">
+                <a:spAutoFit/>
+              </a:bodyPr>
+              <a:lstStyle/>
+              <a:p>
+                <a14:m>
+                  <m:oMathPara xmlns:m="http://schemas.openxmlformats.org/officeDocument/2006/math">
+                    <m:oMathParaPr>
+                      <m:jc m:val="centerGroup"/>
+                    </m:oMathParaPr>
+                    <m:oMath xmlns:m="http://schemas.openxmlformats.org/officeDocument/2006/math">
+                      <m:r>
+                        <a:rPr kumimoji="1" lang="en-US" altLang="ko-Kore-KR" sz="2400" b="1" i="1">
+                          <a:solidFill>
+                            <a:schemeClr val="tx1"/>
+                          </a:solidFill>
+                          <a:highlight>
+                            <a:srgbClr val="C0C0C0"/>
+                          </a:highlight>
+                          <a:latin typeface="Cambria Math" panose="02040503050406030204" pitchFamily="18" charset="0"/>
+                        </a:rPr>
+                        <m:t>𝑮</m:t>
+                      </m:r>
+                      <m:r>
+                        <a:rPr kumimoji="1" lang="en-US" altLang="ko-Kore-KR" sz="2400" b="1" i="1">
+                          <a:solidFill>
+                            <a:schemeClr val="tx1"/>
+                          </a:solidFill>
+                          <a:highlight>
+                            <a:srgbClr val="C0C0C0"/>
+                          </a:highlight>
+                          <a:latin typeface="Cambria Math" panose="02040503050406030204" pitchFamily="18" charset="0"/>
+                        </a:rPr>
+                        <m:t>(</m:t>
+                      </m:r>
+                      <m:r>
+                        <a:rPr kumimoji="1" lang="en-US" altLang="ko-Kore-KR" sz="2400" b="1" i="1">
+                          <a:solidFill>
+                            <a:schemeClr val="tx1"/>
+                          </a:solidFill>
+                          <a:highlight>
+                            <a:srgbClr val="C0C0C0"/>
+                          </a:highlight>
+                          <a:latin typeface="Cambria Math" panose="02040503050406030204" pitchFamily="18" charset="0"/>
+                        </a:rPr>
+                        <m:t>𝒁</m:t>
+                      </m:r>
+                      <m:r>
+                        <a:rPr kumimoji="1" lang="en-US" altLang="ko-Kore-KR" sz="2400" b="1" i="1">
+                          <a:solidFill>
+                            <a:schemeClr val="tx1"/>
+                          </a:solidFill>
+                          <a:highlight>
+                            <a:srgbClr val="C0C0C0"/>
+                          </a:highlight>
+                          <a:latin typeface="Cambria Math" panose="02040503050406030204" pitchFamily="18" charset="0"/>
+                        </a:rPr>
+                        <m:t>)</m:t>
+                      </m:r>
+                    </m:oMath>
+                  </m:oMathPara>
+                </a14:m>
+                <a:endParaRPr kumimoji="1" lang="ko-Kore-KR" altLang="en-US" sz="2400" b="1">
+                  <a:solidFill>
+                    <a:schemeClr val="tx1"/>
+                  </a:solidFill>
+                  <a:highlight>
+                    <a:srgbClr val="C0C0C0"/>
+                  </a:highlight>
+                </a:endParaRPr>
+              </a:p>
+            </p:txBody>
+          </p:sp>
+        </mc:Choice>
+        <mc:Fallback>
+          <p:sp>
+            <p:nvSpPr>
+              <p:cNvPr id="24" name="TextBox 23">
+                <a:extLst>
+                  <a:ext uri="{FF2B5EF4-FFF2-40B4-BE49-F238E27FC236}">
+                    <a16:creationId xmlns:a16="http://schemas.microsoft.com/office/drawing/2014/main" id="{E8A229E5-D04E-B747-8651-150826251D77}"/>
+                  </a:ext>
+                </a:extLst>
+              </p:cNvPr>
+              <p:cNvSpPr txBox="1">
+                <a:spLocks noRot="1" noChangeAspect="1" noMove="1" noResize="1" noEditPoints="1" noAdjustHandles="1" noChangeArrowheads="1" noChangeShapeType="1" noTextEdit="1"/>
+              </p:cNvSpPr>
+              <p:nvPr/>
+            </p:nvSpPr>
+            <p:spPr>
+              <a:xfrm>
+                <a:off x="1464468" y="4057651"/>
+                <a:ext cx="726161" cy="369332"/>
+              </a:xfrm>
+              <a:prstGeom prst="rect">
+                <a:avLst/>
+              </a:prstGeom>
+              <a:blipFill>
+                <a:blip r:embed="rId3"/>
+                <a:stretch>
+                  <a:fillRect l="-10345" r="-13793" b="-33333"/>
+                </a:stretch>
+              </a:blipFill>
+            </p:spPr>
+            <p:txBody>
+              <a:bodyPr/>
+              <a:lstStyle/>
+              <a:p>
+                <a:r>
+                  <a:rPr lang="ko-Kore-KR" altLang="en-US">
+                    <a:noFill/>
+                  </a:rPr>
+                  <a:t> </a:t>
+                </a:r>
+              </a:p>
+            </p:txBody>
+          </p:sp>
+        </mc:Fallback>
+      </mc:AlternateContent>
+      <mc:AlternateContent xmlns:mc="http://schemas.openxmlformats.org/markup-compatibility/2006">
+        <mc:Choice xmlns:a14="http://schemas.microsoft.com/office/drawing/2010/main" Requires="a14">
+          <p:sp>
+            <p:nvSpPr>
+              <p:cNvPr id="25" name="TextBox 24">
+                <a:extLst>
+                  <a:ext uri="{FF2B5EF4-FFF2-40B4-BE49-F238E27FC236}">
+                    <a16:creationId xmlns:a16="http://schemas.microsoft.com/office/drawing/2014/main" id="{2D6628BD-A484-8F4B-852D-FB5FD4D5443B}"/>
+                  </a:ext>
+                </a:extLst>
+              </p:cNvPr>
+              <p:cNvSpPr txBox="1"/>
+              <p:nvPr/>
+            </p:nvSpPr>
+            <p:spPr>
+              <a:xfrm>
+                <a:off x="4364830" y="4057651"/>
+                <a:ext cx="726161" cy="369332"/>
+              </a:xfrm>
+              <a:prstGeom prst="rect">
+                <a:avLst/>
+              </a:prstGeom>
+              <a:noFill/>
+            </p:spPr>
+            <p:txBody>
+              <a:bodyPr wrap="none" lIns="0" tIns="0" rIns="0" bIns="0" rtlCol="0">
+                <a:spAutoFit/>
+              </a:bodyPr>
+              <a:lstStyle/>
+              <a:p>
+                <a14:m>
+                  <m:oMathPara xmlns:m="http://schemas.openxmlformats.org/officeDocument/2006/math">
+                    <m:oMathParaPr>
+                      <m:jc m:val="centerGroup"/>
+                    </m:oMathParaPr>
+                    <m:oMath xmlns:m="http://schemas.openxmlformats.org/officeDocument/2006/math">
+                      <m:r>
+                        <a:rPr kumimoji="1" lang="en-US" altLang="ko-Kore-KR" sz="2400" b="1" i="1">
+                          <a:solidFill>
+                            <a:schemeClr val="tx1"/>
+                          </a:solidFill>
+                          <a:highlight>
+                            <a:srgbClr val="C0C0C0"/>
+                          </a:highlight>
+                          <a:latin typeface="Cambria Math" panose="02040503050406030204" pitchFamily="18" charset="0"/>
+                        </a:rPr>
+                        <m:t>𝑮</m:t>
+                      </m:r>
+                      <m:r>
+                        <a:rPr kumimoji="1" lang="en-US" altLang="ko-Kore-KR" sz="2400" b="1" i="1">
+                          <a:solidFill>
+                            <a:schemeClr val="tx1"/>
+                          </a:solidFill>
+                          <a:highlight>
+                            <a:srgbClr val="C0C0C0"/>
+                          </a:highlight>
+                          <a:latin typeface="Cambria Math" panose="02040503050406030204" pitchFamily="18" charset="0"/>
+                        </a:rPr>
+                        <m:t>(</m:t>
+                      </m:r>
+                      <m:r>
+                        <a:rPr kumimoji="1" lang="en-US" altLang="ko-Kore-KR" sz="2400" b="1" i="1">
+                          <a:solidFill>
+                            <a:schemeClr val="tx1"/>
+                          </a:solidFill>
+                          <a:highlight>
+                            <a:srgbClr val="C0C0C0"/>
+                          </a:highlight>
+                          <a:latin typeface="Cambria Math" panose="02040503050406030204" pitchFamily="18" charset="0"/>
+                        </a:rPr>
+                        <m:t>𝒁</m:t>
+                      </m:r>
+                      <m:r>
+                        <a:rPr kumimoji="1" lang="en-US" altLang="ko-Kore-KR" sz="2400" b="1" i="1">
+                          <a:solidFill>
+                            <a:schemeClr val="tx1"/>
+                          </a:solidFill>
+                          <a:highlight>
+                            <a:srgbClr val="C0C0C0"/>
+                          </a:highlight>
+                          <a:latin typeface="Cambria Math" panose="02040503050406030204" pitchFamily="18" charset="0"/>
+                        </a:rPr>
+                        <m:t>)</m:t>
+                      </m:r>
+                    </m:oMath>
+                  </m:oMathPara>
+                </a14:m>
+                <a:endParaRPr kumimoji="1" lang="ko-Kore-KR" altLang="en-US" sz="2400" b="1">
+                  <a:solidFill>
+                    <a:schemeClr val="tx1"/>
+                  </a:solidFill>
+                  <a:highlight>
+                    <a:srgbClr val="C0C0C0"/>
+                  </a:highlight>
+                </a:endParaRPr>
+              </a:p>
+            </p:txBody>
+          </p:sp>
+        </mc:Choice>
+        <mc:Fallback>
+          <p:sp>
+            <p:nvSpPr>
+              <p:cNvPr id="25" name="TextBox 24">
+                <a:extLst>
+                  <a:ext uri="{FF2B5EF4-FFF2-40B4-BE49-F238E27FC236}">
+                    <a16:creationId xmlns:a16="http://schemas.microsoft.com/office/drawing/2014/main" id="{2D6628BD-A484-8F4B-852D-FB5FD4D5443B}"/>
+                  </a:ext>
+                </a:extLst>
+              </p:cNvPr>
+              <p:cNvSpPr txBox="1">
+                <a:spLocks noRot="1" noChangeAspect="1" noMove="1" noResize="1" noEditPoints="1" noAdjustHandles="1" noChangeArrowheads="1" noChangeShapeType="1" noTextEdit="1"/>
+              </p:cNvSpPr>
+              <p:nvPr/>
+            </p:nvSpPr>
+            <p:spPr>
+              <a:xfrm>
+                <a:off x="4364830" y="4057651"/>
+                <a:ext cx="726161" cy="369332"/>
+              </a:xfrm>
+              <a:prstGeom prst="rect">
+                <a:avLst/>
+              </a:prstGeom>
+              <a:blipFill>
+                <a:blip r:embed="rId4"/>
+                <a:stretch>
+                  <a:fillRect l="-8621" r="-13793" b="-33333"/>
+                </a:stretch>
+              </a:blipFill>
+            </p:spPr>
+            <p:txBody>
+              <a:bodyPr/>
+              <a:lstStyle/>
+              <a:p>
+                <a:r>
+                  <a:rPr lang="ko-Kore-KR" altLang="en-US">
+                    <a:noFill/>
+                  </a:rPr>
+                  <a:t> </a:t>
+                </a:r>
+              </a:p>
+            </p:txBody>
+          </p:sp>
+        </mc:Fallback>
+      </mc:AlternateContent>
+      <mc:AlternateContent xmlns:mc="http://schemas.openxmlformats.org/markup-compatibility/2006">
+        <mc:Choice xmlns:a14="http://schemas.microsoft.com/office/drawing/2010/main" Requires="a14">
+          <p:sp>
+            <p:nvSpPr>
+              <p:cNvPr id="26" name="TextBox 25">
+                <a:extLst>
+                  <a:ext uri="{FF2B5EF4-FFF2-40B4-BE49-F238E27FC236}">
+                    <a16:creationId xmlns:a16="http://schemas.microsoft.com/office/drawing/2014/main" id="{F0F8F2B7-FE2C-1948-A3AE-5C689FBD8134}"/>
+                  </a:ext>
+                </a:extLst>
+              </p:cNvPr>
+              <p:cNvSpPr txBox="1"/>
+              <p:nvPr/>
+            </p:nvSpPr>
+            <p:spPr>
+              <a:xfrm>
+                <a:off x="7079455" y="4141234"/>
+                <a:ext cx="726161" cy="369332"/>
+              </a:xfrm>
+              <a:prstGeom prst="rect">
+                <a:avLst/>
+              </a:prstGeom>
+              <a:noFill/>
+            </p:spPr>
+            <p:txBody>
+              <a:bodyPr wrap="none" lIns="0" tIns="0" rIns="0" bIns="0" rtlCol="0">
+                <a:spAutoFit/>
+              </a:bodyPr>
+              <a:lstStyle/>
+              <a:p>
+                <a14:m>
+                  <m:oMathPara xmlns:m="http://schemas.openxmlformats.org/officeDocument/2006/math">
+                    <m:oMathParaPr>
+                      <m:jc m:val="centerGroup"/>
+                    </m:oMathParaPr>
+                    <m:oMath xmlns:m="http://schemas.openxmlformats.org/officeDocument/2006/math">
+                      <m:r>
+                        <a:rPr kumimoji="1" lang="en-US" altLang="ko-Kore-KR" sz="2400" b="1" i="1">
+                          <a:solidFill>
+                            <a:schemeClr val="tx1"/>
+                          </a:solidFill>
+                          <a:highlight>
+                            <a:srgbClr val="C0C0C0"/>
+                          </a:highlight>
+                          <a:latin typeface="Cambria Math" panose="02040503050406030204" pitchFamily="18" charset="0"/>
+                        </a:rPr>
+                        <m:t>𝑮</m:t>
+                      </m:r>
+                      <m:r>
+                        <a:rPr kumimoji="1" lang="en-US" altLang="ko-Kore-KR" sz="2400" b="1" i="1">
+                          <a:solidFill>
+                            <a:schemeClr val="tx1"/>
+                          </a:solidFill>
+                          <a:highlight>
+                            <a:srgbClr val="C0C0C0"/>
+                          </a:highlight>
+                          <a:latin typeface="Cambria Math" panose="02040503050406030204" pitchFamily="18" charset="0"/>
+                        </a:rPr>
+                        <m:t>(</m:t>
+                      </m:r>
+                      <m:r>
+                        <a:rPr kumimoji="1" lang="en-US" altLang="ko-Kore-KR" sz="2400" b="1" i="1">
+                          <a:solidFill>
+                            <a:schemeClr val="tx1"/>
+                          </a:solidFill>
+                          <a:highlight>
+                            <a:srgbClr val="C0C0C0"/>
+                          </a:highlight>
+                          <a:latin typeface="Cambria Math" panose="02040503050406030204" pitchFamily="18" charset="0"/>
+                        </a:rPr>
+                        <m:t>𝒁</m:t>
+                      </m:r>
+                      <m:r>
+                        <a:rPr kumimoji="1" lang="en-US" altLang="ko-Kore-KR" sz="2400" b="1" i="1">
+                          <a:solidFill>
+                            <a:schemeClr val="tx1"/>
+                          </a:solidFill>
+                          <a:highlight>
+                            <a:srgbClr val="C0C0C0"/>
+                          </a:highlight>
+                          <a:latin typeface="Cambria Math" panose="02040503050406030204" pitchFamily="18" charset="0"/>
+                        </a:rPr>
+                        <m:t>)</m:t>
+                      </m:r>
+                    </m:oMath>
+                  </m:oMathPara>
+                </a14:m>
+                <a:endParaRPr kumimoji="1" lang="ko-Kore-KR" altLang="en-US" sz="2400" b="1">
+                  <a:solidFill>
+                    <a:schemeClr val="tx1"/>
+                  </a:solidFill>
+                  <a:highlight>
+                    <a:srgbClr val="C0C0C0"/>
+                  </a:highlight>
+                </a:endParaRPr>
+              </a:p>
+            </p:txBody>
+          </p:sp>
+        </mc:Choice>
+        <mc:Fallback>
+          <p:sp>
+            <p:nvSpPr>
+              <p:cNvPr id="26" name="TextBox 25">
+                <a:extLst>
+                  <a:ext uri="{FF2B5EF4-FFF2-40B4-BE49-F238E27FC236}">
+                    <a16:creationId xmlns:a16="http://schemas.microsoft.com/office/drawing/2014/main" id="{F0F8F2B7-FE2C-1948-A3AE-5C689FBD8134}"/>
+                  </a:ext>
+                </a:extLst>
+              </p:cNvPr>
+              <p:cNvSpPr txBox="1">
+                <a:spLocks noRot="1" noChangeAspect="1" noMove="1" noResize="1" noEditPoints="1" noAdjustHandles="1" noChangeArrowheads="1" noChangeShapeType="1" noTextEdit="1"/>
+              </p:cNvSpPr>
+              <p:nvPr/>
+            </p:nvSpPr>
+            <p:spPr>
+              <a:xfrm>
+                <a:off x="7079455" y="4141234"/>
+                <a:ext cx="726161" cy="369332"/>
+              </a:xfrm>
+              <a:prstGeom prst="rect">
+                <a:avLst/>
+              </a:prstGeom>
+              <a:blipFill>
+                <a:blip r:embed="rId5"/>
+                <a:stretch>
+                  <a:fillRect l="-8621" r="-15517" b="-32258"/>
+                </a:stretch>
+              </a:blipFill>
+            </p:spPr>
+            <p:txBody>
+              <a:bodyPr/>
+              <a:lstStyle/>
+              <a:p>
+                <a:r>
+                  <a:rPr lang="ko-Kore-KR" altLang="en-US">
+                    <a:noFill/>
+                  </a:rPr>
+                  <a:t> </a:t>
+                </a:r>
+              </a:p>
+            </p:txBody>
+          </p:sp>
+        </mc:Fallback>
+      </mc:AlternateContent>
+      <mc:AlternateContent xmlns:mc="http://schemas.openxmlformats.org/markup-compatibility/2006">
+        <mc:Choice xmlns:a14="http://schemas.microsoft.com/office/drawing/2010/main" Requires="a14">
+          <p:sp>
+            <p:nvSpPr>
+              <p:cNvPr id="27" name="TextBox 26">
+                <a:extLst>
+                  <a:ext uri="{FF2B5EF4-FFF2-40B4-BE49-F238E27FC236}">
+                    <a16:creationId xmlns:a16="http://schemas.microsoft.com/office/drawing/2014/main" id="{BAD13004-525B-B34F-B1CD-49C91EC99684}"/>
+                  </a:ext>
+                </a:extLst>
+              </p:cNvPr>
+              <p:cNvSpPr txBox="1"/>
+              <p:nvPr/>
+            </p:nvSpPr>
+            <p:spPr>
+              <a:xfrm>
+                <a:off x="10479880" y="4057651"/>
+                <a:ext cx="726161" cy="369332"/>
+              </a:xfrm>
+              <a:prstGeom prst="rect">
+                <a:avLst/>
+              </a:prstGeom>
+              <a:noFill/>
+            </p:spPr>
+            <p:txBody>
+              <a:bodyPr wrap="none" lIns="0" tIns="0" rIns="0" bIns="0" rtlCol="0">
+                <a:spAutoFit/>
+              </a:bodyPr>
+              <a:lstStyle/>
+              <a:p>
+                <a14:m>
+                  <m:oMathPara xmlns:m="http://schemas.openxmlformats.org/officeDocument/2006/math">
+                    <m:oMathParaPr>
+                      <m:jc m:val="centerGroup"/>
+                    </m:oMathParaPr>
+                    <m:oMath xmlns:m="http://schemas.openxmlformats.org/officeDocument/2006/math">
+                      <m:r>
+                        <a:rPr kumimoji="1" lang="en-US" altLang="ko-Kore-KR" sz="2400" b="1" i="1">
+                          <a:solidFill>
+                            <a:schemeClr val="tx1"/>
+                          </a:solidFill>
+                          <a:highlight>
+                            <a:srgbClr val="C0C0C0"/>
+                          </a:highlight>
+                          <a:latin typeface="Cambria Math" panose="02040503050406030204" pitchFamily="18" charset="0"/>
+                        </a:rPr>
+                        <m:t>𝑮</m:t>
+                      </m:r>
+                      <m:r>
+                        <a:rPr kumimoji="1" lang="en-US" altLang="ko-Kore-KR" sz="2400" b="1" i="1">
+                          <a:solidFill>
+                            <a:schemeClr val="tx1"/>
+                          </a:solidFill>
+                          <a:highlight>
+                            <a:srgbClr val="C0C0C0"/>
+                          </a:highlight>
+                          <a:latin typeface="Cambria Math" panose="02040503050406030204" pitchFamily="18" charset="0"/>
+                        </a:rPr>
+                        <m:t>(</m:t>
+                      </m:r>
+                      <m:r>
+                        <a:rPr kumimoji="1" lang="en-US" altLang="ko-Kore-KR" sz="2400" b="1" i="1">
+                          <a:solidFill>
+                            <a:schemeClr val="tx1"/>
+                          </a:solidFill>
+                          <a:highlight>
+                            <a:srgbClr val="C0C0C0"/>
+                          </a:highlight>
+                          <a:latin typeface="Cambria Math" panose="02040503050406030204" pitchFamily="18" charset="0"/>
+                        </a:rPr>
+                        <m:t>𝒁</m:t>
+                      </m:r>
+                      <m:r>
+                        <a:rPr kumimoji="1" lang="en-US" altLang="ko-Kore-KR" sz="2400" b="1" i="1">
+                          <a:solidFill>
+                            <a:schemeClr val="tx1"/>
+                          </a:solidFill>
+                          <a:highlight>
+                            <a:srgbClr val="C0C0C0"/>
+                          </a:highlight>
+                          <a:latin typeface="Cambria Math" panose="02040503050406030204" pitchFamily="18" charset="0"/>
+                        </a:rPr>
+                        <m:t>)</m:t>
+                      </m:r>
+                    </m:oMath>
+                  </m:oMathPara>
+                </a14:m>
+                <a:endParaRPr kumimoji="1" lang="ko-Kore-KR" altLang="en-US" sz="2400" b="1">
+                  <a:solidFill>
+                    <a:schemeClr val="tx1"/>
+                  </a:solidFill>
+                  <a:highlight>
+                    <a:srgbClr val="C0C0C0"/>
+                  </a:highlight>
+                </a:endParaRPr>
+              </a:p>
+            </p:txBody>
+          </p:sp>
+        </mc:Choice>
+        <mc:Fallback>
+          <p:sp>
+            <p:nvSpPr>
+              <p:cNvPr id="27" name="TextBox 26">
+                <a:extLst>
+                  <a:ext uri="{FF2B5EF4-FFF2-40B4-BE49-F238E27FC236}">
+                    <a16:creationId xmlns:a16="http://schemas.microsoft.com/office/drawing/2014/main" id="{BAD13004-525B-B34F-B1CD-49C91EC99684}"/>
+                  </a:ext>
+                </a:extLst>
+              </p:cNvPr>
+              <p:cNvSpPr txBox="1">
+                <a:spLocks noRot="1" noChangeAspect="1" noMove="1" noResize="1" noEditPoints="1" noAdjustHandles="1" noChangeArrowheads="1" noChangeShapeType="1" noTextEdit="1"/>
+              </p:cNvSpPr>
+              <p:nvPr/>
+            </p:nvSpPr>
+            <p:spPr>
+              <a:xfrm>
+                <a:off x="10479880" y="4057651"/>
+                <a:ext cx="726161" cy="369332"/>
+              </a:xfrm>
+              <a:prstGeom prst="rect">
+                <a:avLst/>
+              </a:prstGeom>
+              <a:blipFill>
+                <a:blip r:embed="rId6"/>
+                <a:stretch>
+                  <a:fillRect l="-10345" r="-13793" b="-33333"/>
                 </a:stretch>
               </a:blipFill>
             </p:spPr>
@@ -10104,7 +12282,4338 @@
     </p:spTree>
     <p:extLst>
       <p:ext uri="{BB962C8B-B14F-4D97-AF65-F5344CB8AC3E}">
-        <p14:creationId xmlns:p14="http://schemas.microsoft.com/office/powerpoint/2010/main" val="2646652900"/>
+        <p14:creationId xmlns:p14="http://schemas.microsoft.com/office/powerpoint/2010/main" val="3739664564"/>
+      </p:ext>
+    </p:extLst>
+  </p:cSld>
+  <p:clrMapOvr>
+    <a:masterClrMapping/>
+  </p:clrMapOvr>
+</p:sld>
+</file>
+
+<file path=ppt/slides/slide6.xml><?xml version="1.0" encoding="utf-8"?>
+<p:sld xmlns:a="http://schemas.openxmlformats.org/drawingml/2006/main" xmlns:r="http://schemas.openxmlformats.org/officeDocument/2006/relationships" xmlns:p="http://schemas.openxmlformats.org/presentationml/2006/main">
+  <p:cSld>
+    <p:spTree>
+      <p:nvGrpSpPr>
+        <p:cNvPr id="1" name=""/>
+        <p:cNvGrpSpPr/>
+        <p:nvPr/>
+      </p:nvGrpSpPr>
+      <p:grpSpPr>
+        <a:xfrm>
+          <a:off x="0" y="0"/>
+          <a:ext cx="0" cy="0"/>
+          <a:chOff x="0" y="0"/>
+          <a:chExt cx="0" cy="0"/>
+        </a:xfrm>
+      </p:grpSpPr>
+      <mc:AlternateContent xmlns:mc="http://schemas.openxmlformats.org/markup-compatibility/2006">
+        <mc:Choice xmlns:a14="http://schemas.microsoft.com/office/drawing/2010/main" Requires="a14">
+          <p:sp>
+            <p:nvSpPr>
+              <p:cNvPr id="4" name="TextBox 3">
+                <a:extLst>
+                  <a:ext uri="{FF2B5EF4-FFF2-40B4-BE49-F238E27FC236}">
+                    <a16:creationId xmlns:a16="http://schemas.microsoft.com/office/drawing/2014/main" id="{18DFC5D2-659B-314C-B25F-FF9EC11C9512}"/>
+                  </a:ext>
+                </a:extLst>
+              </p:cNvPr>
+              <p:cNvSpPr txBox="1"/>
+              <p:nvPr/>
+            </p:nvSpPr>
+            <p:spPr>
+              <a:xfrm>
+                <a:off x="1612633" y="171450"/>
+                <a:ext cx="9108647" cy="862800"/>
+              </a:xfrm>
+              <a:prstGeom prst="rect">
+                <a:avLst/>
+              </a:prstGeom>
+              <a:noFill/>
+            </p:spPr>
+            <p:txBody>
+              <a:bodyPr wrap="none" lIns="0" tIns="0" rIns="0" bIns="0" rtlCol="0">
+                <a:spAutoFit/>
+              </a:bodyPr>
+              <a:lstStyle/>
+              <a:p>
+                <a14:m>
+                  <m:oMathPara xmlns:m="http://schemas.openxmlformats.org/officeDocument/2006/math">
+                    <m:oMathParaPr>
+                      <m:jc m:val="centerGroup"/>
+                    </m:oMathParaPr>
+                    <m:oMath xmlns:m="http://schemas.openxmlformats.org/officeDocument/2006/math">
+                      <m:r>
+                        <a:rPr kumimoji="1" lang="en-US" altLang="ko-Kore-KR" sz="2400" b="0" i="1">
+                          <a:latin typeface="Cambria Math" panose="02040503050406030204" pitchFamily="18" charset="0"/>
+                        </a:rPr>
+                        <m:t>𝑉</m:t>
+                      </m:r>
+                      <m:d>
+                        <m:dPr>
+                          <m:ctrlPr>
+                            <a:rPr kumimoji="1" lang="en-US" altLang="ko-Kore-KR" sz="2400" b="0" i="1">
+                              <a:latin typeface="Cambria Math" panose="02040503050406030204" pitchFamily="18" charset="0"/>
+                            </a:rPr>
+                          </m:ctrlPr>
+                        </m:dPr>
+                        <m:e>
+                          <m:r>
+                            <a:rPr kumimoji="1" lang="en-US" altLang="ko-Kore-KR" sz="2400" b="0" i="1">
+                              <a:latin typeface="Cambria Math" panose="02040503050406030204" pitchFamily="18" charset="0"/>
+                            </a:rPr>
+                            <m:t>𝐺</m:t>
+                          </m:r>
+                          <m:r>
+                            <a:rPr kumimoji="1" lang="en-US" altLang="ko-Kore-KR" sz="2400" b="0" i="1">
+                              <a:latin typeface="Cambria Math" panose="02040503050406030204" pitchFamily="18" charset="0"/>
+                            </a:rPr>
+                            <m:t>, </m:t>
+                          </m:r>
+                          <m:r>
+                            <a:rPr kumimoji="1" lang="en-US" altLang="ko-Kore-KR" sz="2400" b="0" i="1">
+                              <a:latin typeface="Cambria Math" panose="02040503050406030204" pitchFamily="18" charset="0"/>
+                            </a:rPr>
+                            <m:t>𝐷</m:t>
+                          </m:r>
+                        </m:e>
+                      </m:d>
+                      <m:r>
+                        <a:rPr kumimoji="1" lang="en-US" altLang="ko-Kore-KR" sz="2400" b="0" i="1">
+                          <a:latin typeface="Cambria Math" panose="02040503050406030204" pitchFamily="18" charset="0"/>
+                        </a:rPr>
+                        <m:t>= </m:t>
+                      </m:r>
+                      <m:nary>
+                        <m:naryPr>
+                          <m:ctrlPr>
+                            <a:rPr kumimoji="1" lang="en-US" altLang="ko-Kore-KR" sz="2400" b="0" i="1">
+                              <a:latin typeface="Cambria Math" panose="02040503050406030204" pitchFamily="18" charset="0"/>
+                            </a:rPr>
+                          </m:ctrlPr>
+                        </m:naryPr>
+                        <m:sub>
+                          <m:r>
+                            <m:rPr>
+                              <m:brk m:alnAt="23"/>
+                            </m:rPr>
+                            <a:rPr kumimoji="1" lang="en-US" altLang="ko-Kore-KR" sz="2400" b="0" i="1">
+                              <a:latin typeface="Cambria Math" panose="02040503050406030204" pitchFamily="18" charset="0"/>
+                            </a:rPr>
+                            <m:t>𝑥</m:t>
+                          </m:r>
+                        </m:sub>
+                        <m:sup/>
+                        <m:e>
+                          <m:sSub>
+                            <m:sSubPr>
+                              <m:ctrlPr>
+                                <a:rPr kumimoji="1" lang="en-US" altLang="ko-Kore-KR" sz="2400" b="0" i="1">
+                                  <a:latin typeface="Cambria Math" panose="02040503050406030204" pitchFamily="18" charset="0"/>
+                                </a:rPr>
+                              </m:ctrlPr>
+                            </m:sSubPr>
+                            <m:e>
+                              <m:r>
+                                <a:rPr kumimoji="1" lang="en-US" altLang="ko-Kore-KR" sz="2400" b="0" i="1">
+                                  <a:latin typeface="Cambria Math" panose="02040503050406030204" pitchFamily="18" charset="0"/>
+                                </a:rPr>
+                                <m:t>𝑝</m:t>
+                              </m:r>
+                            </m:e>
+                            <m:sub>
+                              <m:r>
+                                <a:rPr kumimoji="1" lang="en-US" altLang="ko-Kore-KR" sz="2400" b="0" i="1">
+                                  <a:latin typeface="Cambria Math" panose="02040503050406030204" pitchFamily="18" charset="0"/>
+                                </a:rPr>
+                                <m:t>𝑑𝑎𝑡𝑎</m:t>
+                              </m:r>
+                            </m:sub>
+                          </m:sSub>
+                          <m:d>
+                            <m:dPr>
+                              <m:ctrlPr>
+                                <a:rPr kumimoji="1" lang="en-US" altLang="ko-Kore-KR" sz="2400" b="0" i="1">
+                                  <a:latin typeface="Cambria Math" panose="02040503050406030204" pitchFamily="18" charset="0"/>
+                                </a:rPr>
+                              </m:ctrlPr>
+                            </m:dPr>
+                            <m:e>
+                              <m:r>
+                                <a:rPr kumimoji="1" lang="en-US" altLang="ko-Kore-KR" sz="2400" b="0" i="1">
+                                  <a:latin typeface="Cambria Math" panose="02040503050406030204" pitchFamily="18" charset="0"/>
+                                </a:rPr>
+                                <m:t>𝑥</m:t>
+                              </m:r>
+                            </m:e>
+                          </m:d>
+                          <m:func>
+                            <m:funcPr>
+                              <m:ctrlPr>
+                                <a:rPr kumimoji="1" lang="en-US" altLang="ko-Kore-KR" sz="2400" b="0" i="1">
+                                  <a:latin typeface="Cambria Math" panose="02040503050406030204" pitchFamily="18" charset="0"/>
+                                </a:rPr>
+                              </m:ctrlPr>
+                            </m:funcPr>
+                            <m:fName>
+                              <m:r>
+                                <m:rPr>
+                                  <m:sty m:val="p"/>
+                                </m:rPr>
+                                <a:rPr kumimoji="1" lang="en-US" altLang="ko-Kore-KR" sz="2400" b="0" i="0">
+                                  <a:latin typeface="Cambria Math" panose="02040503050406030204" pitchFamily="18" charset="0"/>
+                                </a:rPr>
+                                <m:t>log</m:t>
+                              </m:r>
+                            </m:fName>
+                            <m:e>
+                              <m:d>
+                                <m:dPr>
+                                  <m:ctrlPr>
+                                    <a:rPr kumimoji="1" lang="en-US" altLang="ko-Kore-KR" sz="2400" b="0" i="1">
+                                      <a:latin typeface="Cambria Math" panose="02040503050406030204" pitchFamily="18" charset="0"/>
+                                    </a:rPr>
+                                  </m:ctrlPr>
+                                </m:dPr>
+                                <m:e>
+                                  <m:r>
+                                    <a:rPr kumimoji="1" lang="en-US" altLang="ko-Kore-KR" sz="2400" b="0" i="1">
+                                      <a:latin typeface="Cambria Math" panose="02040503050406030204" pitchFamily="18" charset="0"/>
+                                    </a:rPr>
+                                    <m:t>𝐷</m:t>
+                                  </m:r>
+                                  <m:d>
+                                    <m:dPr>
+                                      <m:ctrlPr>
+                                        <a:rPr kumimoji="1" lang="en-US" altLang="ko-Kore-KR" sz="2400" b="0" i="1">
+                                          <a:latin typeface="Cambria Math" panose="02040503050406030204" pitchFamily="18" charset="0"/>
+                                        </a:rPr>
+                                      </m:ctrlPr>
+                                    </m:dPr>
+                                    <m:e>
+                                      <m:r>
+                                        <a:rPr kumimoji="1" lang="en-US" altLang="ko-Kore-KR" sz="2400" b="0" i="1">
+                                          <a:latin typeface="Cambria Math" panose="02040503050406030204" pitchFamily="18" charset="0"/>
+                                        </a:rPr>
+                                        <m:t>𝑥</m:t>
+                                      </m:r>
+                                    </m:e>
+                                  </m:d>
+                                </m:e>
+                              </m:d>
+                              <m:r>
+                                <a:rPr kumimoji="1" lang="en-US" altLang="ko-Kore-KR" sz="2400" b="0" i="1">
+                                  <a:latin typeface="Cambria Math" panose="02040503050406030204" pitchFamily="18" charset="0"/>
+                                </a:rPr>
+                                <m:t>𝑑𝑥</m:t>
+                              </m:r>
+                            </m:e>
+                          </m:func>
+                        </m:e>
+                      </m:nary>
+                      <m:r>
+                        <a:rPr kumimoji="1" lang="en-US" altLang="ko-Kore-KR" sz="2400" b="0" i="1">
+                          <a:latin typeface="Cambria Math" panose="02040503050406030204" pitchFamily="18" charset="0"/>
+                        </a:rPr>
+                        <m:t>+</m:t>
+                      </m:r>
+                      <m:nary>
+                        <m:naryPr>
+                          <m:ctrlPr>
+                            <a:rPr kumimoji="1" lang="en-US" altLang="ko-Kore-KR" sz="2400" i="1">
+                              <a:latin typeface="Cambria Math" panose="02040503050406030204" pitchFamily="18" charset="0"/>
+                            </a:rPr>
+                          </m:ctrlPr>
+                        </m:naryPr>
+                        <m:sub>
+                          <m:r>
+                            <m:rPr>
+                              <m:brk m:alnAt="23"/>
+                            </m:rPr>
+                            <a:rPr kumimoji="1" lang="en-US" altLang="ko-Kore-KR" sz="2400" b="0" i="1">
+                              <a:latin typeface="Cambria Math" panose="02040503050406030204" pitchFamily="18" charset="0"/>
+                            </a:rPr>
+                            <m:t>𝑧</m:t>
+                          </m:r>
+                        </m:sub>
+                        <m:sup/>
+                        <m:e>
+                          <m:sSub>
+                            <m:sSubPr>
+                              <m:ctrlPr>
+                                <a:rPr kumimoji="1" lang="en-US" altLang="ko-Kore-KR" sz="2400" i="1">
+                                  <a:latin typeface="Cambria Math" panose="02040503050406030204" pitchFamily="18" charset="0"/>
+                                </a:rPr>
+                              </m:ctrlPr>
+                            </m:sSubPr>
+                            <m:e>
+                              <m:r>
+                                <a:rPr kumimoji="1" lang="en-US" altLang="ko-Kore-KR" sz="2400" i="1">
+                                  <a:latin typeface="Cambria Math" panose="02040503050406030204" pitchFamily="18" charset="0"/>
+                                </a:rPr>
+                                <m:t>𝑝</m:t>
+                              </m:r>
+                            </m:e>
+                            <m:sub>
+                              <m:r>
+                                <a:rPr kumimoji="1" lang="en-US" altLang="ko-Kore-KR" sz="2400" b="0" i="1">
+                                  <a:latin typeface="Cambria Math" panose="02040503050406030204" pitchFamily="18" charset="0"/>
+                                </a:rPr>
+                                <m:t>𝑧</m:t>
+                              </m:r>
+                            </m:sub>
+                          </m:sSub>
+                          <m:d>
+                            <m:dPr>
+                              <m:ctrlPr>
+                                <a:rPr kumimoji="1" lang="en-US" altLang="ko-Kore-KR" sz="2400" i="1">
+                                  <a:latin typeface="Cambria Math" panose="02040503050406030204" pitchFamily="18" charset="0"/>
+                                </a:rPr>
+                              </m:ctrlPr>
+                            </m:dPr>
+                            <m:e>
+                              <m:r>
+                                <a:rPr kumimoji="1" lang="en-US" altLang="ko-Kore-KR" sz="2400" b="0" i="1">
+                                  <a:latin typeface="Cambria Math" panose="02040503050406030204" pitchFamily="18" charset="0"/>
+                                </a:rPr>
+                                <m:t>𝑧</m:t>
+                              </m:r>
+                            </m:e>
+                          </m:d>
+                          <m:func>
+                            <m:funcPr>
+                              <m:ctrlPr>
+                                <a:rPr kumimoji="1" lang="en-US" altLang="ko-Kore-KR" sz="2400" i="1">
+                                  <a:latin typeface="Cambria Math" panose="02040503050406030204" pitchFamily="18" charset="0"/>
+                                </a:rPr>
+                              </m:ctrlPr>
+                            </m:funcPr>
+                            <m:fName>
+                              <m:r>
+                                <m:rPr>
+                                  <m:sty m:val="p"/>
+                                </m:rPr>
+                                <a:rPr kumimoji="1" lang="en-US" altLang="ko-Kore-KR" sz="2400">
+                                  <a:latin typeface="Cambria Math" panose="02040503050406030204" pitchFamily="18" charset="0"/>
+                                </a:rPr>
+                                <m:t>log</m:t>
+                              </m:r>
+                            </m:fName>
+                            <m:e>
+                              <m:d>
+                                <m:dPr>
+                                  <m:ctrlPr>
+                                    <a:rPr kumimoji="1" lang="en-US" altLang="ko-Kore-KR" sz="2400" i="1">
+                                      <a:latin typeface="Cambria Math" panose="02040503050406030204" pitchFamily="18" charset="0"/>
+                                    </a:rPr>
+                                  </m:ctrlPr>
+                                </m:dPr>
+                                <m:e>
+                                  <m:r>
+                                    <a:rPr kumimoji="1" lang="en-US" altLang="ko-KR" sz="2400" b="0" i="1">
+                                      <a:latin typeface="Cambria Math" panose="02040503050406030204" pitchFamily="18" charset="0"/>
+                                    </a:rPr>
+                                    <m:t>1−</m:t>
+                                  </m:r>
+                                  <m:r>
+                                    <a:rPr kumimoji="1" lang="en-US" altLang="ko-Kore-KR" sz="2400" i="1">
+                                      <a:latin typeface="Cambria Math" panose="02040503050406030204" pitchFamily="18" charset="0"/>
+                                    </a:rPr>
+                                    <m:t>𝐷</m:t>
+                                  </m:r>
+                                  <m:d>
+                                    <m:dPr>
+                                      <m:ctrlPr>
+                                        <a:rPr kumimoji="1" lang="en-US" altLang="ko-Kore-KR" sz="2400" i="1">
+                                          <a:latin typeface="Cambria Math" panose="02040503050406030204" pitchFamily="18" charset="0"/>
+                                        </a:rPr>
+                                      </m:ctrlPr>
+                                    </m:dPr>
+                                    <m:e>
+                                      <m:r>
+                                        <a:rPr kumimoji="1" lang="en-US" altLang="ko-Kore-KR" sz="2400" b="0" i="1">
+                                          <a:latin typeface="Cambria Math" panose="02040503050406030204" pitchFamily="18" charset="0"/>
+                                        </a:rPr>
+                                        <m:t>𝐺</m:t>
+                                      </m:r>
+                                      <m:r>
+                                        <a:rPr kumimoji="1" lang="en-US" altLang="ko-Kore-KR" sz="2400" b="0" i="1">
+                                          <a:latin typeface="Cambria Math" panose="02040503050406030204" pitchFamily="18" charset="0"/>
+                                        </a:rPr>
+                                        <m:t>(</m:t>
+                                      </m:r>
+                                      <m:r>
+                                        <a:rPr kumimoji="1" lang="en-US" altLang="ko-Kore-KR" sz="2400" b="0" i="1">
+                                          <a:latin typeface="Cambria Math" panose="02040503050406030204" pitchFamily="18" charset="0"/>
+                                        </a:rPr>
+                                        <m:t>𝑍</m:t>
+                                      </m:r>
+                                      <m:r>
+                                        <a:rPr kumimoji="1" lang="en-US" altLang="ko-Kore-KR" sz="2400" b="0" i="1">
+                                          <a:latin typeface="Cambria Math" panose="02040503050406030204" pitchFamily="18" charset="0"/>
+                                        </a:rPr>
+                                        <m:t>)</m:t>
+                                      </m:r>
+                                    </m:e>
+                                  </m:d>
+                                </m:e>
+                              </m:d>
+                              <m:r>
+                                <a:rPr kumimoji="1" lang="en-US" altLang="ko-Kore-KR" sz="2400" i="1">
+                                  <a:latin typeface="Cambria Math" panose="02040503050406030204" pitchFamily="18" charset="0"/>
+                                </a:rPr>
+                                <m:t>𝑑</m:t>
+                              </m:r>
+                              <m:r>
+                                <a:rPr kumimoji="1" lang="en-US" altLang="ko-Kore-KR" sz="2400" b="0" i="1">
+                                  <a:latin typeface="Cambria Math" panose="02040503050406030204" pitchFamily="18" charset="0"/>
+                                </a:rPr>
+                                <m:t>𝑧</m:t>
+                              </m:r>
+                            </m:e>
+                          </m:func>
+                        </m:e>
+                      </m:nary>
+                    </m:oMath>
+                  </m:oMathPara>
+                </a14:m>
+                <a:endParaRPr kumimoji="1" lang="ko-Kore-KR" altLang="en-US" sz="2400"/>
+              </a:p>
+            </p:txBody>
+          </p:sp>
+        </mc:Choice>
+        <mc:Fallback>
+          <p:sp>
+            <p:nvSpPr>
+              <p:cNvPr id="4" name="TextBox 3">
+                <a:extLst>
+                  <a:ext uri="{FF2B5EF4-FFF2-40B4-BE49-F238E27FC236}">
+                    <a16:creationId xmlns:a16="http://schemas.microsoft.com/office/drawing/2014/main" id="{18DFC5D2-659B-314C-B25F-FF9EC11C9512}"/>
+                  </a:ext>
+                </a:extLst>
+              </p:cNvPr>
+              <p:cNvSpPr txBox="1">
+                <a:spLocks noRot="1" noChangeAspect="1" noMove="1" noResize="1" noEditPoints="1" noAdjustHandles="1" noChangeArrowheads="1" noChangeShapeType="1" noTextEdit="1"/>
+              </p:cNvSpPr>
+              <p:nvPr/>
+            </p:nvSpPr>
+            <p:spPr>
+              <a:xfrm>
+                <a:off x="1612633" y="171450"/>
+                <a:ext cx="9108647" cy="862800"/>
+              </a:xfrm>
+              <a:prstGeom prst="rect">
+                <a:avLst/>
+              </a:prstGeom>
+              <a:blipFill>
+                <a:blip r:embed="rId2"/>
+                <a:stretch>
+                  <a:fillRect l="-418" t="-172464" b="-256522"/>
+                </a:stretch>
+              </a:blipFill>
+            </p:spPr>
+            <p:txBody>
+              <a:bodyPr/>
+              <a:lstStyle/>
+              <a:p>
+                <a:r>
+                  <a:rPr lang="ko-Kore-KR" altLang="en-US">
+                    <a:noFill/>
+                  </a:rPr>
+                  <a:t> </a:t>
+                </a:r>
+              </a:p>
+            </p:txBody>
+          </p:sp>
+        </mc:Fallback>
+      </mc:AlternateContent>
+      <mc:AlternateContent xmlns:mc="http://schemas.openxmlformats.org/markup-compatibility/2006">
+        <mc:Choice xmlns:a14="http://schemas.microsoft.com/office/drawing/2010/main" Requires="a14">
+          <p:sp>
+            <p:nvSpPr>
+              <p:cNvPr id="10" name="직사각형 9">
+                <a:extLst>
+                  <a:ext uri="{FF2B5EF4-FFF2-40B4-BE49-F238E27FC236}">
+                    <a16:creationId xmlns:a16="http://schemas.microsoft.com/office/drawing/2014/main" id="{74FA5B9C-A98A-2647-BB7D-A7420483D366}"/>
+                  </a:ext>
+                </a:extLst>
+              </p:cNvPr>
+              <p:cNvSpPr/>
+              <p:nvPr/>
+            </p:nvSpPr>
+            <p:spPr>
+              <a:xfrm>
+                <a:off x="2533013" y="1243009"/>
+                <a:ext cx="7926594" cy="955133"/>
+              </a:xfrm>
+              <a:prstGeom prst="rect">
+                <a:avLst/>
+              </a:prstGeom>
+            </p:spPr>
+            <p:txBody>
+              <a:bodyPr wrap="none">
+                <a:spAutoFit/>
+              </a:bodyPr>
+              <a:lstStyle/>
+              <a:p>
+                <a14:m>
+                  <m:oMathPara xmlns:m="http://schemas.openxmlformats.org/officeDocument/2006/math">
+                    <m:oMathParaPr>
+                      <m:jc m:val="centerGroup"/>
+                    </m:oMathParaPr>
+                    <m:oMath xmlns:m="http://schemas.openxmlformats.org/officeDocument/2006/math">
+                      <m:r>
+                        <a:rPr kumimoji="1" lang="en-US" altLang="ko-Kore-KR" sz="2400" i="1">
+                          <a:latin typeface="Cambria Math" panose="02040503050406030204" pitchFamily="18" charset="0"/>
+                        </a:rPr>
+                        <m:t>= </m:t>
+                      </m:r>
+                      <m:nary>
+                        <m:naryPr>
+                          <m:ctrlPr>
+                            <a:rPr kumimoji="1" lang="en-US" altLang="ko-Kore-KR" sz="2400" i="1">
+                              <a:latin typeface="Cambria Math" panose="02040503050406030204" pitchFamily="18" charset="0"/>
+                            </a:rPr>
+                          </m:ctrlPr>
+                        </m:naryPr>
+                        <m:sub>
+                          <m:r>
+                            <m:rPr>
+                              <m:brk m:alnAt="23"/>
+                            </m:rPr>
+                            <a:rPr kumimoji="1" lang="en-US" altLang="ko-Kore-KR" sz="2400" i="1">
+                              <a:latin typeface="Cambria Math" panose="02040503050406030204" pitchFamily="18" charset="0"/>
+                            </a:rPr>
+                            <m:t>𝑥</m:t>
+                          </m:r>
+                        </m:sub>
+                        <m:sup/>
+                        <m:e>
+                          <m:sSub>
+                            <m:sSubPr>
+                              <m:ctrlPr>
+                                <a:rPr kumimoji="1" lang="en-US" altLang="ko-Kore-KR" sz="2400" i="1">
+                                  <a:latin typeface="Cambria Math" panose="02040503050406030204" pitchFamily="18" charset="0"/>
+                                </a:rPr>
+                              </m:ctrlPr>
+                            </m:sSubPr>
+                            <m:e>
+                              <m:r>
+                                <a:rPr kumimoji="1" lang="en-US" altLang="ko-Kore-KR" sz="2400" i="1">
+                                  <a:latin typeface="Cambria Math" panose="02040503050406030204" pitchFamily="18" charset="0"/>
+                                </a:rPr>
+                                <m:t>𝑝</m:t>
+                              </m:r>
+                            </m:e>
+                            <m:sub>
+                              <m:r>
+                                <a:rPr kumimoji="1" lang="en-US" altLang="ko-Kore-KR" sz="2400" i="1">
+                                  <a:latin typeface="Cambria Math" panose="02040503050406030204" pitchFamily="18" charset="0"/>
+                                </a:rPr>
+                                <m:t>𝑑𝑎𝑡𝑎</m:t>
+                              </m:r>
+                            </m:sub>
+                          </m:sSub>
+                          <m:d>
+                            <m:dPr>
+                              <m:ctrlPr>
+                                <a:rPr kumimoji="1" lang="en-US" altLang="ko-Kore-KR" sz="2400" i="1">
+                                  <a:latin typeface="Cambria Math" panose="02040503050406030204" pitchFamily="18" charset="0"/>
+                                </a:rPr>
+                              </m:ctrlPr>
+                            </m:dPr>
+                            <m:e>
+                              <m:r>
+                                <a:rPr kumimoji="1" lang="en-US" altLang="ko-Kore-KR" sz="2400" i="1">
+                                  <a:latin typeface="Cambria Math" panose="02040503050406030204" pitchFamily="18" charset="0"/>
+                                </a:rPr>
+                                <m:t>𝑥</m:t>
+                              </m:r>
+                            </m:e>
+                          </m:d>
+                          <m:func>
+                            <m:funcPr>
+                              <m:ctrlPr>
+                                <a:rPr kumimoji="1" lang="en-US" altLang="ko-Kore-KR" sz="2400" i="1">
+                                  <a:latin typeface="Cambria Math" panose="02040503050406030204" pitchFamily="18" charset="0"/>
+                                </a:rPr>
+                              </m:ctrlPr>
+                            </m:funcPr>
+                            <m:fName>
+                              <m:r>
+                                <m:rPr>
+                                  <m:sty m:val="p"/>
+                                </m:rPr>
+                                <a:rPr kumimoji="1" lang="en-US" altLang="ko-Kore-KR" sz="2400">
+                                  <a:latin typeface="Cambria Math" panose="02040503050406030204" pitchFamily="18" charset="0"/>
+                                </a:rPr>
+                                <m:t>log</m:t>
+                              </m:r>
+                            </m:fName>
+                            <m:e>
+                              <m:d>
+                                <m:dPr>
+                                  <m:ctrlPr>
+                                    <a:rPr kumimoji="1" lang="en-US" altLang="ko-Kore-KR" sz="2400" i="1">
+                                      <a:latin typeface="Cambria Math" panose="02040503050406030204" pitchFamily="18" charset="0"/>
+                                    </a:rPr>
+                                  </m:ctrlPr>
+                                </m:dPr>
+                                <m:e>
+                                  <m:r>
+                                    <a:rPr kumimoji="1" lang="en-US" altLang="ko-Kore-KR" sz="2400" i="1">
+                                      <a:latin typeface="Cambria Math" panose="02040503050406030204" pitchFamily="18" charset="0"/>
+                                    </a:rPr>
+                                    <m:t>𝐷</m:t>
+                                  </m:r>
+                                  <m:d>
+                                    <m:dPr>
+                                      <m:ctrlPr>
+                                        <a:rPr kumimoji="1" lang="en-US" altLang="ko-Kore-KR" sz="2400" i="1">
+                                          <a:latin typeface="Cambria Math" panose="02040503050406030204" pitchFamily="18" charset="0"/>
+                                        </a:rPr>
+                                      </m:ctrlPr>
+                                    </m:dPr>
+                                    <m:e>
+                                      <m:r>
+                                        <a:rPr kumimoji="1" lang="en-US" altLang="ko-Kore-KR" sz="2400" i="1">
+                                          <a:latin typeface="Cambria Math" panose="02040503050406030204" pitchFamily="18" charset="0"/>
+                                        </a:rPr>
+                                        <m:t>𝑥</m:t>
+                                      </m:r>
+                                    </m:e>
+                                  </m:d>
+                                </m:e>
+                              </m:d>
+                              <m:r>
+                                <a:rPr kumimoji="1" lang="en-US" altLang="ko-Kore-KR" sz="2400" i="1">
+                                  <a:latin typeface="Cambria Math" panose="02040503050406030204" pitchFamily="18" charset="0"/>
+                                </a:rPr>
+                                <m:t>𝑑𝑥</m:t>
+                              </m:r>
+                            </m:e>
+                          </m:func>
+                        </m:e>
+                      </m:nary>
+                      <m:r>
+                        <a:rPr kumimoji="1" lang="en-US" altLang="ko-Kore-KR" sz="2400" i="1">
+                          <a:latin typeface="Cambria Math" panose="02040503050406030204" pitchFamily="18" charset="0"/>
+                        </a:rPr>
+                        <m:t>+</m:t>
+                      </m:r>
+                      <m:nary>
+                        <m:naryPr>
+                          <m:ctrlPr>
+                            <a:rPr kumimoji="1" lang="en-US" altLang="ko-Kore-KR" sz="2400" i="1">
+                              <a:latin typeface="Cambria Math" panose="02040503050406030204" pitchFamily="18" charset="0"/>
+                            </a:rPr>
+                          </m:ctrlPr>
+                        </m:naryPr>
+                        <m:sub>
+                          <m:r>
+                            <m:rPr>
+                              <m:brk m:alnAt="23"/>
+                            </m:rPr>
+                            <a:rPr kumimoji="1" lang="en-US" altLang="ko-Kore-KR" sz="2400" b="0" i="1">
+                              <a:latin typeface="Cambria Math" panose="02040503050406030204" pitchFamily="18" charset="0"/>
+                            </a:rPr>
+                            <m:t>𝑥</m:t>
+                          </m:r>
+                        </m:sub>
+                        <m:sup/>
+                        <m:e>
+                          <m:sSub>
+                            <m:sSubPr>
+                              <m:ctrlPr>
+                                <a:rPr kumimoji="1" lang="en-US" altLang="ko-Kore-KR" sz="2400" i="1">
+                                  <a:latin typeface="Cambria Math" panose="02040503050406030204" pitchFamily="18" charset="0"/>
+                                </a:rPr>
+                              </m:ctrlPr>
+                            </m:sSubPr>
+                            <m:e>
+                              <m:r>
+                                <a:rPr kumimoji="1" lang="en-US" altLang="ko-Kore-KR" sz="2400" i="1">
+                                  <a:latin typeface="Cambria Math" panose="02040503050406030204" pitchFamily="18" charset="0"/>
+                                </a:rPr>
+                                <m:t>𝑝</m:t>
+                              </m:r>
+                            </m:e>
+                            <m:sub>
+                              <m:r>
+                                <a:rPr kumimoji="1" lang="en-US" altLang="ko-Kore-KR" sz="2400" b="0" i="1">
+                                  <a:latin typeface="Cambria Math" panose="02040503050406030204" pitchFamily="18" charset="0"/>
+                                </a:rPr>
+                                <m:t>𝑔</m:t>
+                              </m:r>
+                            </m:sub>
+                          </m:sSub>
+                          <m:d>
+                            <m:dPr>
+                              <m:ctrlPr>
+                                <a:rPr kumimoji="1" lang="en-US" altLang="ko-Kore-KR" sz="2400" i="1">
+                                  <a:latin typeface="Cambria Math" panose="02040503050406030204" pitchFamily="18" charset="0"/>
+                                </a:rPr>
+                              </m:ctrlPr>
+                            </m:dPr>
+                            <m:e>
+                              <m:r>
+                                <a:rPr kumimoji="1" lang="en-US" altLang="ko-Kore-KR" sz="2400" b="0" i="1">
+                                  <a:latin typeface="Cambria Math" panose="02040503050406030204" pitchFamily="18" charset="0"/>
+                                </a:rPr>
+                                <m:t>𝑥</m:t>
+                              </m:r>
+                            </m:e>
+                          </m:d>
+                          <m:func>
+                            <m:funcPr>
+                              <m:ctrlPr>
+                                <a:rPr kumimoji="1" lang="en-US" altLang="ko-Kore-KR" sz="2400" i="1">
+                                  <a:latin typeface="Cambria Math" panose="02040503050406030204" pitchFamily="18" charset="0"/>
+                                </a:rPr>
+                              </m:ctrlPr>
+                            </m:funcPr>
+                            <m:fName>
+                              <m:r>
+                                <m:rPr>
+                                  <m:sty m:val="p"/>
+                                </m:rPr>
+                                <a:rPr kumimoji="1" lang="en-US" altLang="ko-Kore-KR" sz="2400">
+                                  <a:latin typeface="Cambria Math" panose="02040503050406030204" pitchFamily="18" charset="0"/>
+                                </a:rPr>
+                                <m:t>log</m:t>
+                              </m:r>
+                            </m:fName>
+                            <m:e>
+                              <m:d>
+                                <m:dPr>
+                                  <m:ctrlPr>
+                                    <a:rPr kumimoji="1" lang="en-US" altLang="ko-Kore-KR" sz="2400" i="1">
+                                      <a:latin typeface="Cambria Math" panose="02040503050406030204" pitchFamily="18" charset="0"/>
+                                    </a:rPr>
+                                  </m:ctrlPr>
+                                </m:dPr>
+                                <m:e>
+                                  <m:r>
+                                    <a:rPr kumimoji="1" lang="en-US" altLang="ko-KR" sz="2400" b="0" i="1">
+                                      <a:latin typeface="Cambria Math" panose="02040503050406030204" pitchFamily="18" charset="0"/>
+                                    </a:rPr>
+                                    <m:t>1−</m:t>
+                                  </m:r>
+                                  <m:r>
+                                    <a:rPr kumimoji="1" lang="en-US" altLang="ko-Kore-KR" sz="2400" i="1">
+                                      <a:latin typeface="Cambria Math" panose="02040503050406030204" pitchFamily="18" charset="0"/>
+                                    </a:rPr>
+                                    <m:t>𝐷</m:t>
+                                  </m:r>
+                                  <m:d>
+                                    <m:dPr>
+                                      <m:ctrlPr>
+                                        <a:rPr kumimoji="1" lang="en-US" altLang="ko-Kore-KR" sz="2400" i="1">
+                                          <a:latin typeface="Cambria Math" panose="02040503050406030204" pitchFamily="18" charset="0"/>
+                                        </a:rPr>
+                                      </m:ctrlPr>
+                                    </m:dPr>
+                                    <m:e>
+                                      <m:r>
+                                        <a:rPr kumimoji="1" lang="en-US" altLang="ko-Kore-KR" sz="2400" b="0" i="1">
+                                          <a:latin typeface="Cambria Math" panose="02040503050406030204" pitchFamily="18" charset="0"/>
+                                        </a:rPr>
+                                        <m:t>𝑥</m:t>
+                                      </m:r>
+                                    </m:e>
+                                  </m:d>
+                                </m:e>
+                              </m:d>
+                              <m:r>
+                                <a:rPr kumimoji="1" lang="en-US" altLang="ko-Kore-KR" sz="2400" i="1">
+                                  <a:latin typeface="Cambria Math" panose="02040503050406030204" pitchFamily="18" charset="0"/>
+                                </a:rPr>
+                                <m:t>𝑑</m:t>
+                              </m:r>
+                              <m:r>
+                                <a:rPr kumimoji="1" lang="en-US" altLang="ko-Kore-KR" sz="2400" b="0" i="1">
+                                  <a:latin typeface="Cambria Math" panose="02040503050406030204" pitchFamily="18" charset="0"/>
+                                </a:rPr>
+                                <m:t>𝑥</m:t>
+                              </m:r>
+                            </m:e>
+                          </m:func>
+                        </m:e>
+                      </m:nary>
+                    </m:oMath>
+                  </m:oMathPara>
+                </a14:m>
+                <a:endParaRPr lang="ko-Kore-KR" altLang="en-US" sz="2400"/>
+              </a:p>
+            </p:txBody>
+          </p:sp>
+        </mc:Choice>
+        <mc:Fallback>
+          <p:sp>
+            <p:nvSpPr>
+              <p:cNvPr id="10" name="직사각형 9">
+                <a:extLst>
+                  <a:ext uri="{FF2B5EF4-FFF2-40B4-BE49-F238E27FC236}">
+                    <a16:creationId xmlns:a16="http://schemas.microsoft.com/office/drawing/2014/main" id="{74FA5B9C-A98A-2647-BB7D-A7420483D366}"/>
+                  </a:ext>
+                </a:extLst>
+              </p:cNvPr>
+              <p:cNvSpPr>
+                <a:spLocks noRot="1" noChangeAspect="1" noMove="1" noResize="1" noEditPoints="1" noAdjustHandles="1" noChangeArrowheads="1" noChangeShapeType="1" noTextEdit="1"/>
+              </p:cNvSpPr>
+              <p:nvPr/>
+            </p:nvSpPr>
+            <p:spPr>
+              <a:xfrm>
+                <a:off x="2533013" y="1243009"/>
+                <a:ext cx="7926594" cy="955133"/>
+              </a:xfrm>
+              <a:prstGeom prst="rect">
+                <a:avLst/>
+              </a:prstGeom>
+              <a:blipFill>
+                <a:blip r:embed="rId3"/>
+                <a:stretch>
+                  <a:fillRect l="-8960" t="-149351" b="-224675"/>
+                </a:stretch>
+              </a:blipFill>
+            </p:spPr>
+            <p:txBody>
+              <a:bodyPr/>
+              <a:lstStyle/>
+              <a:p>
+                <a:r>
+                  <a:rPr lang="ko-Kore-KR" altLang="en-US">
+                    <a:noFill/>
+                  </a:rPr>
+                  <a:t> </a:t>
+                </a:r>
+              </a:p>
+            </p:txBody>
+          </p:sp>
+        </mc:Fallback>
+      </mc:AlternateContent>
+      <mc:AlternateContent xmlns:mc="http://schemas.openxmlformats.org/markup-compatibility/2006">
+        <mc:Choice xmlns:a14="http://schemas.microsoft.com/office/drawing/2010/main" Requires="a14">
+          <p:sp>
+            <p:nvSpPr>
+              <p:cNvPr id="11" name="직사각형 10">
+                <a:extLst>
+                  <a:ext uri="{FF2B5EF4-FFF2-40B4-BE49-F238E27FC236}">
+                    <a16:creationId xmlns:a16="http://schemas.microsoft.com/office/drawing/2014/main" id="{D4389338-844C-4643-8EFA-147CC54E118F}"/>
+                  </a:ext>
+                </a:extLst>
+              </p:cNvPr>
+              <p:cNvSpPr/>
+              <p:nvPr/>
+            </p:nvSpPr>
+            <p:spPr>
+              <a:xfrm>
+                <a:off x="2617885" y="2343155"/>
+                <a:ext cx="7172797" cy="955133"/>
+              </a:xfrm>
+              <a:prstGeom prst="rect">
+                <a:avLst/>
+              </a:prstGeom>
+            </p:spPr>
+            <p:txBody>
+              <a:bodyPr wrap="none">
+                <a:spAutoFit/>
+              </a:bodyPr>
+              <a:lstStyle/>
+              <a:p>
+                <a14:m>
+                  <m:oMathPara xmlns:m="http://schemas.openxmlformats.org/officeDocument/2006/math">
+                    <m:oMathParaPr>
+                      <m:jc m:val="centerGroup"/>
+                    </m:oMathParaPr>
+                    <m:oMath xmlns:m="http://schemas.openxmlformats.org/officeDocument/2006/math">
+                      <m:r>
+                        <a:rPr kumimoji="1" lang="en-US" altLang="ko-Kore-KR" sz="2400" i="1">
+                          <a:latin typeface="Cambria Math" panose="02040503050406030204" pitchFamily="18" charset="0"/>
+                        </a:rPr>
+                        <m:t>= </m:t>
+                      </m:r>
+                      <m:nary>
+                        <m:naryPr>
+                          <m:ctrlPr>
+                            <a:rPr kumimoji="1" lang="en-US" altLang="ko-Kore-KR" sz="2400" i="1">
+                              <a:latin typeface="Cambria Math" panose="02040503050406030204" pitchFamily="18" charset="0"/>
+                            </a:rPr>
+                          </m:ctrlPr>
+                        </m:naryPr>
+                        <m:sub>
+                          <m:r>
+                            <m:rPr>
+                              <m:brk m:alnAt="23"/>
+                            </m:rPr>
+                            <a:rPr kumimoji="1" lang="en-US" altLang="ko-Kore-KR" sz="2400" i="1">
+                              <a:latin typeface="Cambria Math" panose="02040503050406030204" pitchFamily="18" charset="0"/>
+                            </a:rPr>
+                            <m:t>𝑥</m:t>
+                          </m:r>
+                        </m:sub>
+                        <m:sup/>
+                        <m:e>
+                          <m:sSub>
+                            <m:sSubPr>
+                              <m:ctrlPr>
+                                <a:rPr kumimoji="1" lang="en-US" altLang="ko-Kore-KR" sz="2400" i="1">
+                                  <a:latin typeface="Cambria Math" panose="02040503050406030204" pitchFamily="18" charset="0"/>
+                                </a:rPr>
+                              </m:ctrlPr>
+                            </m:sSubPr>
+                            <m:e>
+                              <m:r>
+                                <a:rPr kumimoji="1" lang="en-US" altLang="ko-Kore-KR" sz="2400" i="1">
+                                  <a:latin typeface="Cambria Math" panose="02040503050406030204" pitchFamily="18" charset="0"/>
+                                </a:rPr>
+                                <m:t>𝑝</m:t>
+                              </m:r>
+                            </m:e>
+                            <m:sub>
+                              <m:r>
+                                <a:rPr kumimoji="1" lang="en-US" altLang="ko-Kore-KR" sz="2400" i="1">
+                                  <a:latin typeface="Cambria Math" panose="02040503050406030204" pitchFamily="18" charset="0"/>
+                                </a:rPr>
+                                <m:t>𝑑𝑎𝑡𝑎</m:t>
+                              </m:r>
+                            </m:sub>
+                          </m:sSub>
+                          <m:d>
+                            <m:dPr>
+                              <m:ctrlPr>
+                                <a:rPr kumimoji="1" lang="en-US" altLang="ko-Kore-KR" sz="2400" i="1">
+                                  <a:latin typeface="Cambria Math" panose="02040503050406030204" pitchFamily="18" charset="0"/>
+                                </a:rPr>
+                              </m:ctrlPr>
+                            </m:dPr>
+                            <m:e>
+                              <m:r>
+                                <a:rPr kumimoji="1" lang="en-US" altLang="ko-Kore-KR" sz="2400" i="1">
+                                  <a:latin typeface="Cambria Math" panose="02040503050406030204" pitchFamily="18" charset="0"/>
+                                </a:rPr>
+                                <m:t>𝑥</m:t>
+                              </m:r>
+                            </m:e>
+                          </m:d>
+                          <m:func>
+                            <m:funcPr>
+                              <m:ctrlPr>
+                                <a:rPr kumimoji="1" lang="en-US" altLang="ko-Kore-KR" sz="2400" i="1">
+                                  <a:latin typeface="Cambria Math" panose="02040503050406030204" pitchFamily="18" charset="0"/>
+                                </a:rPr>
+                              </m:ctrlPr>
+                            </m:funcPr>
+                            <m:fName>
+                              <m:r>
+                                <m:rPr>
+                                  <m:sty m:val="p"/>
+                                </m:rPr>
+                                <a:rPr kumimoji="1" lang="en-US" altLang="ko-Kore-KR" sz="2400">
+                                  <a:latin typeface="Cambria Math" panose="02040503050406030204" pitchFamily="18" charset="0"/>
+                                </a:rPr>
+                                <m:t>log</m:t>
+                              </m:r>
+                            </m:fName>
+                            <m:e>
+                              <m:d>
+                                <m:dPr>
+                                  <m:ctrlPr>
+                                    <a:rPr kumimoji="1" lang="en-US" altLang="ko-Kore-KR" sz="2400" i="1">
+                                      <a:latin typeface="Cambria Math" panose="02040503050406030204" pitchFamily="18" charset="0"/>
+                                    </a:rPr>
+                                  </m:ctrlPr>
+                                </m:dPr>
+                                <m:e>
+                                  <m:r>
+                                    <a:rPr kumimoji="1" lang="en-US" altLang="ko-Kore-KR" sz="2400" i="1">
+                                      <a:latin typeface="Cambria Math" panose="02040503050406030204" pitchFamily="18" charset="0"/>
+                                    </a:rPr>
+                                    <m:t>𝐷</m:t>
+                                  </m:r>
+                                  <m:d>
+                                    <m:dPr>
+                                      <m:ctrlPr>
+                                        <a:rPr kumimoji="1" lang="en-US" altLang="ko-Kore-KR" sz="2400" i="1">
+                                          <a:latin typeface="Cambria Math" panose="02040503050406030204" pitchFamily="18" charset="0"/>
+                                        </a:rPr>
+                                      </m:ctrlPr>
+                                    </m:dPr>
+                                    <m:e>
+                                      <m:r>
+                                        <a:rPr kumimoji="1" lang="en-US" altLang="ko-Kore-KR" sz="2400" i="1">
+                                          <a:latin typeface="Cambria Math" panose="02040503050406030204" pitchFamily="18" charset="0"/>
+                                        </a:rPr>
+                                        <m:t>𝑥</m:t>
+                                      </m:r>
+                                    </m:e>
+                                  </m:d>
+                                </m:e>
+                              </m:d>
+                              <m:r>
+                                <a:rPr kumimoji="1" lang="en-US" altLang="ko-Kore-KR" sz="2400" b="0" i="1">
+                                  <a:latin typeface="Cambria Math" panose="02040503050406030204" pitchFamily="18" charset="0"/>
+                                </a:rPr>
+                                <m:t>+ </m:t>
+                              </m:r>
+                              <m:sSub>
+                                <m:sSubPr>
+                                  <m:ctrlPr>
+                                    <a:rPr kumimoji="1" lang="en-US" altLang="ko-Kore-KR" sz="2400" b="0" i="1">
+                                      <a:latin typeface="Cambria Math" panose="02040503050406030204" pitchFamily="18" charset="0"/>
+                                    </a:rPr>
+                                  </m:ctrlPr>
+                                </m:sSubPr>
+                                <m:e>
+                                  <m:r>
+                                    <a:rPr kumimoji="1" lang="en-US" altLang="ko-Kore-KR" sz="2400" b="0" i="1">
+                                      <a:latin typeface="Cambria Math" panose="02040503050406030204" pitchFamily="18" charset="0"/>
+                                    </a:rPr>
+                                    <m:t>𝑝</m:t>
+                                  </m:r>
+                                </m:e>
+                                <m:sub>
+                                  <m:r>
+                                    <a:rPr kumimoji="1" lang="en-US" altLang="ko-Kore-KR" sz="2400" b="0" i="1">
+                                      <a:latin typeface="Cambria Math" panose="02040503050406030204" pitchFamily="18" charset="0"/>
+                                    </a:rPr>
+                                    <m:t>𝑔</m:t>
+                                  </m:r>
+                                </m:sub>
+                              </m:sSub>
+                              <m:r>
+                                <a:rPr kumimoji="1" lang="en-US" altLang="ko-Kore-KR" sz="2400" b="0" i="1">
+                                  <a:latin typeface="Cambria Math" panose="02040503050406030204" pitchFamily="18" charset="0"/>
+                                </a:rPr>
+                                <m:t>(</m:t>
+                              </m:r>
+                              <m:r>
+                                <a:rPr kumimoji="1" lang="en-US" altLang="ko-Kore-KR" sz="2400" b="0" i="1">
+                                  <a:latin typeface="Cambria Math" panose="02040503050406030204" pitchFamily="18" charset="0"/>
+                                </a:rPr>
+                                <m:t>𝑥</m:t>
+                              </m:r>
+                              <m:r>
+                                <a:rPr kumimoji="1" lang="en-US" altLang="ko-Kore-KR" sz="2400" b="0" i="1">
+                                  <a:latin typeface="Cambria Math" panose="02040503050406030204" pitchFamily="18" charset="0"/>
+                                </a:rPr>
+                                <m:t>)</m:t>
+                              </m:r>
+                              <m:func>
+                                <m:funcPr>
+                                  <m:ctrlPr>
+                                    <a:rPr kumimoji="1" lang="en-US" altLang="ko-Kore-KR" sz="2400" b="0" i="1">
+                                      <a:latin typeface="Cambria Math" panose="02040503050406030204" pitchFamily="18" charset="0"/>
+                                    </a:rPr>
+                                  </m:ctrlPr>
+                                </m:funcPr>
+                                <m:fName>
+                                  <m:r>
+                                    <m:rPr>
+                                      <m:sty m:val="p"/>
+                                    </m:rPr>
+                                    <a:rPr kumimoji="1" lang="en-US" altLang="ko-Kore-KR" sz="2400" b="0" i="0">
+                                      <a:latin typeface="Cambria Math" panose="02040503050406030204" pitchFamily="18" charset="0"/>
+                                    </a:rPr>
+                                    <m:t>log</m:t>
+                                  </m:r>
+                                </m:fName>
+                                <m:e>
+                                  <m:d>
+                                    <m:dPr>
+                                      <m:ctrlPr>
+                                        <a:rPr kumimoji="1" lang="en-US" altLang="ko-Kore-KR" sz="2400" b="0" i="1">
+                                          <a:latin typeface="Cambria Math" panose="02040503050406030204" pitchFamily="18" charset="0"/>
+                                        </a:rPr>
+                                      </m:ctrlPr>
+                                    </m:dPr>
+                                    <m:e>
+                                      <m:r>
+                                        <a:rPr kumimoji="1" lang="en-US" altLang="ko-Kore-KR" sz="2400" b="0" i="1">
+                                          <a:latin typeface="Cambria Math" panose="02040503050406030204" pitchFamily="18" charset="0"/>
+                                        </a:rPr>
+                                        <m:t>1 −</m:t>
+                                      </m:r>
+                                      <m:r>
+                                        <a:rPr kumimoji="1" lang="en-US" altLang="ko-Kore-KR" sz="2400" b="0" i="1">
+                                          <a:latin typeface="Cambria Math" panose="02040503050406030204" pitchFamily="18" charset="0"/>
+                                        </a:rPr>
+                                        <m:t>𝐷</m:t>
+                                      </m:r>
+                                      <m:d>
+                                        <m:dPr>
+                                          <m:ctrlPr>
+                                            <a:rPr kumimoji="1" lang="en-US" altLang="ko-Kore-KR" sz="2400" b="0" i="1">
+                                              <a:latin typeface="Cambria Math" panose="02040503050406030204" pitchFamily="18" charset="0"/>
+                                            </a:rPr>
+                                          </m:ctrlPr>
+                                        </m:dPr>
+                                        <m:e>
+                                          <m:r>
+                                            <a:rPr kumimoji="1" lang="en-US" altLang="ko-Kore-KR" sz="2400" b="0" i="1">
+                                              <a:latin typeface="Cambria Math" panose="02040503050406030204" pitchFamily="18" charset="0"/>
+                                            </a:rPr>
+                                            <m:t>𝑥</m:t>
+                                          </m:r>
+                                        </m:e>
+                                      </m:d>
+                                    </m:e>
+                                  </m:d>
+                                </m:e>
+                              </m:func>
+                              <m:r>
+                                <a:rPr kumimoji="1" lang="en-US" altLang="ko-Kore-KR" sz="2400" i="1">
+                                  <a:latin typeface="Cambria Math" panose="02040503050406030204" pitchFamily="18" charset="0"/>
+                                </a:rPr>
+                                <m:t>𝑑𝑥</m:t>
+                              </m:r>
+                            </m:e>
+                          </m:func>
+                        </m:e>
+                      </m:nary>
+                    </m:oMath>
+                  </m:oMathPara>
+                </a14:m>
+                <a:endParaRPr lang="ko-Kore-KR" altLang="en-US" sz="2400"/>
+              </a:p>
+            </p:txBody>
+          </p:sp>
+        </mc:Choice>
+        <mc:Fallback>
+          <p:sp>
+            <p:nvSpPr>
+              <p:cNvPr id="11" name="직사각형 10">
+                <a:extLst>
+                  <a:ext uri="{FF2B5EF4-FFF2-40B4-BE49-F238E27FC236}">
+                    <a16:creationId xmlns:a16="http://schemas.microsoft.com/office/drawing/2014/main" id="{D4389338-844C-4643-8EFA-147CC54E118F}"/>
+                  </a:ext>
+                </a:extLst>
+              </p:cNvPr>
+              <p:cNvSpPr>
+                <a:spLocks noRot="1" noChangeAspect="1" noMove="1" noResize="1" noEditPoints="1" noAdjustHandles="1" noChangeArrowheads="1" noChangeShapeType="1" noTextEdit="1"/>
+              </p:cNvSpPr>
+              <p:nvPr/>
+            </p:nvSpPr>
+            <p:spPr>
+              <a:xfrm>
+                <a:off x="2617885" y="2343155"/>
+                <a:ext cx="7172797" cy="955133"/>
+              </a:xfrm>
+              <a:prstGeom prst="rect">
+                <a:avLst/>
+              </a:prstGeom>
+              <a:blipFill>
+                <a:blip r:embed="rId4"/>
+                <a:stretch>
+                  <a:fillRect l="-10777" t="-152632" b="-228947"/>
+                </a:stretch>
+              </a:blipFill>
+            </p:spPr>
+            <p:txBody>
+              <a:bodyPr/>
+              <a:lstStyle/>
+              <a:p>
+                <a:r>
+                  <a:rPr lang="ko-Kore-KR" altLang="en-US">
+                    <a:noFill/>
+                  </a:rPr>
+                  <a:t> </a:t>
+                </a:r>
+              </a:p>
+            </p:txBody>
+          </p:sp>
+        </mc:Fallback>
+      </mc:AlternateContent>
+      <mc:AlternateContent xmlns:mc="http://schemas.openxmlformats.org/markup-compatibility/2006">
+        <mc:Choice xmlns:a14="http://schemas.microsoft.com/office/drawing/2010/main" Requires="a14">
+          <p:sp>
+            <p:nvSpPr>
+              <p:cNvPr id="12" name="TextBox 11">
+                <a:extLst>
+                  <a:ext uri="{FF2B5EF4-FFF2-40B4-BE49-F238E27FC236}">
+                    <a16:creationId xmlns:a16="http://schemas.microsoft.com/office/drawing/2014/main" id="{CF8C68D0-642A-804B-810B-5AFA5F7F8499}"/>
+                  </a:ext>
+                </a:extLst>
+              </p:cNvPr>
+              <p:cNvSpPr txBox="1"/>
+              <p:nvPr/>
+            </p:nvSpPr>
+            <p:spPr>
+              <a:xfrm>
+                <a:off x="154798" y="3686174"/>
+                <a:ext cx="9888926" cy="411651"/>
+              </a:xfrm>
+              <a:prstGeom prst="rect">
+                <a:avLst/>
+              </a:prstGeom>
+              <a:noFill/>
+            </p:spPr>
+            <p:txBody>
+              <a:bodyPr wrap="none" rtlCol="0">
+                <a:spAutoFit/>
+              </a:bodyPr>
+              <a:lstStyle/>
+              <a:p>
+                <a14:m>
+                  <m:oMath xmlns:m="http://schemas.openxmlformats.org/officeDocument/2006/math">
+                    <m:r>
+                      <a:rPr kumimoji="1" lang="en-US" altLang="ko-Kore-KR" i="1">
+                        <a:latin typeface="Cambria Math" panose="02040503050406030204" pitchFamily="18" charset="0"/>
+                      </a:rPr>
+                      <m:t>𝑉</m:t>
+                    </m:r>
+                    <m:d>
+                      <m:dPr>
+                        <m:ctrlPr>
+                          <a:rPr kumimoji="1" lang="en-US" altLang="ko-Kore-KR" i="1">
+                            <a:latin typeface="Cambria Math" panose="02040503050406030204" pitchFamily="18" charset="0"/>
+                          </a:rPr>
+                        </m:ctrlPr>
+                      </m:dPr>
+                      <m:e>
+                        <m:r>
+                          <a:rPr kumimoji="1" lang="en-US" altLang="ko-Kore-KR" i="1">
+                            <a:latin typeface="Cambria Math" panose="02040503050406030204" pitchFamily="18" charset="0"/>
+                          </a:rPr>
+                          <m:t>𝐺</m:t>
+                        </m:r>
+                        <m:r>
+                          <a:rPr kumimoji="1" lang="en-US" altLang="ko-Kore-KR" i="1">
+                            <a:latin typeface="Cambria Math" panose="02040503050406030204" pitchFamily="18" charset="0"/>
+                          </a:rPr>
+                          <m:t>, </m:t>
+                        </m:r>
+                        <m:r>
+                          <a:rPr kumimoji="1" lang="en-US" altLang="ko-Kore-KR" i="1">
+                            <a:latin typeface="Cambria Math" panose="02040503050406030204" pitchFamily="18" charset="0"/>
+                          </a:rPr>
+                          <m:t>𝐷</m:t>
+                        </m:r>
+                      </m:e>
+                    </m:d>
+                  </m:oMath>
+                </a14:m>
+                <a:r>
+                  <a:rPr kumimoji="1" lang="ko-Kore-KR" altLang="en-US"/>
+                  <a:t>를</a:t>
+                </a:r>
+                <a:r>
+                  <a:rPr kumimoji="1" lang="ko-KR" altLang="en-US"/>
+                  <a:t> 최대로 만들기 위해선 </a:t>
+                </a:r>
+                <a14:m>
+                  <m:oMath xmlns:m="http://schemas.openxmlformats.org/officeDocument/2006/math">
+                    <m:sSub>
+                      <m:sSubPr>
+                        <m:ctrlPr>
+                          <a:rPr kumimoji="1" lang="en-US" altLang="ko-Kore-KR" i="1">
+                            <a:latin typeface="Cambria Math" panose="02040503050406030204" pitchFamily="18" charset="0"/>
+                          </a:rPr>
+                        </m:ctrlPr>
+                      </m:sSubPr>
+                      <m:e>
+                        <m:r>
+                          <a:rPr kumimoji="1" lang="en-US" altLang="ko-Kore-KR" i="1">
+                            <a:latin typeface="Cambria Math" panose="02040503050406030204" pitchFamily="18" charset="0"/>
+                          </a:rPr>
+                          <m:t>𝑝</m:t>
+                        </m:r>
+                      </m:e>
+                      <m:sub>
+                        <m:r>
+                          <a:rPr kumimoji="1" lang="en-US" altLang="ko-Kore-KR" i="1">
+                            <a:latin typeface="Cambria Math" panose="02040503050406030204" pitchFamily="18" charset="0"/>
+                          </a:rPr>
+                          <m:t>𝑑𝑎𝑡𝑎</m:t>
+                        </m:r>
+                      </m:sub>
+                    </m:sSub>
+                    <m:d>
+                      <m:dPr>
+                        <m:ctrlPr>
+                          <a:rPr kumimoji="1" lang="en-US" altLang="ko-Kore-KR" i="1">
+                            <a:latin typeface="Cambria Math" panose="02040503050406030204" pitchFamily="18" charset="0"/>
+                          </a:rPr>
+                        </m:ctrlPr>
+                      </m:dPr>
+                      <m:e>
+                        <m:r>
+                          <a:rPr kumimoji="1" lang="en-US" altLang="ko-Kore-KR" i="1">
+                            <a:latin typeface="Cambria Math" panose="02040503050406030204" pitchFamily="18" charset="0"/>
+                          </a:rPr>
+                          <m:t>𝑥</m:t>
+                        </m:r>
+                      </m:e>
+                    </m:d>
+                    <m:func>
+                      <m:funcPr>
+                        <m:ctrlPr>
+                          <a:rPr kumimoji="1" lang="en-US" altLang="ko-Kore-KR" i="1">
+                            <a:latin typeface="Cambria Math" panose="02040503050406030204" pitchFamily="18" charset="0"/>
+                          </a:rPr>
+                        </m:ctrlPr>
+                      </m:funcPr>
+                      <m:fName>
+                        <m:r>
+                          <m:rPr>
+                            <m:sty m:val="p"/>
+                          </m:rPr>
+                          <a:rPr kumimoji="1" lang="en-US" altLang="ko-Kore-KR">
+                            <a:latin typeface="Cambria Math" panose="02040503050406030204" pitchFamily="18" charset="0"/>
+                          </a:rPr>
+                          <m:t>log</m:t>
+                        </m:r>
+                      </m:fName>
+                      <m:e>
+                        <m:d>
+                          <m:dPr>
+                            <m:ctrlPr>
+                              <a:rPr kumimoji="1" lang="en-US" altLang="ko-Kore-KR" i="1">
+                                <a:latin typeface="Cambria Math" panose="02040503050406030204" pitchFamily="18" charset="0"/>
+                              </a:rPr>
+                            </m:ctrlPr>
+                          </m:dPr>
+                          <m:e>
+                            <m:r>
+                              <a:rPr kumimoji="1" lang="en-US" altLang="ko-Kore-KR" i="1">
+                                <a:latin typeface="Cambria Math" panose="02040503050406030204" pitchFamily="18" charset="0"/>
+                              </a:rPr>
+                              <m:t>𝐷</m:t>
+                            </m:r>
+                            <m:d>
+                              <m:dPr>
+                                <m:ctrlPr>
+                                  <a:rPr kumimoji="1" lang="en-US" altLang="ko-Kore-KR" i="1">
+                                    <a:latin typeface="Cambria Math" panose="02040503050406030204" pitchFamily="18" charset="0"/>
+                                  </a:rPr>
+                                </m:ctrlPr>
+                              </m:dPr>
+                              <m:e>
+                                <m:r>
+                                  <a:rPr kumimoji="1" lang="en-US" altLang="ko-Kore-KR" i="1">
+                                    <a:latin typeface="Cambria Math" panose="02040503050406030204" pitchFamily="18" charset="0"/>
+                                  </a:rPr>
+                                  <m:t>𝑥</m:t>
+                                </m:r>
+                              </m:e>
+                            </m:d>
+                          </m:e>
+                        </m:d>
+                        <m:r>
+                          <a:rPr kumimoji="1" lang="en-US" altLang="ko-Kore-KR" i="1">
+                            <a:latin typeface="Cambria Math" panose="02040503050406030204" pitchFamily="18" charset="0"/>
+                          </a:rPr>
+                          <m:t>+ </m:t>
+                        </m:r>
+                        <m:sSub>
+                          <m:sSubPr>
+                            <m:ctrlPr>
+                              <a:rPr kumimoji="1" lang="en-US" altLang="ko-Kore-KR" i="1">
+                                <a:latin typeface="Cambria Math" panose="02040503050406030204" pitchFamily="18" charset="0"/>
+                              </a:rPr>
+                            </m:ctrlPr>
+                          </m:sSubPr>
+                          <m:e>
+                            <m:r>
+                              <a:rPr kumimoji="1" lang="en-US" altLang="ko-Kore-KR" i="1">
+                                <a:latin typeface="Cambria Math" panose="02040503050406030204" pitchFamily="18" charset="0"/>
+                              </a:rPr>
+                              <m:t>𝑝</m:t>
+                            </m:r>
+                          </m:e>
+                          <m:sub>
+                            <m:r>
+                              <a:rPr kumimoji="1" lang="en-US" altLang="ko-Kore-KR" i="1">
+                                <a:latin typeface="Cambria Math" panose="02040503050406030204" pitchFamily="18" charset="0"/>
+                              </a:rPr>
+                              <m:t>𝑔</m:t>
+                            </m:r>
+                          </m:sub>
+                        </m:sSub>
+                        <m:r>
+                          <a:rPr kumimoji="1" lang="en-US" altLang="ko-Kore-KR" i="1">
+                            <a:latin typeface="Cambria Math" panose="02040503050406030204" pitchFamily="18" charset="0"/>
+                          </a:rPr>
+                          <m:t>(</m:t>
+                        </m:r>
+                        <m:r>
+                          <a:rPr kumimoji="1" lang="en-US" altLang="ko-Kore-KR" i="1">
+                            <a:latin typeface="Cambria Math" panose="02040503050406030204" pitchFamily="18" charset="0"/>
+                          </a:rPr>
+                          <m:t>𝑥</m:t>
+                        </m:r>
+                        <m:r>
+                          <a:rPr kumimoji="1" lang="en-US" altLang="ko-Kore-KR" i="1">
+                            <a:latin typeface="Cambria Math" panose="02040503050406030204" pitchFamily="18" charset="0"/>
+                          </a:rPr>
+                          <m:t>)</m:t>
+                        </m:r>
+                        <m:func>
+                          <m:funcPr>
+                            <m:ctrlPr>
+                              <a:rPr kumimoji="1" lang="en-US" altLang="ko-Kore-KR" i="1">
+                                <a:latin typeface="Cambria Math" panose="02040503050406030204" pitchFamily="18" charset="0"/>
+                              </a:rPr>
+                            </m:ctrlPr>
+                          </m:funcPr>
+                          <m:fName>
+                            <m:r>
+                              <m:rPr>
+                                <m:sty m:val="p"/>
+                              </m:rPr>
+                              <a:rPr kumimoji="1" lang="en-US" altLang="ko-Kore-KR">
+                                <a:latin typeface="Cambria Math" panose="02040503050406030204" pitchFamily="18" charset="0"/>
+                              </a:rPr>
+                              <m:t>log</m:t>
+                            </m:r>
+                          </m:fName>
+                          <m:e>
+                            <m:d>
+                              <m:dPr>
+                                <m:ctrlPr>
+                                  <a:rPr kumimoji="1" lang="en-US" altLang="ko-Kore-KR" i="1">
+                                    <a:latin typeface="Cambria Math" panose="02040503050406030204" pitchFamily="18" charset="0"/>
+                                  </a:rPr>
+                                </m:ctrlPr>
+                              </m:dPr>
+                              <m:e>
+                                <m:r>
+                                  <a:rPr kumimoji="1" lang="en-US" altLang="ko-Kore-KR" i="1">
+                                    <a:latin typeface="Cambria Math" panose="02040503050406030204" pitchFamily="18" charset="0"/>
+                                  </a:rPr>
+                                  <m:t>1 −</m:t>
+                                </m:r>
+                                <m:r>
+                                  <a:rPr kumimoji="1" lang="en-US" altLang="ko-Kore-KR" i="1">
+                                    <a:latin typeface="Cambria Math" panose="02040503050406030204" pitchFamily="18" charset="0"/>
+                                  </a:rPr>
+                                  <m:t>𝐷</m:t>
+                                </m:r>
+                                <m:d>
+                                  <m:dPr>
+                                    <m:ctrlPr>
+                                      <a:rPr kumimoji="1" lang="en-US" altLang="ko-Kore-KR" i="1">
+                                        <a:latin typeface="Cambria Math" panose="02040503050406030204" pitchFamily="18" charset="0"/>
+                                      </a:rPr>
+                                    </m:ctrlPr>
+                                  </m:dPr>
+                                  <m:e>
+                                    <m:r>
+                                      <a:rPr kumimoji="1" lang="en-US" altLang="ko-Kore-KR" i="1">
+                                        <a:latin typeface="Cambria Math" panose="02040503050406030204" pitchFamily="18" charset="0"/>
+                                      </a:rPr>
+                                      <m:t>𝑥</m:t>
+                                    </m:r>
+                                  </m:e>
+                                </m:d>
+                              </m:e>
+                            </m:d>
+                          </m:e>
+                        </m:func>
+                      </m:e>
+                    </m:func>
+                  </m:oMath>
+                </a14:m>
+                <a:r>
+                  <a:rPr kumimoji="1" lang="ko-KR" altLang="en-US"/>
+                  <a:t> 가 최대가 되야한다</a:t>
+                </a:r>
+                <a:r>
+                  <a:rPr kumimoji="1" lang="en-US" altLang="ko-KR"/>
+                  <a:t>.</a:t>
+                </a:r>
+                <a:r>
+                  <a:rPr kumimoji="1" lang="ko-KR" altLang="en-US"/>
+                  <a:t>  </a:t>
+                </a:r>
+                <a:endParaRPr kumimoji="1" lang="ko-Kore-KR" altLang="en-US"/>
+              </a:p>
+            </p:txBody>
+          </p:sp>
+        </mc:Choice>
+        <mc:Fallback>
+          <p:sp>
+            <p:nvSpPr>
+              <p:cNvPr id="12" name="TextBox 11">
+                <a:extLst>
+                  <a:ext uri="{FF2B5EF4-FFF2-40B4-BE49-F238E27FC236}">
+                    <a16:creationId xmlns:a16="http://schemas.microsoft.com/office/drawing/2014/main" id="{CF8C68D0-642A-804B-810B-5AFA5F7F8499}"/>
+                  </a:ext>
+                </a:extLst>
+              </p:cNvPr>
+              <p:cNvSpPr txBox="1">
+                <a:spLocks noRot="1" noChangeAspect="1" noMove="1" noResize="1" noEditPoints="1" noAdjustHandles="1" noChangeArrowheads="1" noChangeShapeType="1" noTextEdit="1"/>
+              </p:cNvSpPr>
+              <p:nvPr/>
+            </p:nvSpPr>
+            <p:spPr>
+              <a:xfrm>
+                <a:off x="154798" y="3686174"/>
+                <a:ext cx="9888926" cy="411651"/>
+              </a:xfrm>
+              <a:prstGeom prst="rect">
+                <a:avLst/>
+              </a:prstGeom>
+              <a:blipFill>
+                <a:blip r:embed="rId5"/>
+                <a:stretch>
+                  <a:fillRect t="-6061" b="-21212"/>
+                </a:stretch>
+              </a:blipFill>
+            </p:spPr>
+            <p:txBody>
+              <a:bodyPr/>
+              <a:lstStyle/>
+              <a:p>
+                <a:r>
+                  <a:rPr lang="ko-Kore-KR" altLang="en-US">
+                    <a:noFill/>
+                  </a:rPr>
+                  <a:t> </a:t>
+                </a:r>
+              </a:p>
+            </p:txBody>
+          </p:sp>
+        </mc:Fallback>
+      </mc:AlternateContent>
+    </p:spTree>
+    <p:extLst>
+      <p:ext uri="{BB962C8B-B14F-4D97-AF65-F5344CB8AC3E}">
+        <p14:creationId xmlns:p14="http://schemas.microsoft.com/office/powerpoint/2010/main" val="3693989878"/>
+      </p:ext>
+    </p:extLst>
+  </p:cSld>
+  <p:clrMapOvr>
+    <a:masterClrMapping/>
+  </p:clrMapOvr>
+</p:sld>
+</file>
+
+<file path=ppt/slides/slide7.xml><?xml version="1.0" encoding="utf-8"?>
+<p:sld xmlns:a="http://schemas.openxmlformats.org/drawingml/2006/main" xmlns:r="http://schemas.openxmlformats.org/officeDocument/2006/relationships" xmlns:p="http://schemas.openxmlformats.org/presentationml/2006/main">
+  <p:cSld>
+    <p:spTree>
+      <p:nvGrpSpPr>
+        <p:cNvPr id="1" name=""/>
+        <p:cNvGrpSpPr/>
+        <p:nvPr/>
+      </p:nvGrpSpPr>
+      <p:grpSpPr>
+        <a:xfrm>
+          <a:off x="0" y="0"/>
+          <a:ext cx="0" cy="0"/>
+          <a:chOff x="0" y="0"/>
+          <a:chExt cx="0" cy="0"/>
+        </a:xfrm>
+      </p:grpSpPr>
+      <mc:AlternateContent xmlns:mc="http://schemas.openxmlformats.org/markup-compatibility/2006">
+        <mc:Choice xmlns:a14="http://schemas.microsoft.com/office/drawing/2010/main" Requires="a14">
+          <p:sp>
+            <p:nvSpPr>
+              <p:cNvPr id="4" name="TextBox 3">
+                <a:extLst>
+                  <a:ext uri="{FF2B5EF4-FFF2-40B4-BE49-F238E27FC236}">
+                    <a16:creationId xmlns:a16="http://schemas.microsoft.com/office/drawing/2014/main" id="{3A6A9A4D-4145-974D-9FE6-DA55F0BB5255}"/>
+                  </a:ext>
+                </a:extLst>
+              </p:cNvPr>
+              <p:cNvSpPr txBox="1"/>
+              <p:nvPr/>
+            </p:nvSpPr>
+            <p:spPr>
+              <a:xfrm>
+                <a:off x="432477" y="427253"/>
+                <a:ext cx="2806922" cy="481222"/>
+              </a:xfrm>
+              <a:prstGeom prst="rect">
+                <a:avLst/>
+              </a:prstGeom>
+              <a:noFill/>
+            </p:spPr>
+            <p:txBody>
+              <a:bodyPr wrap="none" lIns="0" tIns="0" rIns="0" bIns="0" rtlCol="0">
+                <a:spAutoFit/>
+              </a:bodyPr>
+              <a:lstStyle/>
+              <a:p>
+                <a14:m>
+                  <m:oMathPara xmlns:m="http://schemas.openxmlformats.org/officeDocument/2006/math">
+                    <m:oMathParaPr>
+                      <m:jc m:val="centerGroup"/>
+                    </m:oMathParaPr>
+                    <m:oMath xmlns:m="http://schemas.openxmlformats.org/officeDocument/2006/math">
+                      <m:r>
+                        <a:rPr kumimoji="1" lang="en-US" altLang="ko-Kore-KR" sz="2400" b="0" i="1">
+                          <a:latin typeface="Cambria Math" panose="02040503050406030204" pitchFamily="18" charset="0"/>
+                        </a:rPr>
+                        <m:t>𝐶</m:t>
+                      </m:r>
+                      <m:d>
+                        <m:dPr>
+                          <m:ctrlPr>
+                            <a:rPr kumimoji="1" lang="en-US" altLang="ko-Kore-KR" sz="2400" b="0" i="1">
+                              <a:latin typeface="Cambria Math" panose="02040503050406030204" pitchFamily="18" charset="0"/>
+                            </a:rPr>
+                          </m:ctrlPr>
+                        </m:dPr>
+                        <m:e>
+                          <m:r>
+                            <a:rPr kumimoji="1" lang="en-US" altLang="ko-Kore-KR" sz="2400" b="0" i="1">
+                              <a:latin typeface="Cambria Math" panose="02040503050406030204" pitchFamily="18" charset="0"/>
+                            </a:rPr>
+                            <m:t>𝐺</m:t>
+                          </m:r>
+                        </m:e>
+                      </m:d>
+                      <m:r>
+                        <a:rPr kumimoji="1" lang="en-US" altLang="ko-Kore-KR" sz="2400" b="0" i="1">
+                          <a:latin typeface="Cambria Math" panose="02040503050406030204" pitchFamily="18" charset="0"/>
+                        </a:rPr>
+                        <m:t>= </m:t>
+                      </m:r>
+                      <m:func>
+                        <m:funcPr>
+                          <m:ctrlPr>
+                            <a:rPr kumimoji="1" lang="en-US" altLang="ko-Kore-KR" sz="2400" b="0" i="1">
+                              <a:latin typeface="Cambria Math" panose="02040503050406030204" pitchFamily="18" charset="0"/>
+                            </a:rPr>
+                          </m:ctrlPr>
+                        </m:funcPr>
+                        <m:fName>
+                          <m:limLow>
+                            <m:limLowPr>
+                              <m:ctrlPr>
+                                <a:rPr kumimoji="1" lang="en-US" altLang="ko-Kore-KR" sz="2400" b="0" i="1">
+                                  <a:latin typeface="Cambria Math" panose="02040503050406030204" pitchFamily="18" charset="0"/>
+                                </a:rPr>
+                              </m:ctrlPr>
+                            </m:limLowPr>
+                            <m:e>
+                              <m:r>
+                                <m:rPr>
+                                  <m:sty m:val="p"/>
+                                </m:rPr>
+                                <a:rPr kumimoji="1" lang="en-US" altLang="ko-Kore-KR" sz="2400" b="0" i="0">
+                                  <a:latin typeface="Cambria Math" panose="02040503050406030204" pitchFamily="18" charset="0"/>
+                                </a:rPr>
+                                <m:t>max</m:t>
+                              </m:r>
+                            </m:e>
+                            <m:lim>
+                              <m:r>
+                                <a:rPr kumimoji="1" lang="en-US" altLang="ko-Kore-KR" sz="2400" b="0" i="1">
+                                  <a:latin typeface="Cambria Math" panose="02040503050406030204" pitchFamily="18" charset="0"/>
+                                </a:rPr>
+                                <m:t>𝐷</m:t>
+                              </m:r>
+                            </m:lim>
+                          </m:limLow>
+                        </m:fName>
+                        <m:e>
+                          <m:r>
+                            <a:rPr kumimoji="1" lang="en-US" altLang="ko-Kore-KR" sz="2400" b="0" i="1">
+                              <a:latin typeface="Cambria Math" panose="02040503050406030204" pitchFamily="18" charset="0"/>
+                            </a:rPr>
+                            <m:t>𝑉</m:t>
+                          </m:r>
+                          <m:r>
+                            <a:rPr kumimoji="1" lang="en-US" altLang="ko-Kore-KR" sz="2400" b="0" i="1">
+                              <a:latin typeface="Cambria Math" panose="02040503050406030204" pitchFamily="18" charset="0"/>
+                            </a:rPr>
+                            <m:t>(</m:t>
+                          </m:r>
+                          <m:r>
+                            <a:rPr kumimoji="1" lang="en-US" altLang="ko-Kore-KR" sz="2400" b="0" i="1">
+                              <a:latin typeface="Cambria Math" panose="02040503050406030204" pitchFamily="18" charset="0"/>
+                            </a:rPr>
+                            <m:t>𝐺</m:t>
+                          </m:r>
+                          <m:r>
+                            <a:rPr kumimoji="1" lang="en-US" altLang="ko-Kore-KR" sz="2400" b="0" i="1">
+                              <a:latin typeface="Cambria Math" panose="02040503050406030204" pitchFamily="18" charset="0"/>
+                            </a:rPr>
+                            <m:t>, </m:t>
+                          </m:r>
+                          <m:r>
+                            <a:rPr kumimoji="1" lang="en-US" altLang="ko-Kore-KR" sz="2400" b="0" i="1">
+                              <a:latin typeface="Cambria Math" panose="02040503050406030204" pitchFamily="18" charset="0"/>
+                            </a:rPr>
+                            <m:t>𝐷</m:t>
+                          </m:r>
+                          <m:r>
+                            <a:rPr kumimoji="1" lang="en-US" altLang="ko-Kore-KR" sz="2400" b="0" i="1">
+                              <a:latin typeface="Cambria Math" panose="02040503050406030204" pitchFamily="18" charset="0"/>
+                            </a:rPr>
+                            <m:t>)</m:t>
+                          </m:r>
+                        </m:e>
+                      </m:func>
+                    </m:oMath>
+                  </m:oMathPara>
+                </a14:m>
+                <a:endParaRPr kumimoji="1" lang="ko-Kore-KR" altLang="en-US" sz="2400"/>
+              </a:p>
+            </p:txBody>
+          </p:sp>
+        </mc:Choice>
+        <mc:Fallback>
+          <p:sp>
+            <p:nvSpPr>
+              <p:cNvPr id="4" name="TextBox 3">
+                <a:extLst>
+                  <a:ext uri="{FF2B5EF4-FFF2-40B4-BE49-F238E27FC236}">
+                    <a16:creationId xmlns:a16="http://schemas.microsoft.com/office/drawing/2014/main" id="{3A6A9A4D-4145-974D-9FE6-DA55F0BB5255}"/>
+                  </a:ext>
+                </a:extLst>
+              </p:cNvPr>
+              <p:cNvSpPr txBox="1">
+                <a:spLocks noRot="1" noChangeAspect="1" noMove="1" noResize="1" noEditPoints="1" noAdjustHandles="1" noChangeArrowheads="1" noChangeShapeType="1" noTextEdit="1"/>
+              </p:cNvSpPr>
+              <p:nvPr/>
+            </p:nvSpPr>
+            <p:spPr>
+              <a:xfrm>
+                <a:off x="432477" y="427253"/>
+                <a:ext cx="2806922" cy="481222"/>
+              </a:xfrm>
+              <a:prstGeom prst="rect">
+                <a:avLst/>
+              </a:prstGeom>
+              <a:blipFill>
+                <a:blip r:embed="rId2"/>
+                <a:stretch>
+                  <a:fillRect l="-2262" t="-5128" r="-3620" b="-15385"/>
+                </a:stretch>
+              </a:blipFill>
+            </p:spPr>
+            <p:txBody>
+              <a:bodyPr/>
+              <a:lstStyle/>
+              <a:p>
+                <a:r>
+                  <a:rPr lang="ko-Kore-KR" altLang="en-US">
+                    <a:noFill/>
+                  </a:rPr>
+                  <a:t> </a:t>
+                </a:r>
+              </a:p>
+            </p:txBody>
+          </p:sp>
+        </mc:Fallback>
+      </mc:AlternateContent>
+      <mc:AlternateContent xmlns:mc="http://schemas.openxmlformats.org/markup-compatibility/2006">
+        <mc:Choice xmlns:a14="http://schemas.microsoft.com/office/drawing/2010/main" Requires="a14">
+          <p:sp>
+            <p:nvSpPr>
+              <p:cNvPr id="6" name="TextBox 5">
+                <a:extLst>
+                  <a:ext uri="{FF2B5EF4-FFF2-40B4-BE49-F238E27FC236}">
+                    <a16:creationId xmlns:a16="http://schemas.microsoft.com/office/drawing/2014/main" id="{C95A7126-2009-1441-BDE8-5587CE79C336}"/>
+                  </a:ext>
+                </a:extLst>
+              </p:cNvPr>
+              <p:cNvSpPr txBox="1"/>
+              <p:nvPr/>
+            </p:nvSpPr>
+            <p:spPr>
+              <a:xfrm>
+                <a:off x="1135851" y="1122459"/>
+                <a:ext cx="8701549" cy="834203"/>
+              </a:xfrm>
+              <a:prstGeom prst="rect">
+                <a:avLst/>
+              </a:prstGeom>
+              <a:noFill/>
+            </p:spPr>
+            <p:txBody>
+              <a:bodyPr wrap="none" lIns="0" tIns="0" rIns="0" bIns="0" rtlCol="0">
+                <a:spAutoFit/>
+              </a:bodyPr>
+              <a:lstStyle/>
+              <a:p>
+                <a14:m>
+                  <m:oMathPara xmlns:m="http://schemas.openxmlformats.org/officeDocument/2006/math">
+                    <m:oMathParaPr>
+                      <m:jc m:val="centerGroup"/>
+                    </m:oMathParaPr>
+                    <m:oMath xmlns:m="http://schemas.openxmlformats.org/officeDocument/2006/math">
+                      <m:r>
+                        <a:rPr kumimoji="1" lang="en-US" altLang="ko-KR" sz="2400" b="0" i="1">
+                          <a:latin typeface="Cambria Math" panose="02040503050406030204" pitchFamily="18" charset="0"/>
+                        </a:rPr>
+                        <m:t>=</m:t>
+                      </m:r>
+                      <m:r>
+                        <a:rPr kumimoji="1" lang="ko-KR" altLang="en-US" sz="2400" b="0" i="1">
+                          <a:latin typeface="Cambria Math" panose="02040503050406030204" pitchFamily="18" charset="0"/>
+                        </a:rPr>
+                        <m:t> </m:t>
+                      </m:r>
+                      <m:sSub>
+                        <m:sSubPr>
+                          <m:ctrlPr>
+                            <a:rPr kumimoji="1" lang="en-US" altLang="ko-KR" sz="2400" b="0" i="1">
+                              <a:latin typeface="Cambria Math" panose="02040503050406030204" pitchFamily="18" charset="0"/>
+                            </a:rPr>
+                          </m:ctrlPr>
+                        </m:sSubPr>
+                        <m:e>
+                          <m:r>
+                            <a:rPr kumimoji="1" lang="en-US" altLang="ko-KR" sz="2400" b="0" i="1">
+                              <a:latin typeface="Cambria Math" panose="02040503050406030204" pitchFamily="18" charset="0"/>
+                              <a:ea typeface="Cambria Math" panose="02040503050406030204" pitchFamily="18" charset="0"/>
+                            </a:rPr>
+                            <m:t>𝔼</m:t>
+                          </m:r>
+                        </m:e>
+                        <m:sub>
+                          <m:r>
+                            <a:rPr kumimoji="1" lang="en-US" altLang="ko-KR" sz="2400" b="0" i="1">
+                              <a:latin typeface="Cambria Math" panose="02040503050406030204" pitchFamily="18" charset="0"/>
+                            </a:rPr>
+                            <m:t>𝑥</m:t>
+                          </m:r>
+                          <m:r>
+                            <a:rPr kumimoji="1" lang="en-US" altLang="ko-KR" sz="2400" b="0" i="1">
+                              <a:latin typeface="Cambria Math" panose="02040503050406030204" pitchFamily="18" charset="0"/>
+                            </a:rPr>
+                            <m:t>~</m:t>
+                          </m:r>
+                          <m:sSub>
+                            <m:sSubPr>
+                              <m:ctrlPr>
+                                <a:rPr kumimoji="1" lang="en-US" altLang="ko-KR" sz="2400" b="0" i="1">
+                                  <a:latin typeface="Cambria Math" panose="02040503050406030204" pitchFamily="18" charset="0"/>
+                                </a:rPr>
+                              </m:ctrlPr>
+                            </m:sSubPr>
+                            <m:e>
+                              <m:r>
+                                <a:rPr kumimoji="1" lang="en-US" altLang="ko-KR" sz="2400" b="0" i="1">
+                                  <a:latin typeface="Cambria Math" panose="02040503050406030204" pitchFamily="18" charset="0"/>
+                                </a:rPr>
+                                <m:t>𝑝</m:t>
+                              </m:r>
+                            </m:e>
+                            <m:sub>
+                              <m:r>
+                                <a:rPr kumimoji="1" lang="en-US" altLang="ko-KR" sz="2400" b="0" i="1">
+                                  <a:latin typeface="Cambria Math" panose="02040503050406030204" pitchFamily="18" charset="0"/>
+                                </a:rPr>
+                                <m:t>𝑑𝑎𝑡𝑎</m:t>
+                              </m:r>
+                            </m:sub>
+                          </m:sSub>
+                        </m:sub>
+                      </m:sSub>
+                      <m:d>
+                        <m:dPr>
+                          <m:begChr m:val="["/>
+                          <m:endChr m:val="]"/>
+                          <m:ctrlPr>
+                            <a:rPr kumimoji="1" lang="en-US" altLang="ko-KR" sz="2400" b="0" i="1">
+                              <a:latin typeface="Cambria Math" panose="02040503050406030204" pitchFamily="18" charset="0"/>
+                            </a:rPr>
+                          </m:ctrlPr>
+                        </m:dPr>
+                        <m:e>
+                          <m:func>
+                            <m:funcPr>
+                              <m:ctrlPr>
+                                <a:rPr kumimoji="1" lang="en-US" altLang="ko-KR" sz="2400" b="0" i="1">
+                                  <a:latin typeface="Cambria Math" panose="02040503050406030204" pitchFamily="18" charset="0"/>
+                                </a:rPr>
+                              </m:ctrlPr>
+                            </m:funcPr>
+                            <m:fName>
+                              <m:r>
+                                <m:rPr>
+                                  <m:sty m:val="p"/>
+                                </m:rPr>
+                                <a:rPr kumimoji="1" lang="en-US" altLang="ko-KR" sz="2400" b="0" i="0">
+                                  <a:latin typeface="Cambria Math" panose="02040503050406030204" pitchFamily="18" charset="0"/>
+                                </a:rPr>
+                                <m:t>log</m:t>
+                              </m:r>
+                            </m:fName>
+                            <m:e>
+                              <m:f>
+                                <m:fPr>
+                                  <m:ctrlPr>
+                                    <a:rPr kumimoji="1" lang="en-US" altLang="ko-KR" sz="2400" b="0" i="1">
+                                      <a:latin typeface="Cambria Math" panose="02040503050406030204" pitchFamily="18" charset="0"/>
+                                    </a:rPr>
+                                  </m:ctrlPr>
+                                </m:fPr>
+                                <m:num>
+                                  <m:sSub>
+                                    <m:sSubPr>
+                                      <m:ctrlPr>
+                                        <a:rPr kumimoji="1" lang="en-US" altLang="ko-KR" sz="2400" b="0" i="1">
+                                          <a:latin typeface="Cambria Math" panose="02040503050406030204" pitchFamily="18" charset="0"/>
+                                        </a:rPr>
+                                      </m:ctrlPr>
+                                    </m:sSubPr>
+                                    <m:e>
+                                      <m:r>
+                                        <a:rPr kumimoji="1" lang="en-US" altLang="ko-KR" sz="2400" b="0" i="1">
+                                          <a:latin typeface="Cambria Math" panose="02040503050406030204" pitchFamily="18" charset="0"/>
+                                        </a:rPr>
+                                        <m:t>𝑝</m:t>
+                                      </m:r>
+                                    </m:e>
+                                    <m:sub>
+                                      <m:r>
+                                        <a:rPr kumimoji="1" lang="en-US" altLang="ko-KR" sz="2400" b="0" i="1">
+                                          <a:latin typeface="Cambria Math" panose="02040503050406030204" pitchFamily="18" charset="0"/>
+                                        </a:rPr>
+                                        <m:t>𝑑𝑎𝑡𝑎</m:t>
+                                      </m:r>
+                                    </m:sub>
+                                  </m:sSub>
+                                  <m:r>
+                                    <a:rPr kumimoji="1" lang="en-US" altLang="ko-KR" sz="2400" b="0" i="1">
+                                      <a:latin typeface="Cambria Math" panose="02040503050406030204" pitchFamily="18" charset="0"/>
+                                    </a:rPr>
+                                    <m:t>(</m:t>
+                                  </m:r>
+                                  <m:r>
+                                    <a:rPr kumimoji="1" lang="en-US" altLang="ko-KR" sz="2400" b="0" i="1">
+                                      <a:latin typeface="Cambria Math" panose="02040503050406030204" pitchFamily="18" charset="0"/>
+                                    </a:rPr>
+                                    <m:t>𝑥</m:t>
+                                  </m:r>
+                                  <m:r>
+                                    <a:rPr kumimoji="1" lang="en-US" altLang="ko-KR" sz="2400" b="0" i="1">
+                                      <a:latin typeface="Cambria Math" panose="02040503050406030204" pitchFamily="18" charset="0"/>
+                                    </a:rPr>
+                                    <m:t>)</m:t>
+                                  </m:r>
+                                </m:num>
+                                <m:den>
+                                  <m:sSub>
+                                    <m:sSubPr>
+                                      <m:ctrlPr>
+                                        <a:rPr kumimoji="1" lang="en-US" altLang="ko-KR" sz="2400" b="0" i="1">
+                                          <a:latin typeface="Cambria Math" panose="02040503050406030204" pitchFamily="18" charset="0"/>
+                                        </a:rPr>
+                                      </m:ctrlPr>
+                                    </m:sSubPr>
+                                    <m:e>
+                                      <m:r>
+                                        <a:rPr kumimoji="1" lang="en-US" altLang="ko-KR" sz="2400" b="0" i="1">
+                                          <a:latin typeface="Cambria Math" panose="02040503050406030204" pitchFamily="18" charset="0"/>
+                                        </a:rPr>
+                                        <m:t>𝑝</m:t>
+                                      </m:r>
+                                    </m:e>
+                                    <m:sub>
+                                      <m:r>
+                                        <a:rPr kumimoji="1" lang="en-US" altLang="ko-KR" sz="2400" b="0" i="1">
+                                          <a:latin typeface="Cambria Math" panose="02040503050406030204" pitchFamily="18" charset="0"/>
+                                        </a:rPr>
+                                        <m:t>𝑑𝑎𝑡𝑎</m:t>
+                                      </m:r>
+                                    </m:sub>
+                                  </m:sSub>
+                                  <m:d>
+                                    <m:dPr>
+                                      <m:ctrlPr>
+                                        <a:rPr kumimoji="1" lang="en-US" altLang="ko-KR" sz="2400" b="0" i="1">
+                                          <a:latin typeface="Cambria Math" panose="02040503050406030204" pitchFamily="18" charset="0"/>
+                                        </a:rPr>
+                                      </m:ctrlPr>
+                                    </m:dPr>
+                                    <m:e>
+                                      <m:r>
+                                        <a:rPr kumimoji="1" lang="en-US" altLang="ko-KR" sz="2400" b="0" i="1">
+                                          <a:latin typeface="Cambria Math" panose="02040503050406030204" pitchFamily="18" charset="0"/>
+                                        </a:rPr>
+                                        <m:t>𝑥</m:t>
+                                      </m:r>
+                                    </m:e>
+                                  </m:d>
+                                  <m:r>
+                                    <a:rPr kumimoji="1" lang="en-US" altLang="ko-KR" sz="2400" b="0" i="1">
+                                      <a:latin typeface="Cambria Math" panose="02040503050406030204" pitchFamily="18" charset="0"/>
+                                    </a:rPr>
+                                    <m:t>+</m:t>
+                                  </m:r>
+                                  <m:sSub>
+                                    <m:sSubPr>
+                                      <m:ctrlPr>
+                                        <a:rPr kumimoji="1" lang="en-US" altLang="ko-KR" sz="2400" b="0" i="1">
+                                          <a:latin typeface="Cambria Math" panose="02040503050406030204" pitchFamily="18" charset="0"/>
+                                        </a:rPr>
+                                      </m:ctrlPr>
+                                    </m:sSubPr>
+                                    <m:e>
+                                      <m:r>
+                                        <a:rPr kumimoji="1" lang="en-US" altLang="ko-KR" sz="2400" b="0" i="1">
+                                          <a:latin typeface="Cambria Math" panose="02040503050406030204" pitchFamily="18" charset="0"/>
+                                        </a:rPr>
+                                        <m:t>𝑝</m:t>
+                                      </m:r>
+                                    </m:e>
+                                    <m:sub>
+                                      <m:r>
+                                        <a:rPr kumimoji="1" lang="en-US" altLang="ko-KR" sz="2400" b="0" i="1">
+                                          <a:latin typeface="Cambria Math" panose="02040503050406030204" pitchFamily="18" charset="0"/>
+                                        </a:rPr>
+                                        <m:t>𝑔</m:t>
+                                      </m:r>
+                                    </m:sub>
+                                  </m:sSub>
+                                  <m:r>
+                                    <a:rPr kumimoji="1" lang="en-US" altLang="ko-KR" sz="2400" b="0" i="1">
+                                      <a:latin typeface="Cambria Math" panose="02040503050406030204" pitchFamily="18" charset="0"/>
+                                    </a:rPr>
+                                    <m:t>(</m:t>
+                                  </m:r>
+                                  <m:r>
+                                    <a:rPr kumimoji="1" lang="en-US" altLang="ko-KR" sz="2400" b="0" i="1">
+                                      <a:latin typeface="Cambria Math" panose="02040503050406030204" pitchFamily="18" charset="0"/>
+                                    </a:rPr>
+                                    <m:t>𝑥</m:t>
+                                  </m:r>
+                                  <m:r>
+                                    <a:rPr kumimoji="1" lang="en-US" altLang="ko-KR" sz="2400" b="0" i="1">
+                                      <a:latin typeface="Cambria Math" panose="02040503050406030204" pitchFamily="18" charset="0"/>
+                                    </a:rPr>
+                                    <m:t>)</m:t>
+                                  </m:r>
+                                </m:den>
+                              </m:f>
+                            </m:e>
+                          </m:func>
+                        </m:e>
+                      </m:d>
+                      <m:r>
+                        <a:rPr kumimoji="1" lang="en-US" altLang="ko-KR" sz="2400" b="0" i="1">
+                          <a:latin typeface="Cambria Math" panose="02040503050406030204" pitchFamily="18" charset="0"/>
+                        </a:rPr>
+                        <m:t>+</m:t>
+                      </m:r>
+                      <m:sSub>
+                        <m:sSubPr>
+                          <m:ctrlPr>
+                            <a:rPr kumimoji="1" lang="en-US" altLang="ko-KR" sz="2400" i="1">
+                              <a:latin typeface="Cambria Math" panose="02040503050406030204" pitchFamily="18" charset="0"/>
+                            </a:rPr>
+                          </m:ctrlPr>
+                        </m:sSubPr>
+                        <m:e>
+                          <m:r>
+                            <a:rPr kumimoji="1" lang="en-US" altLang="ko-KR" sz="2400" i="1">
+                              <a:latin typeface="Cambria Math" panose="02040503050406030204" pitchFamily="18" charset="0"/>
+                              <a:ea typeface="Cambria Math" panose="02040503050406030204" pitchFamily="18" charset="0"/>
+                            </a:rPr>
+                            <m:t>𝔼</m:t>
+                          </m:r>
+                        </m:e>
+                        <m:sub>
+                          <m:r>
+                            <a:rPr kumimoji="1" lang="en-US" altLang="ko-KR" sz="2400" i="1">
+                              <a:latin typeface="Cambria Math" panose="02040503050406030204" pitchFamily="18" charset="0"/>
+                            </a:rPr>
+                            <m:t>𝑥</m:t>
+                          </m:r>
+                          <m:r>
+                            <a:rPr kumimoji="1" lang="en-US" altLang="ko-KR" sz="2400" i="1">
+                              <a:latin typeface="Cambria Math" panose="02040503050406030204" pitchFamily="18" charset="0"/>
+                            </a:rPr>
+                            <m:t>~</m:t>
+                          </m:r>
+                          <m:sSub>
+                            <m:sSubPr>
+                              <m:ctrlPr>
+                                <a:rPr kumimoji="1" lang="en-US" altLang="ko-KR" sz="2400" i="1">
+                                  <a:latin typeface="Cambria Math" panose="02040503050406030204" pitchFamily="18" charset="0"/>
+                                </a:rPr>
+                              </m:ctrlPr>
+                            </m:sSubPr>
+                            <m:e>
+                              <m:r>
+                                <a:rPr kumimoji="1" lang="en-US" altLang="ko-KR" sz="2400" i="1">
+                                  <a:latin typeface="Cambria Math" panose="02040503050406030204" pitchFamily="18" charset="0"/>
+                                </a:rPr>
+                                <m:t>𝑝</m:t>
+                              </m:r>
+                            </m:e>
+                            <m:sub>
+                              <m:r>
+                                <a:rPr kumimoji="1" lang="en-US" altLang="ko-KR" sz="2400" b="0" i="1">
+                                  <a:latin typeface="Cambria Math" panose="02040503050406030204" pitchFamily="18" charset="0"/>
+                                </a:rPr>
+                                <m:t>𝑔</m:t>
+                              </m:r>
+                            </m:sub>
+                          </m:sSub>
+                        </m:sub>
+                      </m:sSub>
+                      <m:d>
+                        <m:dPr>
+                          <m:begChr m:val="["/>
+                          <m:endChr m:val="]"/>
+                          <m:ctrlPr>
+                            <a:rPr kumimoji="1" lang="en-US" altLang="ko-KR" sz="2400" i="1">
+                              <a:latin typeface="Cambria Math" panose="02040503050406030204" pitchFamily="18" charset="0"/>
+                            </a:rPr>
+                          </m:ctrlPr>
+                        </m:dPr>
+                        <m:e>
+                          <m:func>
+                            <m:funcPr>
+                              <m:ctrlPr>
+                                <a:rPr kumimoji="1" lang="en-US" altLang="ko-KR" sz="2400" i="1">
+                                  <a:latin typeface="Cambria Math" panose="02040503050406030204" pitchFamily="18" charset="0"/>
+                                </a:rPr>
+                              </m:ctrlPr>
+                            </m:funcPr>
+                            <m:fName>
+                              <m:r>
+                                <m:rPr>
+                                  <m:sty m:val="p"/>
+                                </m:rPr>
+                                <a:rPr kumimoji="1" lang="en-US" altLang="ko-KR" sz="2400">
+                                  <a:latin typeface="Cambria Math" panose="02040503050406030204" pitchFamily="18" charset="0"/>
+                                </a:rPr>
+                                <m:t>log</m:t>
+                              </m:r>
+                            </m:fName>
+                            <m:e>
+                              <m:f>
+                                <m:fPr>
+                                  <m:ctrlPr>
+                                    <a:rPr kumimoji="1" lang="en-US" altLang="ko-KR" sz="2400" i="1">
+                                      <a:latin typeface="Cambria Math" panose="02040503050406030204" pitchFamily="18" charset="0"/>
+                                    </a:rPr>
+                                  </m:ctrlPr>
+                                </m:fPr>
+                                <m:num>
+                                  <m:sSub>
+                                    <m:sSubPr>
+                                      <m:ctrlPr>
+                                        <a:rPr kumimoji="1" lang="en-US" altLang="ko-KR" sz="2400" i="1">
+                                          <a:latin typeface="Cambria Math" panose="02040503050406030204" pitchFamily="18" charset="0"/>
+                                        </a:rPr>
+                                      </m:ctrlPr>
+                                    </m:sSubPr>
+                                    <m:e>
+                                      <m:r>
+                                        <a:rPr kumimoji="1" lang="en-US" altLang="ko-KR" sz="2400" i="1">
+                                          <a:latin typeface="Cambria Math" panose="02040503050406030204" pitchFamily="18" charset="0"/>
+                                        </a:rPr>
+                                        <m:t>𝑝</m:t>
+                                      </m:r>
+                                    </m:e>
+                                    <m:sub>
+                                      <m:r>
+                                        <a:rPr kumimoji="1" lang="en-US" altLang="ko-KR" sz="2400" b="0" i="1">
+                                          <a:latin typeface="Cambria Math" panose="02040503050406030204" pitchFamily="18" charset="0"/>
+                                        </a:rPr>
+                                        <m:t>𝑔</m:t>
+                                      </m:r>
+                                    </m:sub>
+                                  </m:sSub>
+                                  <m:r>
+                                    <a:rPr kumimoji="1" lang="en-US" altLang="ko-KR" sz="2400" i="1">
+                                      <a:latin typeface="Cambria Math" panose="02040503050406030204" pitchFamily="18" charset="0"/>
+                                    </a:rPr>
+                                    <m:t>(</m:t>
+                                  </m:r>
+                                  <m:r>
+                                    <a:rPr kumimoji="1" lang="en-US" altLang="ko-KR" sz="2400" i="1">
+                                      <a:latin typeface="Cambria Math" panose="02040503050406030204" pitchFamily="18" charset="0"/>
+                                    </a:rPr>
+                                    <m:t>𝑥</m:t>
+                                  </m:r>
+                                  <m:r>
+                                    <a:rPr kumimoji="1" lang="en-US" altLang="ko-KR" sz="2400" i="1">
+                                      <a:latin typeface="Cambria Math" panose="02040503050406030204" pitchFamily="18" charset="0"/>
+                                    </a:rPr>
+                                    <m:t>)</m:t>
+                                  </m:r>
+                                </m:num>
+                                <m:den>
+                                  <m:sSub>
+                                    <m:sSubPr>
+                                      <m:ctrlPr>
+                                        <a:rPr kumimoji="1" lang="en-US" altLang="ko-KR" sz="2400" i="1">
+                                          <a:latin typeface="Cambria Math" panose="02040503050406030204" pitchFamily="18" charset="0"/>
+                                        </a:rPr>
+                                      </m:ctrlPr>
+                                    </m:sSubPr>
+                                    <m:e>
+                                      <m:r>
+                                        <a:rPr kumimoji="1" lang="en-US" altLang="ko-KR" sz="2400" i="1">
+                                          <a:latin typeface="Cambria Math" panose="02040503050406030204" pitchFamily="18" charset="0"/>
+                                        </a:rPr>
+                                        <m:t>𝑝</m:t>
+                                      </m:r>
+                                    </m:e>
+                                    <m:sub>
+                                      <m:r>
+                                        <a:rPr kumimoji="1" lang="en-US" altLang="ko-KR" sz="2400" i="1">
+                                          <a:latin typeface="Cambria Math" panose="02040503050406030204" pitchFamily="18" charset="0"/>
+                                        </a:rPr>
+                                        <m:t>𝑑𝑎𝑡𝑎</m:t>
+                                      </m:r>
+                                    </m:sub>
+                                  </m:sSub>
+                                  <m:d>
+                                    <m:dPr>
+                                      <m:ctrlPr>
+                                        <a:rPr kumimoji="1" lang="en-US" altLang="ko-KR" sz="2400" i="1">
+                                          <a:latin typeface="Cambria Math" panose="02040503050406030204" pitchFamily="18" charset="0"/>
+                                        </a:rPr>
+                                      </m:ctrlPr>
+                                    </m:dPr>
+                                    <m:e>
+                                      <m:r>
+                                        <a:rPr kumimoji="1" lang="en-US" altLang="ko-KR" sz="2400" i="1">
+                                          <a:latin typeface="Cambria Math" panose="02040503050406030204" pitchFamily="18" charset="0"/>
+                                        </a:rPr>
+                                        <m:t>𝑥</m:t>
+                                      </m:r>
+                                    </m:e>
+                                  </m:d>
+                                  <m:r>
+                                    <a:rPr kumimoji="1" lang="en-US" altLang="ko-KR" sz="2400" i="1">
+                                      <a:latin typeface="Cambria Math" panose="02040503050406030204" pitchFamily="18" charset="0"/>
+                                    </a:rPr>
+                                    <m:t>+</m:t>
+                                  </m:r>
+                                  <m:sSub>
+                                    <m:sSubPr>
+                                      <m:ctrlPr>
+                                        <a:rPr kumimoji="1" lang="en-US" altLang="ko-KR" sz="2400" i="1">
+                                          <a:latin typeface="Cambria Math" panose="02040503050406030204" pitchFamily="18" charset="0"/>
+                                        </a:rPr>
+                                      </m:ctrlPr>
+                                    </m:sSubPr>
+                                    <m:e>
+                                      <m:r>
+                                        <a:rPr kumimoji="1" lang="en-US" altLang="ko-KR" sz="2400" i="1">
+                                          <a:latin typeface="Cambria Math" panose="02040503050406030204" pitchFamily="18" charset="0"/>
+                                        </a:rPr>
+                                        <m:t>𝑝</m:t>
+                                      </m:r>
+                                    </m:e>
+                                    <m:sub>
+                                      <m:r>
+                                        <a:rPr kumimoji="1" lang="en-US" altLang="ko-KR" sz="2400" i="1">
+                                          <a:latin typeface="Cambria Math" panose="02040503050406030204" pitchFamily="18" charset="0"/>
+                                        </a:rPr>
+                                        <m:t>𝑔</m:t>
+                                      </m:r>
+                                    </m:sub>
+                                  </m:sSub>
+                                  <m:r>
+                                    <a:rPr kumimoji="1" lang="en-US" altLang="ko-KR" sz="2400" i="1">
+                                      <a:latin typeface="Cambria Math" panose="02040503050406030204" pitchFamily="18" charset="0"/>
+                                    </a:rPr>
+                                    <m:t>(</m:t>
+                                  </m:r>
+                                  <m:r>
+                                    <a:rPr kumimoji="1" lang="en-US" altLang="ko-KR" sz="2400" i="1">
+                                      <a:latin typeface="Cambria Math" panose="02040503050406030204" pitchFamily="18" charset="0"/>
+                                    </a:rPr>
+                                    <m:t>𝑥</m:t>
+                                  </m:r>
+                                  <m:r>
+                                    <a:rPr kumimoji="1" lang="en-US" altLang="ko-KR" sz="2400" i="1">
+                                      <a:latin typeface="Cambria Math" panose="02040503050406030204" pitchFamily="18" charset="0"/>
+                                    </a:rPr>
+                                    <m:t>)</m:t>
+                                  </m:r>
+                                </m:den>
+                              </m:f>
+                            </m:e>
+                          </m:func>
+                        </m:e>
+                      </m:d>
+                    </m:oMath>
+                  </m:oMathPara>
+                </a14:m>
+                <a:endParaRPr kumimoji="1" lang="ko-Kore-KR" altLang="en-US" sz="2400"/>
+              </a:p>
+            </p:txBody>
+          </p:sp>
+        </mc:Choice>
+        <mc:Fallback>
+          <p:sp>
+            <p:nvSpPr>
+              <p:cNvPr id="6" name="TextBox 5">
+                <a:extLst>
+                  <a:ext uri="{FF2B5EF4-FFF2-40B4-BE49-F238E27FC236}">
+                    <a16:creationId xmlns:a16="http://schemas.microsoft.com/office/drawing/2014/main" id="{C95A7126-2009-1441-BDE8-5587CE79C336}"/>
+                  </a:ext>
+                </a:extLst>
+              </p:cNvPr>
+              <p:cNvSpPr txBox="1">
+                <a:spLocks noRot="1" noChangeAspect="1" noMove="1" noResize="1" noEditPoints="1" noAdjustHandles="1" noChangeArrowheads="1" noChangeShapeType="1" noTextEdit="1"/>
+              </p:cNvSpPr>
+              <p:nvPr/>
+            </p:nvSpPr>
+            <p:spPr>
+              <a:xfrm>
+                <a:off x="1135851" y="1122459"/>
+                <a:ext cx="8701549" cy="834203"/>
+              </a:xfrm>
+              <a:prstGeom prst="rect">
+                <a:avLst/>
+              </a:prstGeom>
+              <a:blipFill>
+                <a:blip r:embed="rId3"/>
+                <a:stretch>
+                  <a:fillRect t="-1493" b="-10448"/>
+                </a:stretch>
+              </a:blipFill>
+            </p:spPr>
+            <p:txBody>
+              <a:bodyPr/>
+              <a:lstStyle/>
+              <a:p>
+                <a:r>
+                  <a:rPr lang="ko-Kore-KR" altLang="en-US">
+                    <a:noFill/>
+                  </a:rPr>
+                  <a:t> </a:t>
+                </a:r>
+              </a:p>
+            </p:txBody>
+          </p:sp>
+        </mc:Fallback>
+      </mc:AlternateContent>
+      <mc:AlternateContent xmlns:mc="http://schemas.openxmlformats.org/markup-compatibility/2006">
+        <mc:Choice xmlns:a14="http://schemas.microsoft.com/office/drawing/2010/main" Requires="a14">
+          <p:sp>
+            <p:nvSpPr>
+              <p:cNvPr id="7" name="TextBox 6">
+                <a:extLst>
+                  <a:ext uri="{FF2B5EF4-FFF2-40B4-BE49-F238E27FC236}">
+                    <a16:creationId xmlns:a16="http://schemas.microsoft.com/office/drawing/2014/main" id="{48B21F2C-7CE4-6D45-8E6D-16F6982CEA65}"/>
+                  </a:ext>
+                </a:extLst>
+              </p:cNvPr>
+              <p:cNvSpPr txBox="1"/>
+              <p:nvPr/>
+            </p:nvSpPr>
+            <p:spPr>
+              <a:xfrm>
+                <a:off x="1135851" y="2170646"/>
+                <a:ext cx="8809528" cy="1361976"/>
+              </a:xfrm>
+              <a:prstGeom prst="rect">
+                <a:avLst/>
+              </a:prstGeom>
+              <a:noFill/>
+            </p:spPr>
+            <p:txBody>
+              <a:bodyPr wrap="none" lIns="0" tIns="0" rIns="0" bIns="0" rtlCol="0">
+                <a:spAutoFit/>
+              </a:bodyPr>
+              <a:lstStyle/>
+              <a:p>
+                <a14:m>
+                  <m:oMathPara xmlns:m="http://schemas.openxmlformats.org/officeDocument/2006/math">
+                    <m:oMathParaPr>
+                      <m:jc m:val="centerGroup"/>
+                    </m:oMathParaPr>
+                    <m:oMath xmlns:m="http://schemas.openxmlformats.org/officeDocument/2006/math">
+                      <m:r>
+                        <a:rPr kumimoji="1" lang="en-US" altLang="ko-KR" sz="2400" b="0" i="1">
+                          <a:latin typeface="Cambria Math" panose="02040503050406030204" pitchFamily="18" charset="0"/>
+                        </a:rPr>
+                        <m:t>=</m:t>
+                      </m:r>
+                      <m:r>
+                        <a:rPr kumimoji="1" lang="ko-KR" altLang="en-US" sz="2400" b="0" i="1">
+                          <a:latin typeface="Cambria Math" panose="02040503050406030204" pitchFamily="18" charset="0"/>
+                        </a:rPr>
+                        <m:t> </m:t>
+                      </m:r>
+                      <m:sSub>
+                        <m:sSubPr>
+                          <m:ctrlPr>
+                            <a:rPr kumimoji="1" lang="en-US" altLang="ko-KR" sz="2400" b="0" i="1">
+                              <a:latin typeface="Cambria Math" panose="02040503050406030204" pitchFamily="18" charset="0"/>
+                            </a:rPr>
+                          </m:ctrlPr>
+                        </m:sSubPr>
+                        <m:e>
+                          <m:r>
+                            <a:rPr kumimoji="1" lang="en-US" altLang="ko-KR" sz="2400" b="0" i="1">
+                              <a:latin typeface="Cambria Math" panose="02040503050406030204" pitchFamily="18" charset="0"/>
+                              <a:ea typeface="Cambria Math" panose="02040503050406030204" pitchFamily="18" charset="0"/>
+                            </a:rPr>
+                            <m:t>𝔼</m:t>
+                          </m:r>
+                        </m:e>
+                        <m:sub>
+                          <m:r>
+                            <a:rPr kumimoji="1" lang="en-US" altLang="ko-KR" sz="2400" b="0" i="1">
+                              <a:latin typeface="Cambria Math" panose="02040503050406030204" pitchFamily="18" charset="0"/>
+                            </a:rPr>
+                            <m:t>𝑥</m:t>
+                          </m:r>
+                          <m:r>
+                            <a:rPr kumimoji="1" lang="en-US" altLang="ko-KR" sz="2400" b="0" i="1">
+                              <a:latin typeface="Cambria Math" panose="02040503050406030204" pitchFamily="18" charset="0"/>
+                            </a:rPr>
+                            <m:t>~</m:t>
+                          </m:r>
+                          <m:sSub>
+                            <m:sSubPr>
+                              <m:ctrlPr>
+                                <a:rPr kumimoji="1" lang="en-US" altLang="ko-KR" sz="2400" b="0" i="1">
+                                  <a:latin typeface="Cambria Math" panose="02040503050406030204" pitchFamily="18" charset="0"/>
+                                </a:rPr>
+                              </m:ctrlPr>
+                            </m:sSubPr>
+                            <m:e>
+                              <m:r>
+                                <a:rPr kumimoji="1" lang="en-US" altLang="ko-KR" sz="2400" b="0" i="1">
+                                  <a:latin typeface="Cambria Math" panose="02040503050406030204" pitchFamily="18" charset="0"/>
+                                </a:rPr>
+                                <m:t>𝑝</m:t>
+                              </m:r>
+                            </m:e>
+                            <m:sub>
+                              <m:r>
+                                <a:rPr kumimoji="1" lang="en-US" altLang="ko-KR" sz="2400" b="0" i="1">
+                                  <a:latin typeface="Cambria Math" panose="02040503050406030204" pitchFamily="18" charset="0"/>
+                                </a:rPr>
+                                <m:t>𝑑𝑎𝑡𝑎</m:t>
+                              </m:r>
+                            </m:sub>
+                          </m:sSub>
+                        </m:sub>
+                      </m:sSub>
+                      <m:d>
+                        <m:dPr>
+                          <m:begChr m:val="["/>
+                          <m:endChr m:val="]"/>
+                          <m:ctrlPr>
+                            <a:rPr kumimoji="1" lang="en-US" altLang="ko-KR" sz="2400" b="0" i="1">
+                              <a:latin typeface="Cambria Math" panose="02040503050406030204" pitchFamily="18" charset="0"/>
+                            </a:rPr>
+                          </m:ctrlPr>
+                        </m:dPr>
+                        <m:e>
+                          <m:func>
+                            <m:funcPr>
+                              <m:ctrlPr>
+                                <a:rPr kumimoji="1" lang="en-US" altLang="ko-KR" sz="2400" b="0" i="1">
+                                  <a:latin typeface="Cambria Math" panose="02040503050406030204" pitchFamily="18" charset="0"/>
+                                </a:rPr>
+                              </m:ctrlPr>
+                            </m:funcPr>
+                            <m:fName>
+                              <m:r>
+                                <m:rPr>
+                                  <m:sty m:val="p"/>
+                                </m:rPr>
+                                <a:rPr kumimoji="1" lang="en-US" altLang="ko-KR" sz="2400" b="0" i="0">
+                                  <a:latin typeface="Cambria Math" panose="02040503050406030204" pitchFamily="18" charset="0"/>
+                                </a:rPr>
+                                <m:t>log</m:t>
+                              </m:r>
+                            </m:fName>
+                            <m:e>
+                              <m:f>
+                                <m:fPr>
+                                  <m:ctrlPr>
+                                    <a:rPr kumimoji="1" lang="en-US" altLang="ko-KR" sz="2400" b="0" i="1">
+                                      <a:latin typeface="Cambria Math" panose="02040503050406030204" pitchFamily="18" charset="0"/>
+                                    </a:rPr>
+                                  </m:ctrlPr>
+                                </m:fPr>
+                                <m:num>
+                                  <m:f>
+                                    <m:fPr>
+                                      <m:ctrlPr>
+                                        <a:rPr kumimoji="1" lang="en-US" altLang="ko-KR" sz="2400" b="0" i="1">
+                                          <a:latin typeface="Cambria Math" panose="02040503050406030204" pitchFamily="18" charset="0"/>
+                                        </a:rPr>
+                                      </m:ctrlPr>
+                                    </m:fPr>
+                                    <m:num>
+                                      <m:sSub>
+                                        <m:sSubPr>
+                                          <m:ctrlPr>
+                                            <a:rPr kumimoji="1" lang="en-US" altLang="ko-KR" sz="2400" i="1">
+                                              <a:latin typeface="Cambria Math" panose="02040503050406030204" pitchFamily="18" charset="0"/>
+                                            </a:rPr>
+                                          </m:ctrlPr>
+                                        </m:sSubPr>
+                                        <m:e>
+                                          <m:r>
+                                            <a:rPr kumimoji="1" lang="en-US" altLang="ko-KR" sz="2400" i="1">
+                                              <a:latin typeface="Cambria Math" panose="02040503050406030204" pitchFamily="18" charset="0"/>
+                                            </a:rPr>
+                                            <m:t>𝑝</m:t>
+                                          </m:r>
+                                        </m:e>
+                                        <m:sub>
+                                          <m:r>
+                                            <a:rPr kumimoji="1" lang="en-US" altLang="ko-KR" sz="2400" i="1">
+                                              <a:latin typeface="Cambria Math" panose="02040503050406030204" pitchFamily="18" charset="0"/>
+                                            </a:rPr>
+                                            <m:t>𝑑𝑎𝑡𝑎</m:t>
+                                          </m:r>
+                                        </m:sub>
+                                      </m:sSub>
+                                      <m:r>
+                                        <a:rPr kumimoji="1" lang="en-US" altLang="ko-KR" sz="2400" i="1">
+                                          <a:latin typeface="Cambria Math" panose="02040503050406030204" pitchFamily="18" charset="0"/>
+                                        </a:rPr>
+                                        <m:t>(</m:t>
+                                      </m:r>
+                                      <m:r>
+                                        <a:rPr kumimoji="1" lang="en-US" altLang="ko-KR" sz="2400" i="1">
+                                          <a:latin typeface="Cambria Math" panose="02040503050406030204" pitchFamily="18" charset="0"/>
+                                        </a:rPr>
+                                        <m:t>𝑥</m:t>
+                                      </m:r>
+                                      <m:r>
+                                        <a:rPr kumimoji="1" lang="en-US" altLang="ko-KR" sz="2400" i="1">
+                                          <a:latin typeface="Cambria Math" panose="02040503050406030204" pitchFamily="18" charset="0"/>
+                                        </a:rPr>
+                                        <m:t>)</m:t>
+                                      </m:r>
+                                    </m:num>
+                                    <m:den>
+                                      <m:r>
+                                        <a:rPr kumimoji="1" lang="en-US" altLang="ko-KR" sz="2400" b="0" i="1">
+                                          <a:latin typeface="Cambria Math" panose="02040503050406030204" pitchFamily="18" charset="0"/>
+                                        </a:rPr>
+                                        <m:t>2</m:t>
+                                      </m:r>
+                                    </m:den>
+                                  </m:f>
+                                </m:num>
+                                <m:den>
+                                  <m:f>
+                                    <m:fPr>
+                                      <m:ctrlPr>
+                                        <a:rPr kumimoji="1" lang="en-US" altLang="ko-KR" sz="2400" b="0" i="1">
+                                          <a:latin typeface="Cambria Math" panose="02040503050406030204" pitchFamily="18" charset="0"/>
+                                        </a:rPr>
+                                      </m:ctrlPr>
+                                    </m:fPr>
+                                    <m:num>
+                                      <m:sSub>
+                                        <m:sSubPr>
+                                          <m:ctrlPr>
+                                            <a:rPr kumimoji="1" lang="en-US" altLang="ko-KR" sz="2400" i="1">
+                                              <a:latin typeface="Cambria Math" panose="02040503050406030204" pitchFamily="18" charset="0"/>
+                                            </a:rPr>
+                                          </m:ctrlPr>
+                                        </m:sSubPr>
+                                        <m:e>
+                                          <m:r>
+                                            <a:rPr kumimoji="1" lang="en-US" altLang="ko-KR" sz="2400" i="1">
+                                              <a:latin typeface="Cambria Math" panose="02040503050406030204" pitchFamily="18" charset="0"/>
+                                            </a:rPr>
+                                            <m:t>𝑝</m:t>
+                                          </m:r>
+                                        </m:e>
+                                        <m:sub>
+                                          <m:r>
+                                            <a:rPr kumimoji="1" lang="en-US" altLang="ko-KR" sz="2400" i="1">
+                                              <a:latin typeface="Cambria Math" panose="02040503050406030204" pitchFamily="18" charset="0"/>
+                                            </a:rPr>
+                                            <m:t>𝑑𝑎𝑡𝑎</m:t>
+                                          </m:r>
+                                        </m:sub>
+                                      </m:sSub>
+                                      <m:d>
+                                        <m:dPr>
+                                          <m:ctrlPr>
+                                            <a:rPr kumimoji="1" lang="en-US" altLang="ko-KR" sz="2400" i="1">
+                                              <a:latin typeface="Cambria Math" panose="02040503050406030204" pitchFamily="18" charset="0"/>
+                                            </a:rPr>
+                                          </m:ctrlPr>
+                                        </m:dPr>
+                                        <m:e>
+                                          <m:r>
+                                            <a:rPr kumimoji="1" lang="en-US" altLang="ko-KR" sz="2400" i="1">
+                                              <a:latin typeface="Cambria Math" panose="02040503050406030204" pitchFamily="18" charset="0"/>
+                                            </a:rPr>
+                                            <m:t>𝑥</m:t>
+                                          </m:r>
+                                        </m:e>
+                                      </m:d>
+                                      <m:r>
+                                        <a:rPr kumimoji="1" lang="en-US" altLang="ko-KR" sz="2400" i="1">
+                                          <a:latin typeface="Cambria Math" panose="02040503050406030204" pitchFamily="18" charset="0"/>
+                                        </a:rPr>
+                                        <m:t>+</m:t>
+                                      </m:r>
+                                      <m:sSub>
+                                        <m:sSubPr>
+                                          <m:ctrlPr>
+                                            <a:rPr kumimoji="1" lang="en-US" altLang="ko-KR" sz="2400" i="1">
+                                              <a:latin typeface="Cambria Math" panose="02040503050406030204" pitchFamily="18" charset="0"/>
+                                            </a:rPr>
+                                          </m:ctrlPr>
+                                        </m:sSubPr>
+                                        <m:e>
+                                          <m:r>
+                                            <a:rPr kumimoji="1" lang="en-US" altLang="ko-KR" sz="2400" i="1">
+                                              <a:latin typeface="Cambria Math" panose="02040503050406030204" pitchFamily="18" charset="0"/>
+                                            </a:rPr>
+                                            <m:t>𝑝</m:t>
+                                          </m:r>
+                                        </m:e>
+                                        <m:sub>
+                                          <m:r>
+                                            <a:rPr kumimoji="1" lang="en-US" altLang="ko-KR" sz="2400" i="1">
+                                              <a:latin typeface="Cambria Math" panose="02040503050406030204" pitchFamily="18" charset="0"/>
+                                            </a:rPr>
+                                            <m:t>𝑔</m:t>
+                                          </m:r>
+                                        </m:sub>
+                                      </m:sSub>
+                                      <m:r>
+                                        <a:rPr kumimoji="1" lang="en-US" altLang="ko-KR" sz="2400" i="1">
+                                          <a:latin typeface="Cambria Math" panose="02040503050406030204" pitchFamily="18" charset="0"/>
+                                        </a:rPr>
+                                        <m:t>(</m:t>
+                                      </m:r>
+                                      <m:r>
+                                        <a:rPr kumimoji="1" lang="en-US" altLang="ko-KR" sz="2400" i="1">
+                                          <a:latin typeface="Cambria Math" panose="02040503050406030204" pitchFamily="18" charset="0"/>
+                                        </a:rPr>
+                                        <m:t>𝑥</m:t>
+                                      </m:r>
+                                      <m:r>
+                                        <a:rPr kumimoji="1" lang="en-US" altLang="ko-KR" sz="2400" i="1">
+                                          <a:latin typeface="Cambria Math" panose="02040503050406030204" pitchFamily="18" charset="0"/>
+                                        </a:rPr>
+                                        <m:t>)</m:t>
+                                      </m:r>
+                                    </m:num>
+                                    <m:den>
+                                      <m:r>
+                                        <a:rPr kumimoji="1" lang="en-US" altLang="ko-KR" sz="2400" b="0" i="1">
+                                          <a:latin typeface="Cambria Math" panose="02040503050406030204" pitchFamily="18" charset="0"/>
+                                        </a:rPr>
+                                        <m:t>2</m:t>
+                                      </m:r>
+                                    </m:den>
+                                  </m:f>
+                                </m:den>
+                              </m:f>
+                            </m:e>
+                          </m:func>
+                        </m:e>
+                      </m:d>
+                      <m:r>
+                        <a:rPr kumimoji="1" lang="en-US" altLang="ko-KR" sz="2400" b="0" i="1">
+                          <a:latin typeface="Cambria Math" panose="02040503050406030204" pitchFamily="18" charset="0"/>
+                        </a:rPr>
+                        <m:t>+</m:t>
+                      </m:r>
+                      <m:sSub>
+                        <m:sSubPr>
+                          <m:ctrlPr>
+                            <a:rPr kumimoji="1" lang="en-US" altLang="ko-KR" sz="2400" i="1">
+                              <a:latin typeface="Cambria Math" panose="02040503050406030204" pitchFamily="18" charset="0"/>
+                            </a:rPr>
+                          </m:ctrlPr>
+                        </m:sSubPr>
+                        <m:e>
+                          <m:r>
+                            <a:rPr kumimoji="1" lang="en-US" altLang="ko-KR" sz="2400" i="1">
+                              <a:latin typeface="Cambria Math" panose="02040503050406030204" pitchFamily="18" charset="0"/>
+                              <a:ea typeface="Cambria Math" panose="02040503050406030204" pitchFamily="18" charset="0"/>
+                            </a:rPr>
+                            <m:t>𝔼</m:t>
+                          </m:r>
+                        </m:e>
+                        <m:sub>
+                          <m:r>
+                            <a:rPr kumimoji="1" lang="en-US" altLang="ko-KR" sz="2400" i="1">
+                              <a:latin typeface="Cambria Math" panose="02040503050406030204" pitchFamily="18" charset="0"/>
+                            </a:rPr>
+                            <m:t>𝑥</m:t>
+                          </m:r>
+                          <m:r>
+                            <a:rPr kumimoji="1" lang="en-US" altLang="ko-KR" sz="2400" i="1">
+                              <a:latin typeface="Cambria Math" panose="02040503050406030204" pitchFamily="18" charset="0"/>
+                            </a:rPr>
+                            <m:t>~</m:t>
+                          </m:r>
+                          <m:sSub>
+                            <m:sSubPr>
+                              <m:ctrlPr>
+                                <a:rPr kumimoji="1" lang="en-US" altLang="ko-KR" sz="2400" i="1">
+                                  <a:latin typeface="Cambria Math" panose="02040503050406030204" pitchFamily="18" charset="0"/>
+                                </a:rPr>
+                              </m:ctrlPr>
+                            </m:sSubPr>
+                            <m:e>
+                              <m:r>
+                                <a:rPr kumimoji="1" lang="en-US" altLang="ko-KR" sz="2400" i="1">
+                                  <a:latin typeface="Cambria Math" panose="02040503050406030204" pitchFamily="18" charset="0"/>
+                                </a:rPr>
+                                <m:t>𝑝</m:t>
+                              </m:r>
+                            </m:e>
+                            <m:sub>
+                              <m:r>
+                                <a:rPr kumimoji="1" lang="en-US" altLang="ko-KR" sz="2400" b="0" i="1">
+                                  <a:latin typeface="Cambria Math" panose="02040503050406030204" pitchFamily="18" charset="0"/>
+                                </a:rPr>
+                                <m:t>𝑔</m:t>
+                              </m:r>
+                            </m:sub>
+                          </m:sSub>
+                        </m:sub>
+                      </m:sSub>
+                      <m:d>
+                        <m:dPr>
+                          <m:begChr m:val="["/>
+                          <m:endChr m:val="]"/>
+                          <m:ctrlPr>
+                            <a:rPr kumimoji="1" lang="en-US" altLang="ko-KR" sz="2400" i="1">
+                              <a:latin typeface="Cambria Math" panose="02040503050406030204" pitchFamily="18" charset="0"/>
+                            </a:rPr>
+                          </m:ctrlPr>
+                        </m:dPr>
+                        <m:e>
+                          <m:func>
+                            <m:funcPr>
+                              <m:ctrlPr>
+                                <a:rPr kumimoji="1" lang="en-US" altLang="ko-KR" sz="2400" i="1">
+                                  <a:latin typeface="Cambria Math" panose="02040503050406030204" pitchFamily="18" charset="0"/>
+                                </a:rPr>
+                              </m:ctrlPr>
+                            </m:funcPr>
+                            <m:fName>
+                              <m:r>
+                                <m:rPr>
+                                  <m:sty m:val="p"/>
+                                </m:rPr>
+                                <a:rPr kumimoji="1" lang="en-US" altLang="ko-KR" sz="2400" i="0">
+                                  <a:latin typeface="Cambria Math" panose="02040503050406030204" pitchFamily="18" charset="0"/>
+                                </a:rPr>
+                                <m:t>log</m:t>
+                              </m:r>
+                            </m:fName>
+                            <m:e>
+                              <m:f>
+                                <m:fPr>
+                                  <m:ctrlPr>
+                                    <a:rPr kumimoji="1" lang="en-US" altLang="ko-KR" sz="2400" i="1">
+                                      <a:latin typeface="Cambria Math" panose="02040503050406030204" pitchFamily="18" charset="0"/>
+                                    </a:rPr>
+                                  </m:ctrlPr>
+                                </m:fPr>
+                                <m:num>
+                                  <m:f>
+                                    <m:fPr>
+                                      <m:ctrlPr>
+                                        <a:rPr kumimoji="1" lang="en-US" altLang="ko-KR" sz="2400" i="1">
+                                          <a:latin typeface="Cambria Math" panose="02040503050406030204" pitchFamily="18" charset="0"/>
+                                        </a:rPr>
+                                      </m:ctrlPr>
+                                    </m:fPr>
+                                    <m:num>
+                                      <m:sSub>
+                                        <m:sSubPr>
+                                          <m:ctrlPr>
+                                            <a:rPr kumimoji="1" lang="en-US" altLang="ko-KR" sz="2400" i="1">
+                                              <a:latin typeface="Cambria Math" panose="02040503050406030204" pitchFamily="18" charset="0"/>
+                                            </a:rPr>
+                                          </m:ctrlPr>
+                                        </m:sSubPr>
+                                        <m:e>
+                                          <m:r>
+                                            <a:rPr kumimoji="1" lang="en-US" altLang="ko-KR" sz="2400" i="1">
+                                              <a:latin typeface="Cambria Math" panose="02040503050406030204" pitchFamily="18" charset="0"/>
+                                            </a:rPr>
+                                            <m:t>𝑝</m:t>
+                                          </m:r>
+                                        </m:e>
+                                        <m:sub>
+                                          <m:r>
+                                            <a:rPr kumimoji="1" lang="en-US" altLang="ko-KR" sz="2400" b="0" i="1">
+                                              <a:latin typeface="Cambria Math" panose="02040503050406030204" pitchFamily="18" charset="0"/>
+                                            </a:rPr>
+                                            <m:t>𝑔</m:t>
+                                          </m:r>
+                                        </m:sub>
+                                      </m:sSub>
+                                      <m:r>
+                                        <a:rPr kumimoji="1" lang="en-US" altLang="ko-KR" sz="2400" i="1">
+                                          <a:latin typeface="Cambria Math" panose="02040503050406030204" pitchFamily="18" charset="0"/>
+                                        </a:rPr>
+                                        <m:t>(</m:t>
+                                      </m:r>
+                                      <m:r>
+                                        <a:rPr kumimoji="1" lang="en-US" altLang="ko-KR" sz="2400" i="1">
+                                          <a:latin typeface="Cambria Math" panose="02040503050406030204" pitchFamily="18" charset="0"/>
+                                        </a:rPr>
+                                        <m:t>𝑥</m:t>
+                                      </m:r>
+                                      <m:r>
+                                        <a:rPr kumimoji="1" lang="en-US" altLang="ko-KR" sz="2400" i="1">
+                                          <a:latin typeface="Cambria Math" panose="02040503050406030204" pitchFamily="18" charset="0"/>
+                                        </a:rPr>
+                                        <m:t>)</m:t>
+                                      </m:r>
+                                    </m:num>
+                                    <m:den>
+                                      <m:r>
+                                        <a:rPr kumimoji="1" lang="en-US" altLang="ko-KR" sz="2400" i="1">
+                                          <a:latin typeface="Cambria Math" panose="02040503050406030204" pitchFamily="18" charset="0"/>
+                                        </a:rPr>
+                                        <m:t>2</m:t>
+                                      </m:r>
+                                    </m:den>
+                                  </m:f>
+                                </m:num>
+                                <m:den>
+                                  <m:f>
+                                    <m:fPr>
+                                      <m:ctrlPr>
+                                        <a:rPr kumimoji="1" lang="en-US" altLang="ko-KR" sz="2400" i="1">
+                                          <a:latin typeface="Cambria Math" panose="02040503050406030204" pitchFamily="18" charset="0"/>
+                                        </a:rPr>
+                                      </m:ctrlPr>
+                                    </m:fPr>
+                                    <m:num>
+                                      <m:sSub>
+                                        <m:sSubPr>
+                                          <m:ctrlPr>
+                                            <a:rPr kumimoji="1" lang="en-US" altLang="ko-KR" sz="2400" i="1">
+                                              <a:latin typeface="Cambria Math" panose="02040503050406030204" pitchFamily="18" charset="0"/>
+                                            </a:rPr>
+                                          </m:ctrlPr>
+                                        </m:sSubPr>
+                                        <m:e>
+                                          <m:r>
+                                            <a:rPr kumimoji="1" lang="en-US" altLang="ko-KR" sz="2400" i="1">
+                                              <a:latin typeface="Cambria Math" panose="02040503050406030204" pitchFamily="18" charset="0"/>
+                                            </a:rPr>
+                                            <m:t>𝑝</m:t>
+                                          </m:r>
+                                        </m:e>
+                                        <m:sub>
+                                          <m:r>
+                                            <a:rPr kumimoji="1" lang="en-US" altLang="ko-KR" sz="2400" i="1">
+                                              <a:latin typeface="Cambria Math" panose="02040503050406030204" pitchFamily="18" charset="0"/>
+                                            </a:rPr>
+                                            <m:t>𝑑𝑎𝑡𝑎</m:t>
+                                          </m:r>
+                                        </m:sub>
+                                      </m:sSub>
+                                      <m:d>
+                                        <m:dPr>
+                                          <m:ctrlPr>
+                                            <a:rPr kumimoji="1" lang="en-US" altLang="ko-KR" sz="2400" i="1">
+                                              <a:latin typeface="Cambria Math" panose="02040503050406030204" pitchFamily="18" charset="0"/>
+                                            </a:rPr>
+                                          </m:ctrlPr>
+                                        </m:dPr>
+                                        <m:e>
+                                          <m:r>
+                                            <a:rPr kumimoji="1" lang="en-US" altLang="ko-KR" sz="2400" i="1">
+                                              <a:latin typeface="Cambria Math" panose="02040503050406030204" pitchFamily="18" charset="0"/>
+                                            </a:rPr>
+                                            <m:t>𝑥</m:t>
+                                          </m:r>
+                                        </m:e>
+                                      </m:d>
+                                      <m:r>
+                                        <a:rPr kumimoji="1" lang="en-US" altLang="ko-KR" sz="2400" i="1">
+                                          <a:latin typeface="Cambria Math" panose="02040503050406030204" pitchFamily="18" charset="0"/>
+                                        </a:rPr>
+                                        <m:t>+</m:t>
+                                      </m:r>
+                                      <m:sSub>
+                                        <m:sSubPr>
+                                          <m:ctrlPr>
+                                            <a:rPr kumimoji="1" lang="en-US" altLang="ko-KR" sz="2400" i="1">
+                                              <a:latin typeface="Cambria Math" panose="02040503050406030204" pitchFamily="18" charset="0"/>
+                                            </a:rPr>
+                                          </m:ctrlPr>
+                                        </m:sSubPr>
+                                        <m:e>
+                                          <m:r>
+                                            <a:rPr kumimoji="1" lang="en-US" altLang="ko-KR" sz="2400" i="1">
+                                              <a:latin typeface="Cambria Math" panose="02040503050406030204" pitchFamily="18" charset="0"/>
+                                            </a:rPr>
+                                            <m:t>𝑝</m:t>
+                                          </m:r>
+                                        </m:e>
+                                        <m:sub>
+                                          <m:r>
+                                            <a:rPr kumimoji="1" lang="en-US" altLang="ko-KR" sz="2400" i="1">
+                                              <a:latin typeface="Cambria Math" panose="02040503050406030204" pitchFamily="18" charset="0"/>
+                                            </a:rPr>
+                                            <m:t>𝑔</m:t>
+                                          </m:r>
+                                        </m:sub>
+                                      </m:sSub>
+                                      <m:r>
+                                        <a:rPr kumimoji="1" lang="en-US" altLang="ko-KR" sz="2400" i="1">
+                                          <a:latin typeface="Cambria Math" panose="02040503050406030204" pitchFamily="18" charset="0"/>
+                                        </a:rPr>
+                                        <m:t>(</m:t>
+                                      </m:r>
+                                      <m:r>
+                                        <a:rPr kumimoji="1" lang="en-US" altLang="ko-KR" sz="2400" i="1">
+                                          <a:latin typeface="Cambria Math" panose="02040503050406030204" pitchFamily="18" charset="0"/>
+                                        </a:rPr>
+                                        <m:t>𝑥</m:t>
+                                      </m:r>
+                                      <m:r>
+                                        <a:rPr kumimoji="1" lang="en-US" altLang="ko-KR" sz="2400" i="1">
+                                          <a:latin typeface="Cambria Math" panose="02040503050406030204" pitchFamily="18" charset="0"/>
+                                        </a:rPr>
+                                        <m:t>)</m:t>
+                                      </m:r>
+                                    </m:num>
+                                    <m:den>
+                                      <m:r>
+                                        <a:rPr kumimoji="1" lang="en-US" altLang="ko-KR" sz="2400" i="1">
+                                          <a:latin typeface="Cambria Math" panose="02040503050406030204" pitchFamily="18" charset="0"/>
+                                        </a:rPr>
+                                        <m:t>2</m:t>
+                                      </m:r>
+                                    </m:den>
+                                  </m:f>
+                                </m:den>
+                              </m:f>
+                            </m:e>
+                          </m:func>
+                        </m:e>
+                      </m:d>
+                    </m:oMath>
+                  </m:oMathPara>
+                </a14:m>
+                <a:endParaRPr kumimoji="1" lang="ko-Kore-KR" altLang="en-US" sz="2400"/>
+              </a:p>
+            </p:txBody>
+          </p:sp>
+        </mc:Choice>
+        <mc:Fallback>
+          <p:sp>
+            <p:nvSpPr>
+              <p:cNvPr id="7" name="TextBox 6">
+                <a:extLst>
+                  <a:ext uri="{FF2B5EF4-FFF2-40B4-BE49-F238E27FC236}">
+                    <a16:creationId xmlns:a16="http://schemas.microsoft.com/office/drawing/2014/main" id="{48B21F2C-7CE4-6D45-8E6D-16F6982CEA65}"/>
+                  </a:ext>
+                </a:extLst>
+              </p:cNvPr>
+              <p:cNvSpPr txBox="1">
+                <a:spLocks noRot="1" noChangeAspect="1" noMove="1" noResize="1" noEditPoints="1" noAdjustHandles="1" noChangeArrowheads="1" noChangeShapeType="1" noTextEdit="1"/>
+              </p:cNvSpPr>
+              <p:nvPr/>
+            </p:nvSpPr>
+            <p:spPr>
+              <a:xfrm>
+                <a:off x="1135851" y="2170646"/>
+                <a:ext cx="8809528" cy="1361976"/>
+              </a:xfrm>
+              <a:prstGeom prst="rect">
+                <a:avLst/>
+              </a:prstGeom>
+              <a:blipFill>
+                <a:blip r:embed="rId4"/>
+                <a:stretch>
+                  <a:fillRect t="-926" b="-7407"/>
+                </a:stretch>
+              </a:blipFill>
+            </p:spPr>
+            <p:txBody>
+              <a:bodyPr/>
+              <a:lstStyle/>
+              <a:p>
+                <a:r>
+                  <a:rPr lang="ko-Kore-KR" altLang="en-US">
+                    <a:noFill/>
+                  </a:rPr>
+                  <a:t> </a:t>
+                </a:r>
+              </a:p>
+            </p:txBody>
+          </p:sp>
+        </mc:Fallback>
+      </mc:AlternateContent>
+      <mc:AlternateContent xmlns:mc="http://schemas.openxmlformats.org/markup-compatibility/2006">
+        <mc:Choice xmlns:a14="http://schemas.microsoft.com/office/drawing/2010/main" Requires="a14">
+          <p:sp>
+            <p:nvSpPr>
+              <p:cNvPr id="8" name="TextBox 7">
+                <a:extLst>
+                  <a:ext uri="{FF2B5EF4-FFF2-40B4-BE49-F238E27FC236}">
+                    <a16:creationId xmlns:a16="http://schemas.microsoft.com/office/drawing/2014/main" id="{833CDCA5-A54A-DF4C-85AA-62EE524380EC}"/>
+                  </a:ext>
+                </a:extLst>
+              </p:cNvPr>
+              <p:cNvSpPr txBox="1"/>
+              <p:nvPr/>
+            </p:nvSpPr>
+            <p:spPr>
+              <a:xfrm>
+                <a:off x="1135851" y="3746606"/>
+                <a:ext cx="10754675" cy="1077411"/>
+              </a:xfrm>
+              <a:prstGeom prst="rect">
+                <a:avLst/>
+              </a:prstGeom>
+              <a:noFill/>
+            </p:spPr>
+            <p:txBody>
+              <a:bodyPr wrap="none" lIns="0" tIns="0" rIns="0" bIns="0" rtlCol="0">
+                <a:spAutoFit/>
+              </a:bodyPr>
+              <a:lstStyle/>
+              <a:p>
+                <a14:m>
+                  <m:oMathPara xmlns:m="http://schemas.openxmlformats.org/officeDocument/2006/math">
+                    <m:oMathParaPr>
+                      <m:jc m:val="centerGroup"/>
+                    </m:oMathParaPr>
+                    <m:oMath xmlns:m="http://schemas.openxmlformats.org/officeDocument/2006/math">
+                      <m:r>
+                        <a:rPr kumimoji="1" lang="en-US" altLang="ko-KR" sz="2400" b="0" i="1">
+                          <a:latin typeface="Cambria Math" panose="02040503050406030204" pitchFamily="18" charset="0"/>
+                        </a:rPr>
+                        <m:t>=</m:t>
+                      </m:r>
+                      <m:r>
+                        <a:rPr kumimoji="1" lang="ko-KR" altLang="en-US" sz="2400" b="0" i="1">
+                          <a:latin typeface="Cambria Math" panose="02040503050406030204" pitchFamily="18" charset="0"/>
+                        </a:rPr>
+                        <m:t> </m:t>
+                      </m:r>
+                      <m:sSub>
+                        <m:sSubPr>
+                          <m:ctrlPr>
+                            <a:rPr kumimoji="1" lang="en-US" altLang="ko-KR" sz="2400" b="0" i="1">
+                              <a:latin typeface="Cambria Math" panose="02040503050406030204" pitchFamily="18" charset="0"/>
+                            </a:rPr>
+                          </m:ctrlPr>
+                        </m:sSubPr>
+                        <m:e>
+                          <m:r>
+                            <a:rPr kumimoji="1" lang="en-US" altLang="ko-KR" sz="2400" b="0" i="1">
+                              <a:latin typeface="Cambria Math" panose="02040503050406030204" pitchFamily="18" charset="0"/>
+                              <a:ea typeface="Cambria Math" panose="02040503050406030204" pitchFamily="18" charset="0"/>
+                            </a:rPr>
+                            <m:t>𝔼</m:t>
+                          </m:r>
+                        </m:e>
+                        <m:sub>
+                          <m:r>
+                            <a:rPr kumimoji="1" lang="en-US" altLang="ko-KR" sz="2400" b="0" i="1">
+                              <a:latin typeface="Cambria Math" panose="02040503050406030204" pitchFamily="18" charset="0"/>
+                            </a:rPr>
+                            <m:t>𝑥</m:t>
+                          </m:r>
+                          <m:r>
+                            <a:rPr kumimoji="1" lang="en-US" altLang="ko-KR" sz="2400" b="0" i="1">
+                              <a:latin typeface="Cambria Math" panose="02040503050406030204" pitchFamily="18" charset="0"/>
+                            </a:rPr>
+                            <m:t>~</m:t>
+                          </m:r>
+                          <m:sSub>
+                            <m:sSubPr>
+                              <m:ctrlPr>
+                                <a:rPr kumimoji="1" lang="en-US" altLang="ko-KR" sz="2400" b="0" i="1">
+                                  <a:latin typeface="Cambria Math" panose="02040503050406030204" pitchFamily="18" charset="0"/>
+                                </a:rPr>
+                              </m:ctrlPr>
+                            </m:sSubPr>
+                            <m:e>
+                              <m:r>
+                                <a:rPr kumimoji="1" lang="en-US" altLang="ko-KR" sz="2400" b="0" i="1">
+                                  <a:latin typeface="Cambria Math" panose="02040503050406030204" pitchFamily="18" charset="0"/>
+                                </a:rPr>
+                                <m:t>𝑝</m:t>
+                              </m:r>
+                            </m:e>
+                            <m:sub>
+                              <m:r>
+                                <a:rPr kumimoji="1" lang="en-US" altLang="ko-KR" sz="2400" b="0" i="1">
+                                  <a:latin typeface="Cambria Math" panose="02040503050406030204" pitchFamily="18" charset="0"/>
+                                </a:rPr>
+                                <m:t>𝑑𝑎𝑡𝑎</m:t>
+                              </m:r>
+                            </m:sub>
+                          </m:sSub>
+                        </m:sub>
+                      </m:sSub>
+                      <m:d>
+                        <m:dPr>
+                          <m:begChr m:val="["/>
+                          <m:endChr m:val="]"/>
+                          <m:ctrlPr>
+                            <a:rPr kumimoji="1" lang="en-US" altLang="ko-KR" sz="2400" b="0" i="1">
+                              <a:latin typeface="Cambria Math" panose="02040503050406030204" pitchFamily="18" charset="0"/>
+                            </a:rPr>
+                          </m:ctrlPr>
+                        </m:dPr>
+                        <m:e>
+                          <m:func>
+                            <m:funcPr>
+                              <m:ctrlPr>
+                                <a:rPr kumimoji="1" lang="en-US" altLang="ko-KR" sz="2400" b="0" i="1">
+                                  <a:latin typeface="Cambria Math" panose="02040503050406030204" pitchFamily="18" charset="0"/>
+                                </a:rPr>
+                              </m:ctrlPr>
+                            </m:funcPr>
+                            <m:fName>
+                              <m:r>
+                                <m:rPr>
+                                  <m:sty m:val="p"/>
+                                </m:rPr>
+                                <a:rPr kumimoji="1" lang="en-US" altLang="ko-KR" sz="2400" b="0" i="0">
+                                  <a:latin typeface="Cambria Math" panose="02040503050406030204" pitchFamily="18" charset="0"/>
+                                </a:rPr>
+                                <m:t>log</m:t>
+                              </m:r>
+                            </m:fName>
+                            <m:e>
+                              <m:f>
+                                <m:fPr>
+                                  <m:ctrlPr>
+                                    <a:rPr kumimoji="1" lang="en-US" altLang="ko-KR" sz="2400" b="0" i="1">
+                                      <a:latin typeface="Cambria Math" panose="02040503050406030204" pitchFamily="18" charset="0"/>
+                                    </a:rPr>
+                                  </m:ctrlPr>
+                                </m:fPr>
+                                <m:num>
+                                  <m:sSub>
+                                    <m:sSubPr>
+                                      <m:ctrlPr>
+                                        <a:rPr kumimoji="1" lang="en-US" altLang="ko-KR" sz="2400" i="1">
+                                          <a:latin typeface="Cambria Math" panose="02040503050406030204" pitchFamily="18" charset="0"/>
+                                        </a:rPr>
+                                      </m:ctrlPr>
+                                    </m:sSubPr>
+                                    <m:e>
+                                      <m:r>
+                                        <a:rPr kumimoji="1" lang="en-US" altLang="ko-KR" sz="2400" i="1">
+                                          <a:latin typeface="Cambria Math" panose="02040503050406030204" pitchFamily="18" charset="0"/>
+                                        </a:rPr>
+                                        <m:t>𝑝</m:t>
+                                      </m:r>
+                                    </m:e>
+                                    <m:sub>
+                                      <m:r>
+                                        <a:rPr kumimoji="1" lang="en-US" altLang="ko-KR" sz="2400" i="1">
+                                          <a:latin typeface="Cambria Math" panose="02040503050406030204" pitchFamily="18" charset="0"/>
+                                        </a:rPr>
+                                        <m:t>𝑑𝑎𝑡𝑎</m:t>
+                                      </m:r>
+                                    </m:sub>
+                                  </m:sSub>
+                                  <m:r>
+                                    <a:rPr kumimoji="1" lang="en-US" altLang="ko-KR" sz="2400" i="1">
+                                      <a:latin typeface="Cambria Math" panose="02040503050406030204" pitchFamily="18" charset="0"/>
+                                    </a:rPr>
+                                    <m:t>(</m:t>
+                                  </m:r>
+                                  <m:r>
+                                    <a:rPr kumimoji="1" lang="en-US" altLang="ko-KR" sz="2400" i="1">
+                                      <a:latin typeface="Cambria Math" panose="02040503050406030204" pitchFamily="18" charset="0"/>
+                                    </a:rPr>
+                                    <m:t>𝑥</m:t>
+                                  </m:r>
+                                  <m:r>
+                                    <a:rPr kumimoji="1" lang="en-US" altLang="ko-KR" sz="2400" i="1">
+                                      <a:latin typeface="Cambria Math" panose="02040503050406030204" pitchFamily="18" charset="0"/>
+                                    </a:rPr>
+                                    <m:t>)</m:t>
+                                  </m:r>
+                                </m:num>
+                                <m:den>
+                                  <m:f>
+                                    <m:fPr>
+                                      <m:ctrlPr>
+                                        <a:rPr kumimoji="1" lang="en-US" altLang="ko-KR" sz="2400" b="0" i="1">
+                                          <a:latin typeface="Cambria Math" panose="02040503050406030204" pitchFamily="18" charset="0"/>
+                                        </a:rPr>
+                                      </m:ctrlPr>
+                                    </m:fPr>
+                                    <m:num>
+                                      <m:sSub>
+                                        <m:sSubPr>
+                                          <m:ctrlPr>
+                                            <a:rPr kumimoji="1" lang="en-US" altLang="ko-KR" sz="2400" i="1">
+                                              <a:latin typeface="Cambria Math" panose="02040503050406030204" pitchFamily="18" charset="0"/>
+                                            </a:rPr>
+                                          </m:ctrlPr>
+                                        </m:sSubPr>
+                                        <m:e>
+                                          <m:r>
+                                            <a:rPr kumimoji="1" lang="en-US" altLang="ko-KR" sz="2400" i="1">
+                                              <a:latin typeface="Cambria Math" panose="02040503050406030204" pitchFamily="18" charset="0"/>
+                                            </a:rPr>
+                                            <m:t>𝑝</m:t>
+                                          </m:r>
+                                        </m:e>
+                                        <m:sub>
+                                          <m:r>
+                                            <a:rPr kumimoji="1" lang="en-US" altLang="ko-KR" sz="2400" i="1">
+                                              <a:latin typeface="Cambria Math" panose="02040503050406030204" pitchFamily="18" charset="0"/>
+                                            </a:rPr>
+                                            <m:t>𝑑𝑎𝑡𝑎</m:t>
+                                          </m:r>
+                                        </m:sub>
+                                      </m:sSub>
+                                      <m:d>
+                                        <m:dPr>
+                                          <m:ctrlPr>
+                                            <a:rPr kumimoji="1" lang="en-US" altLang="ko-KR" sz="2400" i="1">
+                                              <a:latin typeface="Cambria Math" panose="02040503050406030204" pitchFamily="18" charset="0"/>
+                                            </a:rPr>
+                                          </m:ctrlPr>
+                                        </m:dPr>
+                                        <m:e>
+                                          <m:r>
+                                            <a:rPr kumimoji="1" lang="en-US" altLang="ko-KR" sz="2400" i="1">
+                                              <a:latin typeface="Cambria Math" panose="02040503050406030204" pitchFamily="18" charset="0"/>
+                                            </a:rPr>
+                                            <m:t>𝑥</m:t>
+                                          </m:r>
+                                        </m:e>
+                                      </m:d>
+                                      <m:r>
+                                        <a:rPr kumimoji="1" lang="en-US" altLang="ko-KR" sz="2400" i="1">
+                                          <a:latin typeface="Cambria Math" panose="02040503050406030204" pitchFamily="18" charset="0"/>
+                                        </a:rPr>
+                                        <m:t>+</m:t>
+                                      </m:r>
+                                      <m:sSub>
+                                        <m:sSubPr>
+                                          <m:ctrlPr>
+                                            <a:rPr kumimoji="1" lang="en-US" altLang="ko-KR" sz="2400" i="1">
+                                              <a:latin typeface="Cambria Math" panose="02040503050406030204" pitchFamily="18" charset="0"/>
+                                            </a:rPr>
+                                          </m:ctrlPr>
+                                        </m:sSubPr>
+                                        <m:e>
+                                          <m:r>
+                                            <a:rPr kumimoji="1" lang="en-US" altLang="ko-KR" sz="2400" i="1">
+                                              <a:latin typeface="Cambria Math" panose="02040503050406030204" pitchFamily="18" charset="0"/>
+                                            </a:rPr>
+                                            <m:t>𝑝</m:t>
+                                          </m:r>
+                                        </m:e>
+                                        <m:sub>
+                                          <m:r>
+                                            <a:rPr kumimoji="1" lang="en-US" altLang="ko-KR" sz="2400" i="1">
+                                              <a:latin typeface="Cambria Math" panose="02040503050406030204" pitchFamily="18" charset="0"/>
+                                            </a:rPr>
+                                            <m:t>𝑔</m:t>
+                                          </m:r>
+                                        </m:sub>
+                                      </m:sSub>
+                                      <m:r>
+                                        <a:rPr kumimoji="1" lang="en-US" altLang="ko-KR" sz="2400" i="1">
+                                          <a:latin typeface="Cambria Math" panose="02040503050406030204" pitchFamily="18" charset="0"/>
+                                        </a:rPr>
+                                        <m:t>(</m:t>
+                                      </m:r>
+                                      <m:r>
+                                        <a:rPr kumimoji="1" lang="en-US" altLang="ko-KR" sz="2400" i="1">
+                                          <a:latin typeface="Cambria Math" panose="02040503050406030204" pitchFamily="18" charset="0"/>
+                                        </a:rPr>
+                                        <m:t>𝑥</m:t>
+                                      </m:r>
+                                      <m:r>
+                                        <a:rPr kumimoji="1" lang="en-US" altLang="ko-KR" sz="2400" i="1">
+                                          <a:latin typeface="Cambria Math" panose="02040503050406030204" pitchFamily="18" charset="0"/>
+                                        </a:rPr>
+                                        <m:t>)</m:t>
+                                      </m:r>
+                                    </m:num>
+                                    <m:den>
+                                      <m:r>
+                                        <a:rPr kumimoji="1" lang="en-US" altLang="ko-KR" sz="2400" b="0" i="1">
+                                          <a:latin typeface="Cambria Math" panose="02040503050406030204" pitchFamily="18" charset="0"/>
+                                        </a:rPr>
+                                        <m:t>2</m:t>
+                                      </m:r>
+                                    </m:den>
+                                  </m:f>
+                                </m:den>
+                              </m:f>
+                            </m:e>
+                          </m:func>
+                          <m:r>
+                            <a:rPr kumimoji="1" lang="en-US" altLang="ko-KR" sz="2400" b="0" i="1">
+                              <a:latin typeface="Cambria Math" panose="02040503050406030204" pitchFamily="18" charset="0"/>
+                            </a:rPr>
+                            <m:t>−</m:t>
+                          </m:r>
+                          <m:func>
+                            <m:funcPr>
+                              <m:ctrlPr>
+                                <a:rPr kumimoji="1" lang="en-US" altLang="ko-KR" sz="2400" b="0" i="1">
+                                  <a:latin typeface="Cambria Math" panose="02040503050406030204" pitchFamily="18" charset="0"/>
+                                </a:rPr>
+                              </m:ctrlPr>
+                            </m:funcPr>
+                            <m:fName>
+                              <m:r>
+                                <m:rPr>
+                                  <m:sty m:val="p"/>
+                                </m:rPr>
+                                <a:rPr kumimoji="1" lang="en-US" altLang="ko-KR" sz="2400" b="0" i="0">
+                                  <a:latin typeface="Cambria Math" panose="02040503050406030204" pitchFamily="18" charset="0"/>
+                                </a:rPr>
+                                <m:t>log</m:t>
+                              </m:r>
+                            </m:fName>
+                            <m:e>
+                              <m:r>
+                                <a:rPr kumimoji="1" lang="en-US" altLang="ko-KR" sz="2400" b="0" i="1">
+                                  <a:latin typeface="Cambria Math" panose="02040503050406030204" pitchFamily="18" charset="0"/>
+                                </a:rPr>
+                                <m:t>2</m:t>
+                              </m:r>
+                            </m:e>
+                          </m:func>
+                        </m:e>
+                      </m:d>
+                      <m:r>
+                        <a:rPr kumimoji="1" lang="en-US" altLang="ko-KR" sz="2400" b="0" i="1">
+                          <a:latin typeface="Cambria Math" panose="02040503050406030204" pitchFamily="18" charset="0"/>
+                        </a:rPr>
+                        <m:t>+</m:t>
+                      </m:r>
+                      <m:sSub>
+                        <m:sSubPr>
+                          <m:ctrlPr>
+                            <a:rPr kumimoji="1" lang="en-US" altLang="ko-KR" sz="2400" i="1">
+                              <a:latin typeface="Cambria Math" panose="02040503050406030204" pitchFamily="18" charset="0"/>
+                            </a:rPr>
+                          </m:ctrlPr>
+                        </m:sSubPr>
+                        <m:e>
+                          <m:r>
+                            <a:rPr kumimoji="1" lang="en-US" altLang="ko-KR" sz="2400" i="1">
+                              <a:latin typeface="Cambria Math" panose="02040503050406030204" pitchFamily="18" charset="0"/>
+                              <a:ea typeface="Cambria Math" panose="02040503050406030204" pitchFamily="18" charset="0"/>
+                            </a:rPr>
+                            <m:t>𝔼</m:t>
+                          </m:r>
+                        </m:e>
+                        <m:sub>
+                          <m:r>
+                            <a:rPr kumimoji="1" lang="en-US" altLang="ko-KR" sz="2400" i="1">
+                              <a:latin typeface="Cambria Math" panose="02040503050406030204" pitchFamily="18" charset="0"/>
+                            </a:rPr>
+                            <m:t>𝑥</m:t>
+                          </m:r>
+                          <m:r>
+                            <a:rPr kumimoji="1" lang="en-US" altLang="ko-KR" sz="2400" i="1">
+                              <a:latin typeface="Cambria Math" panose="02040503050406030204" pitchFamily="18" charset="0"/>
+                            </a:rPr>
+                            <m:t>~</m:t>
+                          </m:r>
+                          <m:sSub>
+                            <m:sSubPr>
+                              <m:ctrlPr>
+                                <a:rPr kumimoji="1" lang="en-US" altLang="ko-KR" sz="2400" i="1">
+                                  <a:latin typeface="Cambria Math" panose="02040503050406030204" pitchFamily="18" charset="0"/>
+                                </a:rPr>
+                              </m:ctrlPr>
+                            </m:sSubPr>
+                            <m:e>
+                              <m:r>
+                                <a:rPr kumimoji="1" lang="en-US" altLang="ko-KR" sz="2400" i="1">
+                                  <a:latin typeface="Cambria Math" panose="02040503050406030204" pitchFamily="18" charset="0"/>
+                                </a:rPr>
+                                <m:t>𝑝</m:t>
+                              </m:r>
+                            </m:e>
+                            <m:sub>
+                              <m:r>
+                                <a:rPr kumimoji="1" lang="en-US" altLang="ko-KR" sz="2400" b="0" i="1">
+                                  <a:latin typeface="Cambria Math" panose="02040503050406030204" pitchFamily="18" charset="0"/>
+                                </a:rPr>
+                                <m:t>𝑔</m:t>
+                              </m:r>
+                            </m:sub>
+                          </m:sSub>
+                        </m:sub>
+                      </m:sSub>
+                      <m:d>
+                        <m:dPr>
+                          <m:begChr m:val="["/>
+                          <m:endChr m:val="]"/>
+                          <m:ctrlPr>
+                            <a:rPr kumimoji="1" lang="en-US" altLang="ko-KR" sz="2400" i="1">
+                              <a:latin typeface="Cambria Math" panose="02040503050406030204" pitchFamily="18" charset="0"/>
+                            </a:rPr>
+                          </m:ctrlPr>
+                        </m:dPr>
+                        <m:e>
+                          <m:func>
+                            <m:funcPr>
+                              <m:ctrlPr>
+                                <a:rPr kumimoji="1" lang="en-US" altLang="ko-KR" sz="2400" i="1">
+                                  <a:latin typeface="Cambria Math" panose="02040503050406030204" pitchFamily="18" charset="0"/>
+                                </a:rPr>
+                              </m:ctrlPr>
+                            </m:funcPr>
+                            <m:fName>
+                              <m:r>
+                                <m:rPr>
+                                  <m:sty m:val="p"/>
+                                </m:rPr>
+                                <a:rPr kumimoji="1" lang="en-US" altLang="ko-KR" sz="2400" i="0">
+                                  <a:latin typeface="Cambria Math" panose="02040503050406030204" pitchFamily="18" charset="0"/>
+                                </a:rPr>
+                                <m:t>log</m:t>
+                              </m:r>
+                            </m:fName>
+                            <m:e>
+                              <m:f>
+                                <m:fPr>
+                                  <m:ctrlPr>
+                                    <a:rPr kumimoji="1" lang="en-US" altLang="ko-KR" sz="2400" i="1">
+                                      <a:latin typeface="Cambria Math" panose="02040503050406030204" pitchFamily="18" charset="0"/>
+                                    </a:rPr>
+                                  </m:ctrlPr>
+                                </m:fPr>
+                                <m:num>
+                                  <m:sSub>
+                                    <m:sSubPr>
+                                      <m:ctrlPr>
+                                        <a:rPr kumimoji="1" lang="en-US" altLang="ko-KR" sz="2400" i="1">
+                                          <a:latin typeface="Cambria Math" panose="02040503050406030204" pitchFamily="18" charset="0"/>
+                                        </a:rPr>
+                                      </m:ctrlPr>
+                                    </m:sSubPr>
+                                    <m:e>
+                                      <m:r>
+                                        <a:rPr kumimoji="1" lang="en-US" altLang="ko-KR" sz="2400" i="1">
+                                          <a:latin typeface="Cambria Math" panose="02040503050406030204" pitchFamily="18" charset="0"/>
+                                        </a:rPr>
+                                        <m:t>𝑝</m:t>
+                                      </m:r>
+                                    </m:e>
+                                    <m:sub>
+                                      <m:r>
+                                        <a:rPr kumimoji="1" lang="en-US" altLang="ko-KR" sz="2400" i="1">
+                                          <a:latin typeface="Cambria Math" panose="02040503050406030204" pitchFamily="18" charset="0"/>
+                                        </a:rPr>
+                                        <m:t>𝑔</m:t>
+                                      </m:r>
+                                    </m:sub>
+                                  </m:sSub>
+                                  <m:r>
+                                    <a:rPr kumimoji="1" lang="en-US" altLang="ko-KR" sz="2400" i="1">
+                                      <a:latin typeface="Cambria Math" panose="02040503050406030204" pitchFamily="18" charset="0"/>
+                                    </a:rPr>
+                                    <m:t>(</m:t>
+                                  </m:r>
+                                  <m:r>
+                                    <a:rPr kumimoji="1" lang="en-US" altLang="ko-KR" sz="2400" i="1">
+                                      <a:latin typeface="Cambria Math" panose="02040503050406030204" pitchFamily="18" charset="0"/>
+                                    </a:rPr>
+                                    <m:t>𝑥</m:t>
+                                  </m:r>
+                                  <m:r>
+                                    <a:rPr kumimoji="1" lang="en-US" altLang="ko-KR" sz="2400" i="1">
+                                      <a:latin typeface="Cambria Math" panose="02040503050406030204" pitchFamily="18" charset="0"/>
+                                    </a:rPr>
+                                    <m:t>)</m:t>
+                                  </m:r>
+                                </m:num>
+                                <m:den>
+                                  <m:f>
+                                    <m:fPr>
+                                      <m:ctrlPr>
+                                        <a:rPr kumimoji="1" lang="en-US" altLang="ko-KR" sz="2400" i="1">
+                                          <a:latin typeface="Cambria Math" panose="02040503050406030204" pitchFamily="18" charset="0"/>
+                                        </a:rPr>
+                                      </m:ctrlPr>
+                                    </m:fPr>
+                                    <m:num>
+                                      <m:sSub>
+                                        <m:sSubPr>
+                                          <m:ctrlPr>
+                                            <a:rPr kumimoji="1" lang="en-US" altLang="ko-KR" sz="2400" i="1">
+                                              <a:latin typeface="Cambria Math" panose="02040503050406030204" pitchFamily="18" charset="0"/>
+                                            </a:rPr>
+                                          </m:ctrlPr>
+                                        </m:sSubPr>
+                                        <m:e>
+                                          <m:r>
+                                            <a:rPr kumimoji="1" lang="en-US" altLang="ko-KR" sz="2400" i="1">
+                                              <a:latin typeface="Cambria Math" panose="02040503050406030204" pitchFamily="18" charset="0"/>
+                                            </a:rPr>
+                                            <m:t>𝑝</m:t>
+                                          </m:r>
+                                        </m:e>
+                                        <m:sub>
+                                          <m:r>
+                                            <a:rPr kumimoji="1" lang="en-US" altLang="ko-KR" sz="2400" i="1">
+                                              <a:latin typeface="Cambria Math" panose="02040503050406030204" pitchFamily="18" charset="0"/>
+                                            </a:rPr>
+                                            <m:t>𝑑𝑎𝑡𝑎</m:t>
+                                          </m:r>
+                                        </m:sub>
+                                      </m:sSub>
+                                      <m:d>
+                                        <m:dPr>
+                                          <m:ctrlPr>
+                                            <a:rPr kumimoji="1" lang="en-US" altLang="ko-KR" sz="2400" i="1">
+                                              <a:latin typeface="Cambria Math" panose="02040503050406030204" pitchFamily="18" charset="0"/>
+                                            </a:rPr>
+                                          </m:ctrlPr>
+                                        </m:dPr>
+                                        <m:e>
+                                          <m:r>
+                                            <a:rPr kumimoji="1" lang="en-US" altLang="ko-KR" sz="2400" i="1">
+                                              <a:latin typeface="Cambria Math" panose="02040503050406030204" pitchFamily="18" charset="0"/>
+                                            </a:rPr>
+                                            <m:t>𝑥</m:t>
+                                          </m:r>
+                                        </m:e>
+                                      </m:d>
+                                      <m:r>
+                                        <a:rPr kumimoji="1" lang="en-US" altLang="ko-KR" sz="2400" i="1">
+                                          <a:latin typeface="Cambria Math" panose="02040503050406030204" pitchFamily="18" charset="0"/>
+                                        </a:rPr>
+                                        <m:t>+</m:t>
+                                      </m:r>
+                                      <m:sSub>
+                                        <m:sSubPr>
+                                          <m:ctrlPr>
+                                            <a:rPr kumimoji="1" lang="en-US" altLang="ko-KR" sz="2400" i="1">
+                                              <a:latin typeface="Cambria Math" panose="02040503050406030204" pitchFamily="18" charset="0"/>
+                                            </a:rPr>
+                                          </m:ctrlPr>
+                                        </m:sSubPr>
+                                        <m:e>
+                                          <m:r>
+                                            <a:rPr kumimoji="1" lang="en-US" altLang="ko-KR" sz="2400" i="1">
+                                              <a:latin typeface="Cambria Math" panose="02040503050406030204" pitchFamily="18" charset="0"/>
+                                            </a:rPr>
+                                            <m:t>𝑝</m:t>
+                                          </m:r>
+                                        </m:e>
+                                        <m:sub>
+                                          <m:r>
+                                            <a:rPr kumimoji="1" lang="en-US" altLang="ko-KR" sz="2400" i="1">
+                                              <a:latin typeface="Cambria Math" panose="02040503050406030204" pitchFamily="18" charset="0"/>
+                                            </a:rPr>
+                                            <m:t>𝑔</m:t>
+                                          </m:r>
+                                        </m:sub>
+                                      </m:sSub>
+                                      <m:r>
+                                        <a:rPr kumimoji="1" lang="en-US" altLang="ko-KR" sz="2400" i="1">
+                                          <a:latin typeface="Cambria Math" panose="02040503050406030204" pitchFamily="18" charset="0"/>
+                                        </a:rPr>
+                                        <m:t>(</m:t>
+                                      </m:r>
+                                      <m:r>
+                                        <a:rPr kumimoji="1" lang="en-US" altLang="ko-KR" sz="2400" i="1">
+                                          <a:latin typeface="Cambria Math" panose="02040503050406030204" pitchFamily="18" charset="0"/>
+                                        </a:rPr>
+                                        <m:t>𝑥</m:t>
+                                      </m:r>
+                                      <m:r>
+                                        <a:rPr kumimoji="1" lang="en-US" altLang="ko-KR" sz="2400" i="1">
+                                          <a:latin typeface="Cambria Math" panose="02040503050406030204" pitchFamily="18" charset="0"/>
+                                        </a:rPr>
+                                        <m:t>)</m:t>
+                                      </m:r>
+                                    </m:num>
+                                    <m:den>
+                                      <m:r>
+                                        <a:rPr kumimoji="1" lang="en-US" altLang="ko-KR" sz="2400" i="1">
+                                          <a:latin typeface="Cambria Math" panose="02040503050406030204" pitchFamily="18" charset="0"/>
+                                        </a:rPr>
+                                        <m:t>2</m:t>
+                                      </m:r>
+                                    </m:den>
+                                  </m:f>
+                                </m:den>
+                              </m:f>
+                            </m:e>
+                          </m:func>
+                          <m:r>
+                            <a:rPr kumimoji="1" lang="en-US" altLang="ko-KR" sz="2400" b="0" i="1">
+                              <a:latin typeface="Cambria Math" panose="02040503050406030204" pitchFamily="18" charset="0"/>
+                            </a:rPr>
+                            <m:t>−</m:t>
+                          </m:r>
+                          <m:func>
+                            <m:funcPr>
+                              <m:ctrlPr>
+                                <a:rPr kumimoji="1" lang="en-US" altLang="ko-KR" sz="2400" b="0" i="1">
+                                  <a:latin typeface="Cambria Math" panose="02040503050406030204" pitchFamily="18" charset="0"/>
+                                </a:rPr>
+                              </m:ctrlPr>
+                            </m:funcPr>
+                            <m:fName>
+                              <m:r>
+                                <m:rPr>
+                                  <m:sty m:val="p"/>
+                                </m:rPr>
+                                <a:rPr kumimoji="1" lang="en-US" altLang="ko-KR" sz="2400" b="0" i="0">
+                                  <a:latin typeface="Cambria Math" panose="02040503050406030204" pitchFamily="18" charset="0"/>
+                                </a:rPr>
+                                <m:t>log</m:t>
+                              </m:r>
+                            </m:fName>
+                            <m:e>
+                              <m:r>
+                                <a:rPr kumimoji="1" lang="en-US" altLang="ko-KR" sz="2400" b="0" i="1">
+                                  <a:latin typeface="Cambria Math" panose="02040503050406030204" pitchFamily="18" charset="0"/>
+                                </a:rPr>
+                                <m:t>2</m:t>
+                              </m:r>
+                            </m:e>
+                          </m:func>
+                        </m:e>
+                      </m:d>
+                    </m:oMath>
+                  </m:oMathPara>
+                </a14:m>
+                <a:endParaRPr kumimoji="1" lang="ko-Kore-KR" altLang="en-US" sz="2400"/>
+              </a:p>
+            </p:txBody>
+          </p:sp>
+        </mc:Choice>
+        <mc:Fallback>
+          <p:sp>
+            <p:nvSpPr>
+              <p:cNvPr id="8" name="TextBox 7">
+                <a:extLst>
+                  <a:ext uri="{FF2B5EF4-FFF2-40B4-BE49-F238E27FC236}">
+                    <a16:creationId xmlns:a16="http://schemas.microsoft.com/office/drawing/2014/main" id="{833CDCA5-A54A-DF4C-85AA-62EE524380EC}"/>
+                  </a:ext>
+                </a:extLst>
+              </p:cNvPr>
+              <p:cNvSpPr txBox="1">
+                <a:spLocks noRot="1" noChangeAspect="1" noMove="1" noResize="1" noEditPoints="1" noAdjustHandles="1" noChangeArrowheads="1" noChangeShapeType="1" noTextEdit="1"/>
+              </p:cNvSpPr>
+              <p:nvPr/>
+            </p:nvSpPr>
+            <p:spPr>
+              <a:xfrm>
+                <a:off x="1135851" y="3746606"/>
+                <a:ext cx="10754675" cy="1077411"/>
+              </a:xfrm>
+              <a:prstGeom prst="rect">
+                <a:avLst/>
+              </a:prstGeom>
+              <a:blipFill>
+                <a:blip r:embed="rId5"/>
+                <a:stretch>
+                  <a:fillRect t="-3529" b="-8235"/>
+                </a:stretch>
+              </a:blipFill>
+            </p:spPr>
+            <p:txBody>
+              <a:bodyPr/>
+              <a:lstStyle/>
+              <a:p>
+                <a:r>
+                  <a:rPr lang="ko-Kore-KR" altLang="en-US">
+                    <a:noFill/>
+                  </a:rPr>
+                  <a:t> </a:t>
+                </a:r>
+              </a:p>
+            </p:txBody>
+          </p:sp>
+        </mc:Fallback>
+      </mc:AlternateContent>
+      <mc:AlternateContent xmlns:mc="http://schemas.openxmlformats.org/markup-compatibility/2006">
+        <mc:Choice xmlns:a14="http://schemas.microsoft.com/office/drawing/2010/main" Requires="a14">
+          <p:sp>
+            <p:nvSpPr>
+              <p:cNvPr id="9" name="TextBox 8">
+                <a:extLst>
+                  <a:ext uri="{FF2B5EF4-FFF2-40B4-BE49-F238E27FC236}">
+                    <a16:creationId xmlns:a16="http://schemas.microsoft.com/office/drawing/2014/main" id="{05540624-20C6-6D4C-AB94-8B389F9450F0}"/>
+                  </a:ext>
+                </a:extLst>
+              </p:cNvPr>
+              <p:cNvSpPr txBox="1"/>
+              <p:nvPr/>
+            </p:nvSpPr>
+            <p:spPr>
+              <a:xfrm>
+                <a:off x="1135851" y="5038001"/>
+                <a:ext cx="8128957" cy="829843"/>
+              </a:xfrm>
+              <a:prstGeom prst="rect">
+                <a:avLst/>
+              </a:prstGeom>
+              <a:noFill/>
+            </p:spPr>
+            <p:txBody>
+              <a:bodyPr wrap="none" lIns="0" tIns="0" rIns="0" bIns="0" rtlCol="0">
+                <a:spAutoFit/>
+              </a:bodyPr>
+              <a:lstStyle/>
+              <a:p>
+                <a14:m>
+                  <m:oMathPara xmlns:m="http://schemas.openxmlformats.org/officeDocument/2006/math">
+                    <m:oMathParaPr>
+                      <m:jc m:val="centerGroup"/>
+                    </m:oMathParaPr>
+                    <m:oMath xmlns:m="http://schemas.openxmlformats.org/officeDocument/2006/math">
+                      <m:r>
+                        <a:rPr kumimoji="1" lang="en-US" altLang="ko-Kore-KR" sz="2400" b="0" i="1">
+                          <a:latin typeface="Cambria Math" panose="02040503050406030204" pitchFamily="18" charset="0"/>
+                        </a:rPr>
+                        <m:t>= </m:t>
+                      </m:r>
+                      <m:sSub>
+                        <m:sSubPr>
+                          <m:ctrlPr>
+                            <a:rPr kumimoji="1" lang="en-US" altLang="ko-Kore-KR" sz="2400" b="0" i="1">
+                              <a:latin typeface="Cambria Math" panose="02040503050406030204" pitchFamily="18" charset="0"/>
+                            </a:rPr>
+                          </m:ctrlPr>
+                        </m:sSubPr>
+                        <m:e>
+                          <m:r>
+                            <a:rPr kumimoji="1" lang="en-US" altLang="ko-Kore-KR" sz="2400" b="0" i="1">
+                              <a:latin typeface="Cambria Math" panose="02040503050406030204" pitchFamily="18" charset="0"/>
+                            </a:rPr>
+                            <m:t>𝐷</m:t>
+                          </m:r>
+                        </m:e>
+                        <m:sub>
+                          <m:r>
+                            <a:rPr kumimoji="1" lang="en-US" altLang="ko-Kore-KR" sz="2400" b="0" i="1">
+                              <a:latin typeface="Cambria Math" panose="02040503050406030204" pitchFamily="18" charset="0"/>
+                            </a:rPr>
+                            <m:t>𝐾𝐿</m:t>
+                          </m:r>
+                        </m:sub>
+                      </m:sSub>
+                      <m:d>
+                        <m:dPr>
+                          <m:ctrlPr>
+                            <a:rPr kumimoji="1" lang="en-US" altLang="ko-Kore-KR" sz="2400" b="0" i="1">
+                              <a:latin typeface="Cambria Math" panose="02040503050406030204" pitchFamily="18" charset="0"/>
+                            </a:rPr>
+                          </m:ctrlPr>
+                        </m:dPr>
+                        <m:e>
+                          <m:sSub>
+                            <m:sSubPr>
+                              <m:ctrlPr>
+                                <a:rPr kumimoji="1" lang="en-US" altLang="ko-Kore-KR" sz="2400" b="0" i="1">
+                                  <a:latin typeface="Cambria Math" panose="02040503050406030204" pitchFamily="18" charset="0"/>
+                                </a:rPr>
+                              </m:ctrlPr>
+                            </m:sSubPr>
+                            <m:e>
+                              <m:r>
+                                <a:rPr kumimoji="1" lang="en-US" altLang="ko-Kore-KR" sz="2400" b="0" i="1">
+                                  <a:latin typeface="Cambria Math" panose="02040503050406030204" pitchFamily="18" charset="0"/>
+                                </a:rPr>
+                                <m:t>𝑝</m:t>
+                              </m:r>
+                            </m:e>
+                            <m:sub>
+                              <m:r>
+                                <a:rPr kumimoji="1" lang="en-US" altLang="ko-Kore-KR" sz="2400" b="0" i="1">
+                                  <a:latin typeface="Cambria Math" panose="02040503050406030204" pitchFamily="18" charset="0"/>
+                                </a:rPr>
+                                <m:t>𝑑𝑎𝑡𝑎</m:t>
+                              </m:r>
+                            </m:sub>
+                          </m:sSub>
+                          <m:d>
+                            <m:dPr>
+                              <m:begChr m:val="‖"/>
+                              <m:endChr m:val=""/>
+                              <m:ctrlPr>
+                                <a:rPr kumimoji="1" lang="en-US" altLang="ko-Kore-KR" sz="2400" b="0" i="1">
+                                  <a:latin typeface="Cambria Math" panose="02040503050406030204" pitchFamily="18" charset="0"/>
+                                </a:rPr>
+                              </m:ctrlPr>
+                            </m:dPr>
+                            <m:e>
+                              <m:f>
+                                <m:fPr>
+                                  <m:ctrlPr>
+                                    <a:rPr kumimoji="1" lang="en-US" altLang="ko-KR" sz="2400" i="1">
+                                      <a:latin typeface="Cambria Math" panose="02040503050406030204" pitchFamily="18" charset="0"/>
+                                    </a:rPr>
+                                  </m:ctrlPr>
+                                </m:fPr>
+                                <m:num>
+                                  <m:sSub>
+                                    <m:sSubPr>
+                                      <m:ctrlPr>
+                                        <a:rPr kumimoji="1" lang="en-US" altLang="ko-KR" sz="2400" i="1">
+                                          <a:latin typeface="Cambria Math" panose="02040503050406030204" pitchFamily="18" charset="0"/>
+                                        </a:rPr>
+                                      </m:ctrlPr>
+                                    </m:sSubPr>
+                                    <m:e>
+                                      <m:r>
+                                        <a:rPr kumimoji="1" lang="en-US" altLang="ko-KR" sz="2400" i="1">
+                                          <a:latin typeface="Cambria Math" panose="02040503050406030204" pitchFamily="18" charset="0"/>
+                                        </a:rPr>
+                                        <m:t>𝑝</m:t>
+                                      </m:r>
+                                    </m:e>
+                                    <m:sub>
+                                      <m:r>
+                                        <a:rPr kumimoji="1" lang="en-US" altLang="ko-KR" sz="2400" i="1">
+                                          <a:latin typeface="Cambria Math" panose="02040503050406030204" pitchFamily="18" charset="0"/>
+                                        </a:rPr>
+                                        <m:t>𝑑𝑎𝑡𝑎</m:t>
+                                      </m:r>
+                                    </m:sub>
+                                  </m:sSub>
+                                  <m:r>
+                                    <a:rPr kumimoji="1" lang="en-US" altLang="ko-KR" sz="2400" i="1">
+                                      <a:latin typeface="Cambria Math" panose="02040503050406030204" pitchFamily="18" charset="0"/>
+                                    </a:rPr>
+                                    <m:t>+</m:t>
+                                  </m:r>
+                                  <m:sSub>
+                                    <m:sSubPr>
+                                      <m:ctrlPr>
+                                        <a:rPr kumimoji="1" lang="en-US" altLang="ko-KR" sz="2400" i="1">
+                                          <a:latin typeface="Cambria Math" panose="02040503050406030204" pitchFamily="18" charset="0"/>
+                                        </a:rPr>
+                                      </m:ctrlPr>
+                                    </m:sSubPr>
+                                    <m:e>
+                                      <m:r>
+                                        <a:rPr kumimoji="1" lang="en-US" altLang="ko-KR" sz="2400" i="1">
+                                          <a:latin typeface="Cambria Math" panose="02040503050406030204" pitchFamily="18" charset="0"/>
+                                        </a:rPr>
+                                        <m:t>𝑝</m:t>
+                                      </m:r>
+                                    </m:e>
+                                    <m:sub>
+                                      <m:r>
+                                        <a:rPr kumimoji="1" lang="en-US" altLang="ko-KR" sz="2400" i="1">
+                                          <a:latin typeface="Cambria Math" panose="02040503050406030204" pitchFamily="18" charset="0"/>
+                                        </a:rPr>
+                                        <m:t>𝑔</m:t>
+                                      </m:r>
+                                    </m:sub>
+                                  </m:sSub>
+                                </m:num>
+                                <m:den>
+                                  <m:r>
+                                    <a:rPr kumimoji="1" lang="en-US" altLang="ko-KR" sz="2400" i="1">
+                                      <a:latin typeface="Cambria Math" panose="02040503050406030204" pitchFamily="18" charset="0"/>
+                                    </a:rPr>
+                                    <m:t>2</m:t>
+                                  </m:r>
+                                </m:den>
+                              </m:f>
+                            </m:e>
+                          </m:d>
+                        </m:e>
+                      </m:d>
+                      <m:r>
+                        <a:rPr kumimoji="1" lang="en-US" altLang="ko-Kore-KR" sz="2400" b="0" i="1">
+                          <a:latin typeface="Cambria Math" panose="02040503050406030204" pitchFamily="18" charset="0"/>
+                        </a:rPr>
+                        <m:t>+</m:t>
+                      </m:r>
+                      <m:sSub>
+                        <m:sSubPr>
+                          <m:ctrlPr>
+                            <a:rPr kumimoji="1" lang="en-US" altLang="ko-Kore-KR" sz="2400" i="1">
+                              <a:latin typeface="Cambria Math" panose="02040503050406030204" pitchFamily="18" charset="0"/>
+                            </a:rPr>
+                          </m:ctrlPr>
+                        </m:sSubPr>
+                        <m:e>
+                          <m:r>
+                            <a:rPr kumimoji="1" lang="en-US" altLang="ko-Kore-KR" sz="2400" i="1">
+                              <a:latin typeface="Cambria Math" panose="02040503050406030204" pitchFamily="18" charset="0"/>
+                            </a:rPr>
+                            <m:t>𝐷</m:t>
+                          </m:r>
+                        </m:e>
+                        <m:sub>
+                          <m:r>
+                            <a:rPr kumimoji="1" lang="en-US" altLang="ko-Kore-KR" sz="2400" i="1">
+                              <a:latin typeface="Cambria Math" panose="02040503050406030204" pitchFamily="18" charset="0"/>
+                            </a:rPr>
+                            <m:t>𝐾𝐿</m:t>
+                          </m:r>
+                        </m:sub>
+                      </m:sSub>
+                      <m:d>
+                        <m:dPr>
+                          <m:ctrlPr>
+                            <a:rPr kumimoji="1" lang="en-US" altLang="ko-Kore-KR" sz="2400" i="1">
+                              <a:latin typeface="Cambria Math" panose="02040503050406030204" pitchFamily="18" charset="0"/>
+                            </a:rPr>
+                          </m:ctrlPr>
+                        </m:dPr>
+                        <m:e>
+                          <m:sSub>
+                            <m:sSubPr>
+                              <m:ctrlPr>
+                                <a:rPr kumimoji="1" lang="en-US" altLang="ko-Kore-KR" sz="2400" i="1">
+                                  <a:latin typeface="Cambria Math" panose="02040503050406030204" pitchFamily="18" charset="0"/>
+                                </a:rPr>
+                              </m:ctrlPr>
+                            </m:sSubPr>
+                            <m:e>
+                              <m:r>
+                                <a:rPr kumimoji="1" lang="en-US" altLang="ko-Kore-KR" sz="2400" i="1">
+                                  <a:latin typeface="Cambria Math" panose="02040503050406030204" pitchFamily="18" charset="0"/>
+                                </a:rPr>
+                                <m:t>𝑝</m:t>
+                              </m:r>
+                            </m:e>
+                            <m:sub>
+                              <m:r>
+                                <a:rPr kumimoji="1" lang="en-US" altLang="ko-Kore-KR" sz="2400" b="0" i="1">
+                                  <a:latin typeface="Cambria Math" panose="02040503050406030204" pitchFamily="18" charset="0"/>
+                                </a:rPr>
+                                <m:t>𝑔</m:t>
+                              </m:r>
+                            </m:sub>
+                          </m:sSub>
+                          <m:d>
+                            <m:dPr>
+                              <m:begChr m:val="‖"/>
+                              <m:endChr m:val=""/>
+                              <m:ctrlPr>
+                                <a:rPr kumimoji="1" lang="en-US" altLang="ko-Kore-KR" sz="2400" i="1">
+                                  <a:latin typeface="Cambria Math" panose="02040503050406030204" pitchFamily="18" charset="0"/>
+                                </a:rPr>
+                              </m:ctrlPr>
+                            </m:dPr>
+                            <m:e>
+                              <m:f>
+                                <m:fPr>
+                                  <m:ctrlPr>
+                                    <a:rPr kumimoji="1" lang="en-US" altLang="ko-KR" sz="2400" i="1">
+                                      <a:latin typeface="Cambria Math" panose="02040503050406030204" pitchFamily="18" charset="0"/>
+                                    </a:rPr>
+                                  </m:ctrlPr>
+                                </m:fPr>
+                                <m:num>
+                                  <m:sSub>
+                                    <m:sSubPr>
+                                      <m:ctrlPr>
+                                        <a:rPr kumimoji="1" lang="en-US" altLang="ko-KR" sz="2400" i="1">
+                                          <a:latin typeface="Cambria Math" panose="02040503050406030204" pitchFamily="18" charset="0"/>
+                                        </a:rPr>
+                                      </m:ctrlPr>
+                                    </m:sSubPr>
+                                    <m:e>
+                                      <m:r>
+                                        <a:rPr kumimoji="1" lang="en-US" altLang="ko-KR" sz="2400" i="1">
+                                          <a:latin typeface="Cambria Math" panose="02040503050406030204" pitchFamily="18" charset="0"/>
+                                        </a:rPr>
+                                        <m:t>𝑝</m:t>
+                                      </m:r>
+                                    </m:e>
+                                    <m:sub>
+                                      <m:r>
+                                        <a:rPr kumimoji="1" lang="en-US" altLang="ko-KR" sz="2400" i="1">
+                                          <a:latin typeface="Cambria Math" panose="02040503050406030204" pitchFamily="18" charset="0"/>
+                                        </a:rPr>
+                                        <m:t>𝑑𝑎𝑡𝑎</m:t>
+                                      </m:r>
+                                    </m:sub>
+                                  </m:sSub>
+                                  <m:r>
+                                    <a:rPr kumimoji="1" lang="en-US" altLang="ko-KR" sz="2400" i="1">
+                                      <a:latin typeface="Cambria Math" panose="02040503050406030204" pitchFamily="18" charset="0"/>
+                                    </a:rPr>
+                                    <m:t>+</m:t>
+                                  </m:r>
+                                  <m:sSub>
+                                    <m:sSubPr>
+                                      <m:ctrlPr>
+                                        <a:rPr kumimoji="1" lang="en-US" altLang="ko-KR" sz="2400" i="1">
+                                          <a:latin typeface="Cambria Math" panose="02040503050406030204" pitchFamily="18" charset="0"/>
+                                        </a:rPr>
+                                      </m:ctrlPr>
+                                    </m:sSubPr>
+                                    <m:e>
+                                      <m:r>
+                                        <a:rPr kumimoji="1" lang="en-US" altLang="ko-KR" sz="2400" i="1">
+                                          <a:latin typeface="Cambria Math" panose="02040503050406030204" pitchFamily="18" charset="0"/>
+                                        </a:rPr>
+                                        <m:t>𝑝</m:t>
+                                      </m:r>
+                                    </m:e>
+                                    <m:sub>
+                                      <m:r>
+                                        <a:rPr kumimoji="1" lang="en-US" altLang="ko-KR" sz="2400" i="1">
+                                          <a:latin typeface="Cambria Math" panose="02040503050406030204" pitchFamily="18" charset="0"/>
+                                        </a:rPr>
+                                        <m:t>𝑔</m:t>
+                                      </m:r>
+                                    </m:sub>
+                                  </m:sSub>
+                                </m:num>
+                                <m:den>
+                                  <m:r>
+                                    <a:rPr kumimoji="1" lang="en-US" altLang="ko-KR" sz="2400" i="1">
+                                      <a:latin typeface="Cambria Math" panose="02040503050406030204" pitchFamily="18" charset="0"/>
+                                    </a:rPr>
+                                    <m:t>2</m:t>
+                                  </m:r>
+                                </m:den>
+                              </m:f>
+                            </m:e>
+                          </m:d>
+                        </m:e>
+                      </m:d>
+                      <m:r>
+                        <a:rPr kumimoji="1" lang="en-US" altLang="ko-KR" sz="2400" b="0" i="1">
+                          <a:latin typeface="Cambria Math" panose="02040503050406030204" pitchFamily="18" charset="0"/>
+                        </a:rPr>
+                        <m:t>−2</m:t>
+                      </m:r>
+                      <m:func>
+                        <m:funcPr>
+                          <m:ctrlPr>
+                            <a:rPr kumimoji="1" lang="en-US" altLang="ko-KR" sz="2400" b="0" i="1">
+                              <a:latin typeface="Cambria Math" panose="02040503050406030204" pitchFamily="18" charset="0"/>
+                            </a:rPr>
+                          </m:ctrlPr>
+                        </m:funcPr>
+                        <m:fName>
+                          <m:r>
+                            <m:rPr>
+                              <m:sty m:val="p"/>
+                            </m:rPr>
+                            <a:rPr kumimoji="1" lang="en-US" altLang="ko-KR" sz="2400" b="0" i="0">
+                              <a:latin typeface="Cambria Math" panose="02040503050406030204" pitchFamily="18" charset="0"/>
+                            </a:rPr>
+                            <m:t>log</m:t>
+                          </m:r>
+                        </m:fName>
+                        <m:e>
+                          <m:r>
+                            <a:rPr kumimoji="1" lang="en-US" altLang="ko-KR" sz="2400" b="0" i="1">
+                              <a:latin typeface="Cambria Math" panose="02040503050406030204" pitchFamily="18" charset="0"/>
+                            </a:rPr>
+                            <m:t>2</m:t>
+                          </m:r>
+                        </m:e>
+                      </m:func>
+                    </m:oMath>
+                  </m:oMathPara>
+                </a14:m>
+                <a:endParaRPr kumimoji="1" lang="ko-Kore-KR" altLang="en-US" sz="2400"/>
+              </a:p>
+            </p:txBody>
+          </p:sp>
+        </mc:Choice>
+        <mc:Fallback>
+          <p:sp>
+            <p:nvSpPr>
+              <p:cNvPr id="9" name="TextBox 8">
+                <a:extLst>
+                  <a:ext uri="{FF2B5EF4-FFF2-40B4-BE49-F238E27FC236}">
+                    <a16:creationId xmlns:a16="http://schemas.microsoft.com/office/drawing/2014/main" id="{05540624-20C6-6D4C-AB94-8B389F9450F0}"/>
+                  </a:ext>
+                </a:extLst>
+              </p:cNvPr>
+              <p:cNvSpPr txBox="1">
+                <a:spLocks noRot="1" noChangeAspect="1" noMove="1" noResize="1" noEditPoints="1" noAdjustHandles="1" noChangeArrowheads="1" noChangeShapeType="1" noTextEdit="1"/>
+              </p:cNvSpPr>
+              <p:nvPr/>
+            </p:nvSpPr>
+            <p:spPr>
+              <a:xfrm>
+                <a:off x="1135851" y="5038001"/>
+                <a:ext cx="8128957" cy="829843"/>
+              </a:xfrm>
+              <a:prstGeom prst="rect">
+                <a:avLst/>
+              </a:prstGeom>
+              <a:blipFill>
+                <a:blip r:embed="rId6"/>
+                <a:stretch>
+                  <a:fillRect t="-220896" r="-312" b="-317910"/>
+                </a:stretch>
+              </a:blipFill>
+            </p:spPr>
+            <p:txBody>
+              <a:bodyPr/>
+              <a:lstStyle/>
+              <a:p>
+                <a:r>
+                  <a:rPr lang="ko-Kore-KR" altLang="en-US">
+                    <a:noFill/>
+                  </a:rPr>
+                  <a:t> </a:t>
+                </a:r>
+              </a:p>
+            </p:txBody>
+          </p:sp>
+        </mc:Fallback>
+      </mc:AlternateContent>
+      <mc:AlternateContent xmlns:mc="http://schemas.openxmlformats.org/markup-compatibility/2006">
+        <mc:Choice xmlns:a14="http://schemas.microsoft.com/office/drawing/2010/main" Requires="a14">
+          <p:sp>
+            <p:nvSpPr>
+              <p:cNvPr id="11" name="TextBox 10">
+                <a:extLst>
+                  <a:ext uri="{FF2B5EF4-FFF2-40B4-BE49-F238E27FC236}">
+                    <a16:creationId xmlns:a16="http://schemas.microsoft.com/office/drawing/2014/main" id="{9E05BB0F-5981-9346-AF84-147417A89CBC}"/>
+                  </a:ext>
+                </a:extLst>
+              </p:cNvPr>
+              <p:cNvSpPr txBox="1"/>
+              <p:nvPr/>
+            </p:nvSpPr>
+            <p:spPr>
+              <a:xfrm>
+                <a:off x="1135851" y="6081828"/>
+                <a:ext cx="4076693" cy="550022"/>
+              </a:xfrm>
+              <a:prstGeom prst="rect">
+                <a:avLst/>
+              </a:prstGeom>
+              <a:noFill/>
+            </p:spPr>
+            <p:txBody>
+              <a:bodyPr wrap="none" lIns="0" tIns="0" rIns="0" bIns="0" rtlCol="0">
+                <a:spAutoFit/>
+              </a:bodyPr>
+              <a:lstStyle/>
+              <a:p>
+                <a14:m>
+                  <m:oMathPara xmlns:m="http://schemas.openxmlformats.org/officeDocument/2006/math">
+                    <m:oMathParaPr>
+                      <m:jc m:val="centerGroup"/>
+                    </m:oMathParaPr>
+                    <m:oMath xmlns:m="http://schemas.openxmlformats.org/officeDocument/2006/math">
+                      <m:r>
+                        <a:rPr kumimoji="1" lang="en-US" altLang="ko-Kore-KR" sz="2400" b="0" i="1">
+                          <a:latin typeface="Cambria Math" panose="02040503050406030204" pitchFamily="18" charset="0"/>
+                        </a:rPr>
+                        <m:t>= −</m:t>
+                      </m:r>
+                      <m:func>
+                        <m:funcPr>
+                          <m:ctrlPr>
+                            <a:rPr kumimoji="1" lang="en-US" altLang="ko-Kore-KR" sz="2400" b="0" i="1">
+                              <a:latin typeface="Cambria Math" panose="02040503050406030204" pitchFamily="18" charset="0"/>
+                            </a:rPr>
+                          </m:ctrlPr>
+                        </m:funcPr>
+                        <m:fName>
+                          <m:r>
+                            <m:rPr>
+                              <m:sty m:val="p"/>
+                            </m:rPr>
+                            <a:rPr kumimoji="1" lang="en-US" altLang="ko-Kore-KR" sz="2400" b="0" i="0">
+                              <a:latin typeface="Cambria Math" panose="02040503050406030204" pitchFamily="18" charset="0"/>
+                            </a:rPr>
+                            <m:t>log</m:t>
+                          </m:r>
+                        </m:fName>
+                        <m:e>
+                          <m:r>
+                            <a:rPr kumimoji="1" lang="en-US" altLang="ko-Kore-KR" sz="2400" b="0" i="1">
+                              <a:latin typeface="Cambria Math" panose="02040503050406030204" pitchFamily="18" charset="0"/>
+                            </a:rPr>
+                            <m:t>4</m:t>
+                          </m:r>
+                        </m:e>
+                      </m:func>
+                      <m:r>
+                        <a:rPr kumimoji="1" lang="en-US" altLang="ko-Kore-KR" sz="2400" b="0" i="1">
+                          <a:latin typeface="Cambria Math" panose="02040503050406030204" pitchFamily="18" charset="0"/>
+                        </a:rPr>
+                        <m:t>+2</m:t>
+                      </m:r>
+                      <m:r>
+                        <a:rPr kumimoji="1" lang="en-US" altLang="ko-Kore-KR" sz="2400" b="0" i="1">
+                          <a:latin typeface="Cambria Math" panose="02040503050406030204" pitchFamily="18" charset="0"/>
+                          <a:ea typeface="Cambria Math" panose="02040503050406030204" pitchFamily="18" charset="0"/>
+                        </a:rPr>
+                        <m:t>∙</m:t>
+                      </m:r>
+                      <m:sSub>
+                        <m:sSubPr>
+                          <m:ctrlPr>
+                            <a:rPr kumimoji="1" lang="en-US" altLang="ko-Kore-KR" sz="2400" b="0" i="1">
+                              <a:latin typeface="Cambria Math" panose="02040503050406030204" pitchFamily="18" charset="0"/>
+                            </a:rPr>
+                          </m:ctrlPr>
+                        </m:sSubPr>
+                        <m:e>
+                          <m:r>
+                            <a:rPr kumimoji="1" lang="en-US" altLang="ko-Kore-KR" sz="2400" b="0" i="1">
+                              <a:latin typeface="Cambria Math" panose="02040503050406030204" pitchFamily="18" charset="0"/>
+                            </a:rPr>
+                            <m:t>𝐷</m:t>
+                          </m:r>
+                        </m:e>
+                        <m:sub>
+                          <m:r>
+                            <a:rPr kumimoji="1" lang="en-US" altLang="ko-Kore-KR" sz="2400" b="0" i="1">
+                              <a:latin typeface="Cambria Math" panose="02040503050406030204" pitchFamily="18" charset="0"/>
+                            </a:rPr>
+                            <m:t>𝐽𝑆</m:t>
+                          </m:r>
+                        </m:sub>
+                      </m:sSub>
+                      <m:r>
+                        <a:rPr kumimoji="1" lang="en-US" altLang="ko-Kore-KR" sz="2400" b="0" i="1">
+                          <a:latin typeface="Cambria Math" panose="02040503050406030204" pitchFamily="18" charset="0"/>
+                        </a:rPr>
+                        <m:t>(</m:t>
+                      </m:r>
+                      <m:sSub>
+                        <m:sSubPr>
+                          <m:ctrlPr>
+                            <a:rPr kumimoji="1" lang="en-US" altLang="ko-Kore-KR" sz="2400" b="0" i="1">
+                              <a:latin typeface="Cambria Math" panose="02040503050406030204" pitchFamily="18" charset="0"/>
+                            </a:rPr>
+                          </m:ctrlPr>
+                        </m:sSubPr>
+                        <m:e>
+                          <m:r>
+                            <a:rPr kumimoji="1" lang="en-US" altLang="ko-Kore-KR" sz="2400" b="0" i="1">
+                              <a:latin typeface="Cambria Math" panose="02040503050406030204" pitchFamily="18" charset="0"/>
+                            </a:rPr>
+                            <m:t>𝑝</m:t>
+                          </m:r>
+                        </m:e>
+                        <m:sub>
+                          <m:r>
+                            <a:rPr kumimoji="1" lang="en-US" altLang="ko-Kore-KR" sz="2400" b="0" i="1">
+                              <a:latin typeface="Cambria Math" panose="02040503050406030204" pitchFamily="18" charset="0"/>
+                            </a:rPr>
+                            <m:t>𝑑𝑎𝑡𝑎</m:t>
+                          </m:r>
+                        </m:sub>
+                      </m:sSub>
+                      <m:d>
+                        <m:dPr>
+                          <m:begChr m:val="‖"/>
+                          <m:endChr m:val=""/>
+                          <m:ctrlPr>
+                            <a:rPr kumimoji="1" lang="en-US" altLang="ko-Kore-KR" sz="2400" b="0" i="1">
+                              <a:latin typeface="Cambria Math" panose="02040503050406030204" pitchFamily="18" charset="0"/>
+                            </a:rPr>
+                          </m:ctrlPr>
+                        </m:dPr>
+                        <m:e>
+                          <m:sSub>
+                            <m:sSubPr>
+                              <m:ctrlPr>
+                                <a:rPr kumimoji="1" lang="en-US" altLang="ko-Kore-KR" sz="2400" b="0" i="1">
+                                  <a:latin typeface="Cambria Math" panose="02040503050406030204" pitchFamily="18" charset="0"/>
+                                </a:rPr>
+                              </m:ctrlPr>
+                            </m:sSubPr>
+                            <m:e>
+                              <m:r>
+                                <a:rPr kumimoji="1" lang="en-US" altLang="ko-Kore-KR" sz="2400" b="0" i="1">
+                                  <a:latin typeface="Cambria Math" panose="02040503050406030204" pitchFamily="18" charset="0"/>
+                                </a:rPr>
+                                <m:t>𝑝</m:t>
+                              </m:r>
+                            </m:e>
+                            <m:sub>
+                              <m:r>
+                                <a:rPr kumimoji="1" lang="en-US" altLang="ko-Kore-KR" sz="2400" b="0" i="1">
+                                  <a:latin typeface="Cambria Math" panose="02040503050406030204" pitchFamily="18" charset="0"/>
+                                </a:rPr>
+                                <m:t>𝑔</m:t>
+                              </m:r>
+                            </m:sub>
+                          </m:sSub>
+                        </m:e>
+                      </m:d>
+                      <m:r>
+                        <a:rPr kumimoji="1" lang="en-US" altLang="ko-Kore-KR" sz="2400" b="0" i="1">
+                          <a:latin typeface="Cambria Math" panose="02040503050406030204" pitchFamily="18" charset="0"/>
+                        </a:rPr>
+                        <m:t>)</m:t>
+                      </m:r>
+                    </m:oMath>
+                  </m:oMathPara>
+                </a14:m>
+                <a:endParaRPr kumimoji="1" lang="ko-Kore-KR" altLang="en-US" sz="2400"/>
+              </a:p>
+            </p:txBody>
+          </p:sp>
+        </mc:Choice>
+        <mc:Fallback>
+          <p:sp>
+            <p:nvSpPr>
+              <p:cNvPr id="11" name="TextBox 10">
+                <a:extLst>
+                  <a:ext uri="{FF2B5EF4-FFF2-40B4-BE49-F238E27FC236}">
+                    <a16:creationId xmlns:a16="http://schemas.microsoft.com/office/drawing/2014/main" id="{9E05BB0F-5981-9346-AF84-147417A89CBC}"/>
+                  </a:ext>
+                </a:extLst>
+              </p:cNvPr>
+              <p:cNvSpPr txBox="1">
+                <a:spLocks noRot="1" noChangeAspect="1" noMove="1" noResize="1" noEditPoints="1" noAdjustHandles="1" noChangeArrowheads="1" noChangeShapeType="1" noTextEdit="1"/>
+              </p:cNvSpPr>
+              <p:nvPr/>
+            </p:nvSpPr>
+            <p:spPr>
+              <a:xfrm>
+                <a:off x="1135851" y="6081828"/>
+                <a:ext cx="4076693" cy="550022"/>
+              </a:xfrm>
+              <a:prstGeom prst="rect">
+                <a:avLst/>
+              </a:prstGeom>
+              <a:blipFill>
+                <a:blip r:embed="rId7"/>
+                <a:stretch>
+                  <a:fillRect l="-311" t="-215909" r="-7143" b="-309091"/>
+                </a:stretch>
+              </a:blipFill>
+            </p:spPr>
+            <p:txBody>
+              <a:bodyPr/>
+              <a:lstStyle/>
+              <a:p>
+                <a:r>
+                  <a:rPr lang="ko-Kore-KR" altLang="en-US">
+                    <a:noFill/>
+                  </a:rPr>
+                  <a:t> </a:t>
+                </a:r>
+              </a:p>
+            </p:txBody>
+          </p:sp>
+        </mc:Fallback>
+      </mc:AlternateContent>
+    </p:spTree>
+    <p:extLst>
+      <p:ext uri="{BB962C8B-B14F-4D97-AF65-F5344CB8AC3E}">
+        <p14:creationId xmlns:p14="http://schemas.microsoft.com/office/powerpoint/2010/main" val="2397883047"/>
       </p:ext>
     </p:extLst>
   </p:cSld>
